--- a/cc_process/Customer Churn.pptx
+++ b/cc_process/Customer Churn.pptx
@@ -5,7 +5,7 @@
     <p:sldMasterId id="2147483648" r:id="rId1"/>
   </p:sldMasterIdLst>
   <p:notesMasterIdLst>
-    <p:notesMasterId r:id="rId19"/>
+    <p:notesMasterId r:id="rId24"/>
   </p:notesMasterIdLst>
   <p:sldIdLst>
     <p:sldId id="256" r:id="rId2"/>
@@ -13,29 +13,34 @@
     <p:sldId id="258" r:id="rId4"/>
     <p:sldId id="259" r:id="rId5"/>
     <p:sldId id="260" r:id="rId6"/>
-    <p:sldId id="261" r:id="rId7"/>
-    <p:sldId id="262" r:id="rId8"/>
-    <p:sldId id="263" r:id="rId9"/>
-    <p:sldId id="264" r:id="rId10"/>
-    <p:sldId id="265" r:id="rId11"/>
+    <p:sldId id="262" r:id="rId7"/>
+    <p:sldId id="263" r:id="rId8"/>
+    <p:sldId id="264" r:id="rId9"/>
+    <p:sldId id="265" r:id="rId10"/>
+    <p:sldId id="278" r:id="rId11"/>
     <p:sldId id="266" r:id="rId12"/>
-    <p:sldId id="267" r:id="rId13"/>
-    <p:sldId id="268" r:id="rId14"/>
-    <p:sldId id="269" r:id="rId15"/>
-    <p:sldId id="270" r:id="rId16"/>
-    <p:sldId id="271" r:id="rId17"/>
-    <p:sldId id="272" r:id="rId18"/>
+    <p:sldId id="261" r:id="rId13"/>
+    <p:sldId id="273" r:id="rId14"/>
+    <p:sldId id="274" r:id="rId15"/>
+    <p:sldId id="279" r:id="rId16"/>
+    <p:sldId id="276" r:id="rId17"/>
+    <p:sldId id="267" r:id="rId18"/>
+    <p:sldId id="268" r:id="rId19"/>
+    <p:sldId id="269" r:id="rId20"/>
+    <p:sldId id="270" r:id="rId21"/>
+    <p:sldId id="271" r:id="rId22"/>
+    <p:sldId id="272" r:id="rId23"/>
   </p:sldIdLst>
   <p:sldSz cx="18288000" cy="10287000"/>
   <p:notesSz cx="6858000" cy="9144000"/>
   <p:embeddedFontLst>
     <p:embeddedFont>
       <p:font typeface="Arimo" panose="02020500000000000000" charset="0"/>
-      <p:regular r:id="rId20"/>
+      <p:regular r:id="rId25"/>
     </p:embeddedFont>
     <p:embeddedFont>
       <p:font typeface="Arimo Bold" panose="02020500000000000000" charset="0"/>
-      <p:regular r:id="rId21"/>
+      <p:regular r:id="rId26"/>
     </p:embeddedFont>
   </p:embeddedFontLst>
   <p:defaultTextStyle>
@@ -234,7 +239,7 @@
           <a:p>
             <a:fld id="{B7268E1E-0E44-426D-905E-8AD9B19D2182}" type="datetimeFigureOut">
               <a:rPr lang="cs-CZ" smtClean="0"/>
-              <a:t>12.07.2024</a:t>
+              <a:t>16.07.2024</a:t>
             </a:fld>
             <a:endParaRPr lang="cs-CZ"/>
           </a:p>
@@ -931,6 +936,11 @@
         </p:txBody>
       </p:sp>
     </p:spTree>
+    <p:extLst>
+      <p:ext uri="{BB962C8B-B14F-4D97-AF65-F5344CB8AC3E}">
+        <p14:creationId xmlns:p14="http://schemas.microsoft.com/office/powerpoint/2010/main" val="3641933450"/>
+      </p:ext>
+    </p:extLst>
   </p:cSld>
   <p:clrMapOvr>
     <a:masterClrMapping/>
@@ -1468,8 +1478,8 @@
         </p:nvSpPr>
         <p:spPr>
           <a:xfrm>
-            <a:off x="2857500" y="512763"/>
-            <a:ext cx="3429000" cy="2566987"/>
+            <a:off x="2290763" y="512763"/>
+            <a:ext cx="4562475" cy="2566987"/>
           </a:xfrm>
           <a:prstGeom prst="rect">
             <a:avLst/>
@@ -1585,6 +1595,11 @@
         </p:txBody>
       </p:sp>
     </p:spTree>
+    <p:extLst>
+      <p:ext uri="{BB962C8B-B14F-4D97-AF65-F5344CB8AC3E}">
+        <p14:creationId xmlns:p14="http://schemas.microsoft.com/office/powerpoint/2010/main" val="4104419701"/>
+      </p:ext>
+    </p:extLst>
   </p:cSld>
   <p:clrMapOvr>
     <a:masterClrMapping/>
@@ -1686,8 +1701,8 @@
         </p:nvSpPr>
         <p:spPr>
           <a:xfrm>
-            <a:off x="2857500" y="512763"/>
-            <a:ext cx="3429000" cy="2566987"/>
+            <a:off x="2290763" y="512763"/>
+            <a:ext cx="4562475" cy="2566987"/>
           </a:xfrm>
           <a:prstGeom prst="rect">
             <a:avLst/>
@@ -1803,6 +1818,11 @@
         </p:txBody>
       </p:sp>
     </p:spTree>
+    <p:extLst>
+      <p:ext uri="{BB962C8B-B14F-4D97-AF65-F5344CB8AC3E}">
+        <p14:creationId xmlns:p14="http://schemas.microsoft.com/office/powerpoint/2010/main" val="1056287482"/>
+      </p:ext>
+    </p:extLst>
   </p:cSld>
   <p:clrMapOvr>
     <a:masterClrMapping/>
@@ -2021,6 +2041,11 @@
         </p:txBody>
       </p:sp>
     </p:spTree>
+    <p:extLst>
+      <p:ext uri="{BB962C8B-B14F-4D97-AF65-F5344CB8AC3E}">
+        <p14:creationId xmlns:p14="http://schemas.microsoft.com/office/powerpoint/2010/main" val="2626992352"/>
+      </p:ext>
+    </p:extLst>
   </p:cSld>
   <p:clrMapOvr>
     <a:masterClrMapping/>
@@ -2122,8 +2147,8 @@
         </p:nvSpPr>
         <p:spPr>
           <a:xfrm>
-            <a:off x="2857500" y="512763"/>
-            <a:ext cx="3429000" cy="2566987"/>
+            <a:off x="2290763" y="512763"/>
+            <a:ext cx="4562475" cy="2566987"/>
           </a:xfrm>
           <a:prstGeom prst="rect">
             <a:avLst/>
@@ -2239,6 +2264,11 @@
         </p:txBody>
       </p:sp>
     </p:spTree>
+    <p:extLst>
+      <p:ext uri="{BB962C8B-B14F-4D97-AF65-F5344CB8AC3E}">
+        <p14:creationId xmlns:p14="http://schemas.microsoft.com/office/powerpoint/2010/main" val="872592907"/>
+      </p:ext>
+    </p:extLst>
   </p:cSld>
   <p:clrMapOvr>
     <a:masterClrMapping/>
@@ -2342,6 +2372,442 @@
           <a:xfrm>
             <a:off x="2290763" y="512763"/>
             <a:ext cx="4562475" cy="2566987"/>
+          </a:xfrm>
+          <a:prstGeom prst="rect">
+            <a:avLst/>
+          </a:prstGeom>
+          <a:noFill/>
+          <a:ln w="12700">
+            <a:solidFill>
+              <a:prstClr val="black"/>
+            </a:solidFill>
+          </a:ln>
+        </p:spPr>
+        <p:txBody>
+          <a:bodyPr vert="horz" lIns="91440" tIns="45720" rIns="91440" bIns="45720" rtlCol="0" anchor="ctr"/>
+          <a:lstStyle/>
+          <a:p>
+            <a:endParaRPr/>
+          </a:p>
+        </p:txBody>
+      </p:sp>
+      <p:sp>
+        <p:nvSpPr>
+          <p:cNvPr id="5" name="Notes Placeholder 4"/>
+          <p:cNvSpPr>
+            <a:spLocks noGrp="1"/>
+          </p:cNvSpPr>
+          <p:nvPr>
+            <p:ph type="body" sz="quarter" idx="3"/>
+          </p:nvPr>
+        </p:nvSpPr>
+        <p:spPr>
+          <a:xfrm>
+            <a:off x="914400" y="3251200"/>
+            <a:ext cx="7315200" cy="3081338"/>
+          </a:xfrm>
+          <a:prstGeom prst="rect">
+            <a:avLst/>
+          </a:prstGeom>
+        </p:spPr>
+        <p:txBody>
+          <a:bodyPr vert="horz" lIns="91440" tIns="45720" rIns="91440" bIns="45720" rtlCol="0"/>
+          <a:lstStyle/>
+          <a:p>
+            <a:r>
+              <a:rPr lang="en-US"/>
+              <a:t>3</a:t>
+            </a:r>
+          </a:p>
+        </p:txBody>
+      </p:sp>
+      <p:sp>
+        <p:nvSpPr>
+          <p:cNvPr id="6" name="Footer Placeholder 5"/>
+          <p:cNvSpPr>
+            <a:spLocks noGrp="1"/>
+          </p:cNvSpPr>
+          <p:nvPr>
+            <p:ph type="ftr" sz="quarter" idx="4"/>
+          </p:nvPr>
+        </p:nvSpPr>
+        <p:spPr>
+          <a:xfrm>
+            <a:off x="0" y="6502400"/>
+            <a:ext cx="3962400" cy="341313"/>
+          </a:xfrm>
+          <a:prstGeom prst="rect">
+            <a:avLst/>
+          </a:prstGeom>
+        </p:spPr>
+        <p:txBody>
+          <a:bodyPr vert="horz" lIns="91440" tIns="45720" rIns="91440" bIns="45720" rtlCol="0" anchor="b"/>
+          <a:lstStyle>
+            <a:lvl1pPr algn="l">
+              <a:defRPr sz="1200"/>
+            </a:lvl1pPr>
+          </a:lstStyle>
+          <a:p>
+            <a:endParaRPr/>
+          </a:p>
+        </p:txBody>
+      </p:sp>
+      <p:sp>
+        <p:nvSpPr>
+          <p:cNvPr id="7" name="Slide Number Placeholder 6"/>
+          <p:cNvSpPr>
+            <a:spLocks noGrp="1"/>
+          </p:cNvSpPr>
+          <p:nvPr>
+            <p:ph type="sldNum" sz="quarter" idx="5"/>
+          </p:nvPr>
+        </p:nvSpPr>
+        <p:spPr>
+          <a:xfrm>
+            <a:off x="5180013" y="6502400"/>
+            <a:ext cx="3962400" cy="341313"/>
+          </a:xfrm>
+          <a:prstGeom prst="rect">
+            <a:avLst/>
+          </a:prstGeom>
+        </p:spPr>
+        <p:txBody>
+          <a:bodyPr vert="horz" lIns="91440" tIns="45720" rIns="91440" bIns="45720" rtlCol="0" anchor="b"/>
+          <a:lstStyle>
+            <a:lvl1pPr algn="r">
+              <a:defRPr sz="1200"/>
+            </a:lvl1pPr>
+          </a:lstStyle>
+          <a:p>
+            <a:r>
+              <a:rPr lang="cs-CZ"/>
+              <a:t>‹#›</a:t>
+            </a:r>
+          </a:p>
+        </p:txBody>
+      </p:sp>
+    </p:spTree>
+  </p:cSld>
+  <p:clrMapOvr>
+    <a:masterClrMapping/>
+  </p:clrMapOvr>
+</p:notes>
+</file>
+
+<file path=ppt/notesSlides/notesSlide18.xml><?xml version="1.0" encoding="utf-8"?>
+<p:notes xmlns:a="http://schemas.openxmlformats.org/drawingml/2006/main" xmlns:r="http://schemas.openxmlformats.org/officeDocument/2006/relationships" xmlns:p="http://schemas.openxmlformats.org/presentationml/2006/main">
+  <p:cSld>
+    <p:spTree>
+      <p:nvGrpSpPr>
+        <p:cNvPr id="1" name=""/>
+        <p:cNvGrpSpPr/>
+        <p:nvPr/>
+      </p:nvGrpSpPr>
+      <p:grpSpPr>
+        <a:xfrm>
+          <a:off x="0" y="0"/>
+          <a:ext cx="0" cy="0"/>
+          <a:chOff x="0" y="0"/>
+          <a:chExt cx="0" cy="0"/>
+        </a:xfrm>
+      </p:grpSpPr>
+      <p:sp>
+        <p:nvSpPr>
+          <p:cNvPr id="2" name="Header Placeholder 1"/>
+          <p:cNvSpPr>
+            <a:spLocks noGrp="1"/>
+          </p:cNvSpPr>
+          <p:nvPr>
+            <p:ph type="hdr" sz="quarter"/>
+          </p:nvPr>
+        </p:nvSpPr>
+        <p:spPr>
+          <a:xfrm>
+            <a:off x="0" y="0"/>
+            <a:ext cx="3962400" cy="342900"/>
+          </a:xfrm>
+          <a:prstGeom prst="rect">
+            <a:avLst/>
+          </a:prstGeom>
+        </p:spPr>
+        <p:txBody>
+          <a:bodyPr vert="horz" lIns="91440" tIns="45720" rIns="91440" bIns="45720" rtlCol="0"/>
+          <a:lstStyle>
+            <a:lvl1pPr algn="l">
+              <a:defRPr sz="1200"/>
+            </a:lvl1pPr>
+          </a:lstStyle>
+          <a:p>
+            <a:endParaRPr/>
+          </a:p>
+        </p:txBody>
+      </p:sp>
+      <p:sp>
+        <p:nvSpPr>
+          <p:cNvPr id="3" name="Date Placeholder 2"/>
+          <p:cNvSpPr>
+            <a:spLocks noGrp="1"/>
+          </p:cNvSpPr>
+          <p:nvPr>
+            <p:ph type="dt" idx="1"/>
+          </p:nvPr>
+        </p:nvSpPr>
+        <p:spPr>
+          <a:xfrm>
+            <a:off x="5180013" y="0"/>
+            <a:ext cx="3962400" cy="342900"/>
+          </a:xfrm>
+          <a:prstGeom prst="rect">
+            <a:avLst/>
+          </a:prstGeom>
+        </p:spPr>
+        <p:txBody>
+          <a:bodyPr vert="horz" lIns="91440" tIns="45720" rIns="91440" bIns="45720" rtlCol="0"/>
+          <a:lstStyle>
+            <a:lvl1pPr algn="r">
+              <a:defRPr sz="1200"/>
+            </a:lvl1pPr>
+          </a:lstStyle>
+          <a:p>
+            <a:r>
+              <a:rPr lang="cs-CZ"/>
+              <a:t>1.7.2013</a:t>
+            </a:r>
+          </a:p>
+        </p:txBody>
+      </p:sp>
+      <p:sp>
+        <p:nvSpPr>
+          <p:cNvPr id="4" name="Slide Image Placeholder 3"/>
+          <p:cNvSpPr>
+            <a:spLocks noGrp="1" noRot="1" noChangeAspect="1"/>
+          </p:cNvSpPr>
+          <p:nvPr>
+            <p:ph type="sldImg" idx="2"/>
+          </p:nvPr>
+        </p:nvSpPr>
+        <p:spPr>
+          <a:xfrm>
+            <a:off x="2290763" y="512763"/>
+            <a:ext cx="4562475" cy="2566987"/>
+          </a:xfrm>
+          <a:prstGeom prst="rect">
+            <a:avLst/>
+          </a:prstGeom>
+          <a:noFill/>
+          <a:ln w="12700">
+            <a:solidFill>
+              <a:prstClr val="black"/>
+            </a:solidFill>
+          </a:ln>
+        </p:spPr>
+        <p:txBody>
+          <a:bodyPr vert="horz" lIns="91440" tIns="45720" rIns="91440" bIns="45720" rtlCol="0" anchor="ctr"/>
+          <a:lstStyle/>
+          <a:p>
+            <a:endParaRPr/>
+          </a:p>
+        </p:txBody>
+      </p:sp>
+      <p:sp>
+        <p:nvSpPr>
+          <p:cNvPr id="5" name="Notes Placeholder 4"/>
+          <p:cNvSpPr>
+            <a:spLocks noGrp="1"/>
+          </p:cNvSpPr>
+          <p:nvPr>
+            <p:ph type="body" sz="quarter" idx="3"/>
+          </p:nvPr>
+        </p:nvSpPr>
+        <p:spPr>
+          <a:xfrm>
+            <a:off x="914400" y="3251200"/>
+            <a:ext cx="7315200" cy="3081338"/>
+          </a:xfrm>
+          <a:prstGeom prst="rect">
+            <a:avLst/>
+          </a:prstGeom>
+        </p:spPr>
+        <p:txBody>
+          <a:bodyPr vert="horz" lIns="91440" tIns="45720" rIns="91440" bIns="45720" rtlCol="0"/>
+          <a:lstStyle/>
+          <a:p>
+            <a:r>
+              <a:rPr lang="en-US"/>
+              <a:t>3</a:t>
+            </a:r>
+          </a:p>
+        </p:txBody>
+      </p:sp>
+      <p:sp>
+        <p:nvSpPr>
+          <p:cNvPr id="6" name="Footer Placeholder 5"/>
+          <p:cNvSpPr>
+            <a:spLocks noGrp="1"/>
+          </p:cNvSpPr>
+          <p:nvPr>
+            <p:ph type="ftr" sz="quarter" idx="4"/>
+          </p:nvPr>
+        </p:nvSpPr>
+        <p:spPr>
+          <a:xfrm>
+            <a:off x="0" y="6502400"/>
+            <a:ext cx="3962400" cy="341313"/>
+          </a:xfrm>
+          <a:prstGeom prst="rect">
+            <a:avLst/>
+          </a:prstGeom>
+        </p:spPr>
+        <p:txBody>
+          <a:bodyPr vert="horz" lIns="91440" tIns="45720" rIns="91440" bIns="45720" rtlCol="0" anchor="b"/>
+          <a:lstStyle>
+            <a:lvl1pPr algn="l">
+              <a:defRPr sz="1200"/>
+            </a:lvl1pPr>
+          </a:lstStyle>
+          <a:p>
+            <a:endParaRPr/>
+          </a:p>
+        </p:txBody>
+      </p:sp>
+      <p:sp>
+        <p:nvSpPr>
+          <p:cNvPr id="7" name="Slide Number Placeholder 6"/>
+          <p:cNvSpPr>
+            <a:spLocks noGrp="1"/>
+          </p:cNvSpPr>
+          <p:nvPr>
+            <p:ph type="sldNum" sz="quarter" idx="5"/>
+          </p:nvPr>
+        </p:nvSpPr>
+        <p:spPr>
+          <a:xfrm>
+            <a:off x="5180013" y="6502400"/>
+            <a:ext cx="3962400" cy="341313"/>
+          </a:xfrm>
+          <a:prstGeom prst="rect">
+            <a:avLst/>
+          </a:prstGeom>
+        </p:spPr>
+        <p:txBody>
+          <a:bodyPr vert="horz" lIns="91440" tIns="45720" rIns="91440" bIns="45720" rtlCol="0" anchor="b"/>
+          <a:lstStyle>
+            <a:lvl1pPr algn="r">
+              <a:defRPr sz="1200"/>
+            </a:lvl1pPr>
+          </a:lstStyle>
+          <a:p>
+            <a:r>
+              <a:rPr lang="cs-CZ"/>
+              <a:t>‹#›</a:t>
+            </a:r>
+          </a:p>
+        </p:txBody>
+      </p:sp>
+    </p:spTree>
+  </p:cSld>
+  <p:clrMapOvr>
+    <a:masterClrMapping/>
+  </p:clrMapOvr>
+</p:notes>
+</file>
+
+<file path=ppt/notesSlides/notesSlide19.xml><?xml version="1.0" encoding="utf-8"?>
+<p:notes xmlns:a="http://schemas.openxmlformats.org/drawingml/2006/main" xmlns:r="http://schemas.openxmlformats.org/officeDocument/2006/relationships" xmlns:p="http://schemas.openxmlformats.org/presentationml/2006/main">
+  <p:cSld>
+    <p:spTree>
+      <p:nvGrpSpPr>
+        <p:cNvPr id="1" name=""/>
+        <p:cNvGrpSpPr/>
+        <p:nvPr/>
+      </p:nvGrpSpPr>
+      <p:grpSpPr>
+        <a:xfrm>
+          <a:off x="0" y="0"/>
+          <a:ext cx="0" cy="0"/>
+          <a:chOff x="0" y="0"/>
+          <a:chExt cx="0" cy="0"/>
+        </a:xfrm>
+      </p:grpSpPr>
+      <p:sp>
+        <p:nvSpPr>
+          <p:cNvPr id="2" name="Header Placeholder 1"/>
+          <p:cNvSpPr>
+            <a:spLocks noGrp="1"/>
+          </p:cNvSpPr>
+          <p:nvPr>
+            <p:ph type="hdr" sz="quarter"/>
+          </p:nvPr>
+        </p:nvSpPr>
+        <p:spPr>
+          <a:xfrm>
+            <a:off x="0" y="0"/>
+            <a:ext cx="3962400" cy="342900"/>
+          </a:xfrm>
+          <a:prstGeom prst="rect">
+            <a:avLst/>
+          </a:prstGeom>
+        </p:spPr>
+        <p:txBody>
+          <a:bodyPr vert="horz" lIns="91440" tIns="45720" rIns="91440" bIns="45720" rtlCol="0"/>
+          <a:lstStyle>
+            <a:lvl1pPr algn="l">
+              <a:defRPr sz="1200"/>
+            </a:lvl1pPr>
+          </a:lstStyle>
+          <a:p>
+            <a:endParaRPr/>
+          </a:p>
+        </p:txBody>
+      </p:sp>
+      <p:sp>
+        <p:nvSpPr>
+          <p:cNvPr id="3" name="Date Placeholder 2"/>
+          <p:cNvSpPr>
+            <a:spLocks noGrp="1"/>
+          </p:cNvSpPr>
+          <p:nvPr>
+            <p:ph type="dt" idx="1"/>
+          </p:nvPr>
+        </p:nvSpPr>
+        <p:spPr>
+          <a:xfrm>
+            <a:off x="5180013" y="0"/>
+            <a:ext cx="3962400" cy="342900"/>
+          </a:xfrm>
+          <a:prstGeom prst="rect">
+            <a:avLst/>
+          </a:prstGeom>
+        </p:spPr>
+        <p:txBody>
+          <a:bodyPr vert="horz" lIns="91440" tIns="45720" rIns="91440" bIns="45720" rtlCol="0"/>
+          <a:lstStyle>
+            <a:lvl1pPr algn="r">
+              <a:defRPr sz="1200"/>
+            </a:lvl1pPr>
+          </a:lstStyle>
+          <a:p>
+            <a:r>
+              <a:rPr lang="cs-CZ"/>
+              <a:t>1.7.2013</a:t>
+            </a:r>
+          </a:p>
+        </p:txBody>
+      </p:sp>
+      <p:sp>
+        <p:nvSpPr>
+          <p:cNvPr id="4" name="Slide Image Placeholder 3"/>
+          <p:cNvSpPr>
+            <a:spLocks noGrp="1" noRot="1" noChangeAspect="1"/>
+          </p:cNvSpPr>
+          <p:nvPr>
+            <p:ph type="sldImg" idx="2"/>
+          </p:nvPr>
+        </p:nvSpPr>
+        <p:spPr>
+          <a:xfrm>
+            <a:off x="2857500" y="512763"/>
+            <a:ext cx="3429000" cy="2566987"/>
           </a:xfrm>
           <a:prstGeom prst="rect">
             <a:avLst/>
@@ -2682,6 +3148,660 @@
 </p:notes>
 </file>
 
+<file path=ppt/notesSlides/notesSlide20.xml><?xml version="1.0" encoding="utf-8"?>
+<p:notes xmlns:a="http://schemas.openxmlformats.org/drawingml/2006/main" xmlns:r="http://schemas.openxmlformats.org/officeDocument/2006/relationships" xmlns:p="http://schemas.openxmlformats.org/presentationml/2006/main">
+  <p:cSld>
+    <p:spTree>
+      <p:nvGrpSpPr>
+        <p:cNvPr id="1" name=""/>
+        <p:cNvGrpSpPr/>
+        <p:nvPr/>
+      </p:nvGrpSpPr>
+      <p:grpSpPr>
+        <a:xfrm>
+          <a:off x="0" y="0"/>
+          <a:ext cx="0" cy="0"/>
+          <a:chOff x="0" y="0"/>
+          <a:chExt cx="0" cy="0"/>
+        </a:xfrm>
+      </p:grpSpPr>
+      <p:sp>
+        <p:nvSpPr>
+          <p:cNvPr id="2" name="Header Placeholder 1"/>
+          <p:cNvSpPr>
+            <a:spLocks noGrp="1"/>
+          </p:cNvSpPr>
+          <p:nvPr>
+            <p:ph type="hdr" sz="quarter"/>
+          </p:nvPr>
+        </p:nvSpPr>
+        <p:spPr>
+          <a:xfrm>
+            <a:off x="0" y="0"/>
+            <a:ext cx="3962400" cy="342900"/>
+          </a:xfrm>
+          <a:prstGeom prst="rect">
+            <a:avLst/>
+          </a:prstGeom>
+        </p:spPr>
+        <p:txBody>
+          <a:bodyPr vert="horz" lIns="91440" tIns="45720" rIns="91440" bIns="45720" rtlCol="0"/>
+          <a:lstStyle>
+            <a:lvl1pPr algn="l">
+              <a:defRPr sz="1200"/>
+            </a:lvl1pPr>
+          </a:lstStyle>
+          <a:p>
+            <a:endParaRPr/>
+          </a:p>
+        </p:txBody>
+      </p:sp>
+      <p:sp>
+        <p:nvSpPr>
+          <p:cNvPr id="3" name="Date Placeholder 2"/>
+          <p:cNvSpPr>
+            <a:spLocks noGrp="1"/>
+          </p:cNvSpPr>
+          <p:nvPr>
+            <p:ph type="dt" idx="1"/>
+          </p:nvPr>
+        </p:nvSpPr>
+        <p:spPr>
+          <a:xfrm>
+            <a:off x="5180013" y="0"/>
+            <a:ext cx="3962400" cy="342900"/>
+          </a:xfrm>
+          <a:prstGeom prst="rect">
+            <a:avLst/>
+          </a:prstGeom>
+        </p:spPr>
+        <p:txBody>
+          <a:bodyPr vert="horz" lIns="91440" tIns="45720" rIns="91440" bIns="45720" rtlCol="0"/>
+          <a:lstStyle>
+            <a:lvl1pPr algn="r">
+              <a:defRPr sz="1200"/>
+            </a:lvl1pPr>
+          </a:lstStyle>
+          <a:p>
+            <a:r>
+              <a:rPr lang="cs-CZ"/>
+              <a:t>1.7.2013</a:t>
+            </a:r>
+          </a:p>
+        </p:txBody>
+      </p:sp>
+      <p:sp>
+        <p:nvSpPr>
+          <p:cNvPr id="4" name="Slide Image Placeholder 3"/>
+          <p:cNvSpPr>
+            <a:spLocks noGrp="1" noRot="1" noChangeAspect="1"/>
+          </p:cNvSpPr>
+          <p:nvPr>
+            <p:ph type="sldImg" idx="2"/>
+          </p:nvPr>
+        </p:nvSpPr>
+        <p:spPr>
+          <a:xfrm>
+            <a:off x="2290763" y="512763"/>
+            <a:ext cx="4562475" cy="2566987"/>
+          </a:xfrm>
+          <a:prstGeom prst="rect">
+            <a:avLst/>
+          </a:prstGeom>
+          <a:noFill/>
+          <a:ln w="12700">
+            <a:solidFill>
+              <a:prstClr val="black"/>
+            </a:solidFill>
+          </a:ln>
+        </p:spPr>
+        <p:txBody>
+          <a:bodyPr vert="horz" lIns="91440" tIns="45720" rIns="91440" bIns="45720" rtlCol="0" anchor="ctr"/>
+          <a:lstStyle/>
+          <a:p>
+            <a:endParaRPr/>
+          </a:p>
+        </p:txBody>
+      </p:sp>
+      <p:sp>
+        <p:nvSpPr>
+          <p:cNvPr id="5" name="Notes Placeholder 4"/>
+          <p:cNvSpPr>
+            <a:spLocks noGrp="1"/>
+          </p:cNvSpPr>
+          <p:nvPr>
+            <p:ph type="body" sz="quarter" idx="3"/>
+          </p:nvPr>
+        </p:nvSpPr>
+        <p:spPr>
+          <a:xfrm>
+            <a:off x="914400" y="3251200"/>
+            <a:ext cx="7315200" cy="3081338"/>
+          </a:xfrm>
+          <a:prstGeom prst="rect">
+            <a:avLst/>
+          </a:prstGeom>
+        </p:spPr>
+        <p:txBody>
+          <a:bodyPr vert="horz" lIns="91440" tIns="45720" rIns="91440" bIns="45720" rtlCol="0"/>
+          <a:lstStyle/>
+          <a:p>
+            <a:r>
+              <a:rPr lang="en-US"/>
+              <a:t>3</a:t>
+            </a:r>
+          </a:p>
+        </p:txBody>
+      </p:sp>
+      <p:sp>
+        <p:nvSpPr>
+          <p:cNvPr id="6" name="Footer Placeholder 5"/>
+          <p:cNvSpPr>
+            <a:spLocks noGrp="1"/>
+          </p:cNvSpPr>
+          <p:nvPr>
+            <p:ph type="ftr" sz="quarter" idx="4"/>
+          </p:nvPr>
+        </p:nvSpPr>
+        <p:spPr>
+          <a:xfrm>
+            <a:off x="0" y="6502400"/>
+            <a:ext cx="3962400" cy="341313"/>
+          </a:xfrm>
+          <a:prstGeom prst="rect">
+            <a:avLst/>
+          </a:prstGeom>
+        </p:spPr>
+        <p:txBody>
+          <a:bodyPr vert="horz" lIns="91440" tIns="45720" rIns="91440" bIns="45720" rtlCol="0" anchor="b"/>
+          <a:lstStyle>
+            <a:lvl1pPr algn="l">
+              <a:defRPr sz="1200"/>
+            </a:lvl1pPr>
+          </a:lstStyle>
+          <a:p>
+            <a:endParaRPr/>
+          </a:p>
+        </p:txBody>
+      </p:sp>
+      <p:sp>
+        <p:nvSpPr>
+          <p:cNvPr id="7" name="Slide Number Placeholder 6"/>
+          <p:cNvSpPr>
+            <a:spLocks noGrp="1"/>
+          </p:cNvSpPr>
+          <p:nvPr>
+            <p:ph type="sldNum" sz="quarter" idx="5"/>
+          </p:nvPr>
+        </p:nvSpPr>
+        <p:spPr>
+          <a:xfrm>
+            <a:off x="5180013" y="6502400"/>
+            <a:ext cx="3962400" cy="341313"/>
+          </a:xfrm>
+          <a:prstGeom prst="rect">
+            <a:avLst/>
+          </a:prstGeom>
+        </p:spPr>
+        <p:txBody>
+          <a:bodyPr vert="horz" lIns="91440" tIns="45720" rIns="91440" bIns="45720" rtlCol="0" anchor="b"/>
+          <a:lstStyle>
+            <a:lvl1pPr algn="r">
+              <a:defRPr sz="1200"/>
+            </a:lvl1pPr>
+          </a:lstStyle>
+          <a:p>
+            <a:r>
+              <a:rPr lang="cs-CZ"/>
+              <a:t>‹#›</a:t>
+            </a:r>
+          </a:p>
+        </p:txBody>
+      </p:sp>
+    </p:spTree>
+  </p:cSld>
+  <p:clrMapOvr>
+    <a:masterClrMapping/>
+  </p:clrMapOvr>
+</p:notes>
+</file>
+
+<file path=ppt/notesSlides/notesSlide21.xml><?xml version="1.0" encoding="utf-8"?>
+<p:notes xmlns:a="http://schemas.openxmlformats.org/drawingml/2006/main" xmlns:r="http://schemas.openxmlformats.org/officeDocument/2006/relationships" xmlns:p="http://schemas.openxmlformats.org/presentationml/2006/main">
+  <p:cSld>
+    <p:spTree>
+      <p:nvGrpSpPr>
+        <p:cNvPr id="1" name=""/>
+        <p:cNvGrpSpPr/>
+        <p:nvPr/>
+      </p:nvGrpSpPr>
+      <p:grpSpPr>
+        <a:xfrm>
+          <a:off x="0" y="0"/>
+          <a:ext cx="0" cy="0"/>
+          <a:chOff x="0" y="0"/>
+          <a:chExt cx="0" cy="0"/>
+        </a:xfrm>
+      </p:grpSpPr>
+      <p:sp>
+        <p:nvSpPr>
+          <p:cNvPr id="2" name="Header Placeholder 1"/>
+          <p:cNvSpPr>
+            <a:spLocks noGrp="1"/>
+          </p:cNvSpPr>
+          <p:nvPr>
+            <p:ph type="hdr" sz="quarter"/>
+          </p:nvPr>
+        </p:nvSpPr>
+        <p:spPr>
+          <a:xfrm>
+            <a:off x="0" y="0"/>
+            <a:ext cx="3962400" cy="342900"/>
+          </a:xfrm>
+          <a:prstGeom prst="rect">
+            <a:avLst/>
+          </a:prstGeom>
+        </p:spPr>
+        <p:txBody>
+          <a:bodyPr vert="horz" lIns="91440" tIns="45720" rIns="91440" bIns="45720" rtlCol="0"/>
+          <a:lstStyle>
+            <a:lvl1pPr algn="l">
+              <a:defRPr sz="1200"/>
+            </a:lvl1pPr>
+          </a:lstStyle>
+          <a:p>
+            <a:endParaRPr/>
+          </a:p>
+        </p:txBody>
+      </p:sp>
+      <p:sp>
+        <p:nvSpPr>
+          <p:cNvPr id="3" name="Date Placeholder 2"/>
+          <p:cNvSpPr>
+            <a:spLocks noGrp="1"/>
+          </p:cNvSpPr>
+          <p:nvPr>
+            <p:ph type="dt" idx="1"/>
+          </p:nvPr>
+        </p:nvSpPr>
+        <p:spPr>
+          <a:xfrm>
+            <a:off x="5180013" y="0"/>
+            <a:ext cx="3962400" cy="342900"/>
+          </a:xfrm>
+          <a:prstGeom prst="rect">
+            <a:avLst/>
+          </a:prstGeom>
+        </p:spPr>
+        <p:txBody>
+          <a:bodyPr vert="horz" lIns="91440" tIns="45720" rIns="91440" bIns="45720" rtlCol="0"/>
+          <a:lstStyle>
+            <a:lvl1pPr algn="r">
+              <a:defRPr sz="1200"/>
+            </a:lvl1pPr>
+          </a:lstStyle>
+          <a:p>
+            <a:r>
+              <a:rPr lang="cs-CZ"/>
+              <a:t>1.7.2013</a:t>
+            </a:r>
+          </a:p>
+        </p:txBody>
+      </p:sp>
+      <p:sp>
+        <p:nvSpPr>
+          <p:cNvPr id="4" name="Slide Image Placeholder 3"/>
+          <p:cNvSpPr>
+            <a:spLocks noGrp="1" noRot="1" noChangeAspect="1"/>
+          </p:cNvSpPr>
+          <p:nvPr>
+            <p:ph type="sldImg" idx="2"/>
+          </p:nvPr>
+        </p:nvSpPr>
+        <p:spPr>
+          <a:xfrm>
+            <a:off x="2857500" y="512763"/>
+            <a:ext cx="3429000" cy="2566987"/>
+          </a:xfrm>
+          <a:prstGeom prst="rect">
+            <a:avLst/>
+          </a:prstGeom>
+          <a:noFill/>
+          <a:ln w="12700">
+            <a:solidFill>
+              <a:prstClr val="black"/>
+            </a:solidFill>
+          </a:ln>
+        </p:spPr>
+        <p:txBody>
+          <a:bodyPr vert="horz" lIns="91440" tIns="45720" rIns="91440" bIns="45720" rtlCol="0" anchor="ctr"/>
+          <a:lstStyle/>
+          <a:p>
+            <a:endParaRPr/>
+          </a:p>
+        </p:txBody>
+      </p:sp>
+      <p:sp>
+        <p:nvSpPr>
+          <p:cNvPr id="5" name="Notes Placeholder 4"/>
+          <p:cNvSpPr>
+            <a:spLocks noGrp="1"/>
+          </p:cNvSpPr>
+          <p:nvPr>
+            <p:ph type="body" sz="quarter" idx="3"/>
+          </p:nvPr>
+        </p:nvSpPr>
+        <p:spPr>
+          <a:xfrm>
+            <a:off x="914400" y="3251200"/>
+            <a:ext cx="7315200" cy="3081338"/>
+          </a:xfrm>
+          <a:prstGeom prst="rect">
+            <a:avLst/>
+          </a:prstGeom>
+        </p:spPr>
+        <p:txBody>
+          <a:bodyPr vert="horz" lIns="91440" tIns="45720" rIns="91440" bIns="45720" rtlCol="0"/>
+          <a:lstStyle/>
+          <a:p>
+            <a:r>
+              <a:rPr lang="en-US"/>
+              <a:t>3</a:t>
+            </a:r>
+          </a:p>
+        </p:txBody>
+      </p:sp>
+      <p:sp>
+        <p:nvSpPr>
+          <p:cNvPr id="6" name="Footer Placeholder 5"/>
+          <p:cNvSpPr>
+            <a:spLocks noGrp="1"/>
+          </p:cNvSpPr>
+          <p:nvPr>
+            <p:ph type="ftr" sz="quarter" idx="4"/>
+          </p:nvPr>
+        </p:nvSpPr>
+        <p:spPr>
+          <a:xfrm>
+            <a:off x="0" y="6502400"/>
+            <a:ext cx="3962400" cy="341313"/>
+          </a:xfrm>
+          <a:prstGeom prst="rect">
+            <a:avLst/>
+          </a:prstGeom>
+        </p:spPr>
+        <p:txBody>
+          <a:bodyPr vert="horz" lIns="91440" tIns="45720" rIns="91440" bIns="45720" rtlCol="0" anchor="b"/>
+          <a:lstStyle>
+            <a:lvl1pPr algn="l">
+              <a:defRPr sz="1200"/>
+            </a:lvl1pPr>
+          </a:lstStyle>
+          <a:p>
+            <a:endParaRPr/>
+          </a:p>
+        </p:txBody>
+      </p:sp>
+      <p:sp>
+        <p:nvSpPr>
+          <p:cNvPr id="7" name="Slide Number Placeholder 6"/>
+          <p:cNvSpPr>
+            <a:spLocks noGrp="1"/>
+          </p:cNvSpPr>
+          <p:nvPr>
+            <p:ph type="sldNum" sz="quarter" idx="5"/>
+          </p:nvPr>
+        </p:nvSpPr>
+        <p:spPr>
+          <a:xfrm>
+            <a:off x="5180013" y="6502400"/>
+            <a:ext cx="3962400" cy="341313"/>
+          </a:xfrm>
+          <a:prstGeom prst="rect">
+            <a:avLst/>
+          </a:prstGeom>
+        </p:spPr>
+        <p:txBody>
+          <a:bodyPr vert="horz" lIns="91440" tIns="45720" rIns="91440" bIns="45720" rtlCol="0" anchor="b"/>
+          <a:lstStyle>
+            <a:lvl1pPr algn="r">
+              <a:defRPr sz="1200"/>
+            </a:lvl1pPr>
+          </a:lstStyle>
+          <a:p>
+            <a:r>
+              <a:rPr lang="cs-CZ"/>
+              <a:t>‹#›</a:t>
+            </a:r>
+          </a:p>
+        </p:txBody>
+      </p:sp>
+    </p:spTree>
+  </p:cSld>
+  <p:clrMapOvr>
+    <a:masterClrMapping/>
+  </p:clrMapOvr>
+</p:notes>
+</file>
+
+<file path=ppt/notesSlides/notesSlide22.xml><?xml version="1.0" encoding="utf-8"?>
+<p:notes xmlns:a="http://schemas.openxmlformats.org/drawingml/2006/main" xmlns:r="http://schemas.openxmlformats.org/officeDocument/2006/relationships" xmlns:p="http://schemas.openxmlformats.org/presentationml/2006/main">
+  <p:cSld>
+    <p:spTree>
+      <p:nvGrpSpPr>
+        <p:cNvPr id="1" name=""/>
+        <p:cNvGrpSpPr/>
+        <p:nvPr/>
+      </p:nvGrpSpPr>
+      <p:grpSpPr>
+        <a:xfrm>
+          <a:off x="0" y="0"/>
+          <a:ext cx="0" cy="0"/>
+          <a:chOff x="0" y="0"/>
+          <a:chExt cx="0" cy="0"/>
+        </a:xfrm>
+      </p:grpSpPr>
+      <p:sp>
+        <p:nvSpPr>
+          <p:cNvPr id="2" name="Header Placeholder 1"/>
+          <p:cNvSpPr>
+            <a:spLocks noGrp="1"/>
+          </p:cNvSpPr>
+          <p:nvPr>
+            <p:ph type="hdr" sz="quarter"/>
+          </p:nvPr>
+        </p:nvSpPr>
+        <p:spPr>
+          <a:xfrm>
+            <a:off x="0" y="0"/>
+            <a:ext cx="3962400" cy="342900"/>
+          </a:xfrm>
+          <a:prstGeom prst="rect">
+            <a:avLst/>
+          </a:prstGeom>
+        </p:spPr>
+        <p:txBody>
+          <a:bodyPr vert="horz" lIns="91440" tIns="45720" rIns="91440" bIns="45720" rtlCol="0"/>
+          <a:lstStyle>
+            <a:lvl1pPr algn="l">
+              <a:defRPr sz="1200"/>
+            </a:lvl1pPr>
+          </a:lstStyle>
+          <a:p>
+            <a:endParaRPr/>
+          </a:p>
+        </p:txBody>
+      </p:sp>
+      <p:sp>
+        <p:nvSpPr>
+          <p:cNvPr id="3" name="Date Placeholder 2"/>
+          <p:cNvSpPr>
+            <a:spLocks noGrp="1"/>
+          </p:cNvSpPr>
+          <p:nvPr>
+            <p:ph type="dt" idx="1"/>
+          </p:nvPr>
+        </p:nvSpPr>
+        <p:spPr>
+          <a:xfrm>
+            <a:off x="5180013" y="0"/>
+            <a:ext cx="3962400" cy="342900"/>
+          </a:xfrm>
+          <a:prstGeom prst="rect">
+            <a:avLst/>
+          </a:prstGeom>
+        </p:spPr>
+        <p:txBody>
+          <a:bodyPr vert="horz" lIns="91440" tIns="45720" rIns="91440" bIns="45720" rtlCol="0"/>
+          <a:lstStyle>
+            <a:lvl1pPr algn="r">
+              <a:defRPr sz="1200"/>
+            </a:lvl1pPr>
+          </a:lstStyle>
+          <a:p>
+            <a:r>
+              <a:rPr lang="cs-CZ"/>
+              <a:t>1.7.2013</a:t>
+            </a:r>
+          </a:p>
+        </p:txBody>
+      </p:sp>
+      <p:sp>
+        <p:nvSpPr>
+          <p:cNvPr id="4" name="Slide Image Placeholder 3"/>
+          <p:cNvSpPr>
+            <a:spLocks noGrp="1" noRot="1" noChangeAspect="1"/>
+          </p:cNvSpPr>
+          <p:nvPr>
+            <p:ph type="sldImg" idx="2"/>
+          </p:nvPr>
+        </p:nvSpPr>
+        <p:spPr>
+          <a:xfrm>
+            <a:off x="2290763" y="512763"/>
+            <a:ext cx="4562475" cy="2566987"/>
+          </a:xfrm>
+          <a:prstGeom prst="rect">
+            <a:avLst/>
+          </a:prstGeom>
+          <a:noFill/>
+          <a:ln w="12700">
+            <a:solidFill>
+              <a:prstClr val="black"/>
+            </a:solidFill>
+          </a:ln>
+        </p:spPr>
+        <p:txBody>
+          <a:bodyPr vert="horz" lIns="91440" tIns="45720" rIns="91440" bIns="45720" rtlCol="0" anchor="ctr"/>
+          <a:lstStyle/>
+          <a:p>
+            <a:endParaRPr/>
+          </a:p>
+        </p:txBody>
+      </p:sp>
+      <p:sp>
+        <p:nvSpPr>
+          <p:cNvPr id="5" name="Notes Placeholder 4"/>
+          <p:cNvSpPr>
+            <a:spLocks noGrp="1"/>
+          </p:cNvSpPr>
+          <p:nvPr>
+            <p:ph type="body" sz="quarter" idx="3"/>
+          </p:nvPr>
+        </p:nvSpPr>
+        <p:spPr>
+          <a:xfrm>
+            <a:off x="914400" y="3251200"/>
+            <a:ext cx="7315200" cy="3081338"/>
+          </a:xfrm>
+          <a:prstGeom prst="rect">
+            <a:avLst/>
+          </a:prstGeom>
+        </p:spPr>
+        <p:txBody>
+          <a:bodyPr vert="horz" lIns="91440" tIns="45720" rIns="91440" bIns="45720" rtlCol="0"/>
+          <a:lstStyle/>
+          <a:p>
+            <a:r>
+              <a:rPr lang="en-US"/>
+              <a:t>3</a:t>
+            </a:r>
+          </a:p>
+        </p:txBody>
+      </p:sp>
+      <p:sp>
+        <p:nvSpPr>
+          <p:cNvPr id="6" name="Footer Placeholder 5"/>
+          <p:cNvSpPr>
+            <a:spLocks noGrp="1"/>
+          </p:cNvSpPr>
+          <p:nvPr>
+            <p:ph type="ftr" sz="quarter" idx="4"/>
+          </p:nvPr>
+        </p:nvSpPr>
+        <p:spPr>
+          <a:xfrm>
+            <a:off x="0" y="6502400"/>
+            <a:ext cx="3962400" cy="341313"/>
+          </a:xfrm>
+          <a:prstGeom prst="rect">
+            <a:avLst/>
+          </a:prstGeom>
+        </p:spPr>
+        <p:txBody>
+          <a:bodyPr vert="horz" lIns="91440" tIns="45720" rIns="91440" bIns="45720" rtlCol="0" anchor="b"/>
+          <a:lstStyle>
+            <a:lvl1pPr algn="l">
+              <a:defRPr sz="1200"/>
+            </a:lvl1pPr>
+          </a:lstStyle>
+          <a:p>
+            <a:endParaRPr/>
+          </a:p>
+        </p:txBody>
+      </p:sp>
+      <p:sp>
+        <p:nvSpPr>
+          <p:cNvPr id="7" name="Slide Number Placeholder 6"/>
+          <p:cNvSpPr>
+            <a:spLocks noGrp="1"/>
+          </p:cNvSpPr>
+          <p:nvPr>
+            <p:ph type="sldNum" sz="quarter" idx="5"/>
+          </p:nvPr>
+        </p:nvSpPr>
+        <p:spPr>
+          <a:xfrm>
+            <a:off x="5180013" y="6502400"/>
+            <a:ext cx="3962400" cy="341313"/>
+          </a:xfrm>
+          <a:prstGeom prst="rect">
+            <a:avLst/>
+          </a:prstGeom>
+        </p:spPr>
+        <p:txBody>
+          <a:bodyPr vert="horz" lIns="91440" tIns="45720" rIns="91440" bIns="45720" rtlCol="0" anchor="b"/>
+          <a:lstStyle>
+            <a:lvl1pPr algn="r">
+              <a:defRPr sz="1200"/>
+            </a:lvl1pPr>
+          </a:lstStyle>
+          <a:p>
+            <a:r>
+              <a:rPr lang="cs-CZ"/>
+              <a:t>‹#›</a:t>
+            </a:r>
+          </a:p>
+        </p:txBody>
+      </p:sp>
+    </p:spTree>
+  </p:cSld>
+  <p:clrMapOvr>
+    <a:masterClrMapping/>
+  </p:clrMapOvr>
+</p:notes>
+</file>
+
 <file path=ppt/notesSlides/notesSlide3.xml><?xml version="1.0" encoding="utf-8"?>
 <p:notes xmlns:a="http://schemas.openxmlformats.org/drawingml/2006/main" xmlns:r="http://schemas.openxmlformats.org/officeDocument/2006/relationships" xmlns:p="http://schemas.openxmlformats.org/presentationml/2006/main">
   <p:cSld>
@@ -3430,8 +4550,8 @@
         </p:nvSpPr>
         <p:spPr>
           <a:xfrm>
-            <a:off x="2857500" y="512763"/>
-            <a:ext cx="3429000" cy="2566987"/>
+            <a:off x="2290763" y="512763"/>
+            <a:ext cx="4562475" cy="2566987"/>
           </a:xfrm>
           <a:prstGeom prst="rect">
             <a:avLst/>
@@ -3866,8 +4986,8 @@
         </p:nvSpPr>
         <p:spPr>
           <a:xfrm>
-            <a:off x="2290763" y="512763"/>
-            <a:ext cx="4562475" cy="2566987"/>
+            <a:off x="2857500" y="512763"/>
+            <a:ext cx="3429000" cy="2566987"/>
           </a:xfrm>
           <a:prstGeom prst="rect">
             <a:avLst/>
@@ -4084,8 +5204,8 @@
         </p:nvSpPr>
         <p:spPr>
           <a:xfrm>
-            <a:off x="2857500" y="512763"/>
-            <a:ext cx="3429000" cy="2566987"/>
+            <a:off x="2290763" y="512763"/>
+            <a:ext cx="4562475" cy="2566987"/>
           </a:xfrm>
           <a:prstGeom prst="rect">
             <a:avLst/>
@@ -4388,7 +5508,7 @@
             <a:fld id="{1D8BD707-D9CF-40AE-B4C6-C98DA3205C09}" type="datetimeFigureOut">
               <a:rPr lang="en-US" smtClean="0"/>
               <a:pPr/>
-              <a:t>7/12/2024</a:t>
+              <a:t>7/16/2024</a:t>
             </a:fld>
             <a:endParaRPr lang="en-US"/>
           </a:p>
@@ -4553,7 +5673,7 @@
             <a:fld id="{1D8BD707-D9CF-40AE-B4C6-C98DA3205C09}" type="datetimeFigureOut">
               <a:rPr lang="en-US" smtClean="0"/>
               <a:pPr/>
-              <a:t>7/12/2024</a:t>
+              <a:t>7/16/2024</a:t>
             </a:fld>
             <a:endParaRPr lang="en-US"/>
           </a:p>
@@ -4728,7 +5848,7 @@
             <a:fld id="{1D8BD707-D9CF-40AE-B4C6-C98DA3205C09}" type="datetimeFigureOut">
               <a:rPr lang="en-US" smtClean="0"/>
               <a:pPr/>
-              <a:t>7/12/2024</a:t>
+              <a:t>7/16/2024</a:t>
             </a:fld>
             <a:endParaRPr lang="en-US"/>
           </a:p>
@@ -4893,7 +6013,7 @@
             <a:fld id="{1D8BD707-D9CF-40AE-B4C6-C98DA3205C09}" type="datetimeFigureOut">
               <a:rPr lang="en-US" smtClean="0"/>
               <a:pPr/>
-              <a:t>7/12/2024</a:t>
+              <a:t>7/16/2024</a:t>
             </a:fld>
             <a:endParaRPr lang="en-US"/>
           </a:p>
@@ -5135,7 +6255,7 @@
             <a:fld id="{1D8BD707-D9CF-40AE-B4C6-C98DA3205C09}" type="datetimeFigureOut">
               <a:rPr lang="en-US" smtClean="0"/>
               <a:pPr/>
-              <a:t>7/12/2024</a:t>
+              <a:t>7/16/2024</a:t>
             </a:fld>
             <a:endParaRPr lang="en-US"/>
           </a:p>
@@ -5417,7 +6537,7 @@
             <a:fld id="{1D8BD707-D9CF-40AE-B4C6-C98DA3205C09}" type="datetimeFigureOut">
               <a:rPr lang="en-US" smtClean="0"/>
               <a:pPr/>
-              <a:t>7/12/2024</a:t>
+              <a:t>7/16/2024</a:t>
             </a:fld>
             <a:endParaRPr lang="en-US"/>
           </a:p>
@@ -5833,7 +6953,7 @@
             <a:fld id="{1D8BD707-D9CF-40AE-B4C6-C98DA3205C09}" type="datetimeFigureOut">
               <a:rPr lang="en-US" smtClean="0"/>
               <a:pPr/>
-              <a:t>7/12/2024</a:t>
+              <a:t>7/16/2024</a:t>
             </a:fld>
             <a:endParaRPr lang="en-US"/>
           </a:p>
@@ -5947,7 +7067,7 @@
             <a:fld id="{1D8BD707-D9CF-40AE-B4C6-C98DA3205C09}" type="datetimeFigureOut">
               <a:rPr lang="en-US" smtClean="0"/>
               <a:pPr/>
-              <a:t>7/12/2024</a:t>
+              <a:t>7/16/2024</a:t>
             </a:fld>
             <a:endParaRPr lang="en-US"/>
           </a:p>
@@ -6039,7 +7159,7 @@
             <a:fld id="{1D8BD707-D9CF-40AE-B4C6-C98DA3205C09}" type="datetimeFigureOut">
               <a:rPr lang="en-US" smtClean="0"/>
               <a:pPr/>
-              <a:t>7/12/2024</a:t>
+              <a:t>7/16/2024</a:t>
             </a:fld>
             <a:endParaRPr lang="en-US"/>
           </a:p>
@@ -6311,7 +7431,7 @@
             <a:fld id="{1D8BD707-D9CF-40AE-B4C6-C98DA3205C09}" type="datetimeFigureOut">
               <a:rPr lang="en-US" smtClean="0"/>
               <a:pPr/>
-              <a:t>7/12/2024</a:t>
+              <a:t>7/16/2024</a:t>
             </a:fld>
             <a:endParaRPr lang="en-US"/>
           </a:p>
@@ -6560,7 +7680,7 @@
             <a:fld id="{1D8BD707-D9CF-40AE-B4C6-C98DA3205C09}" type="datetimeFigureOut">
               <a:rPr lang="en-US" smtClean="0"/>
               <a:pPr/>
-              <a:t>7/12/2024</a:t>
+              <a:t>7/16/2024</a:t>
             </a:fld>
             <a:endParaRPr lang="en-US"/>
           </a:p>
@@ -6768,7 +7888,7 @@
             <a:fld id="{1D8BD707-D9CF-40AE-B4C6-C98DA3205C09}" type="datetimeFigureOut">
               <a:rPr lang="en-US" smtClean="0"/>
               <a:pPr/>
-              <a:t>7/12/2024</a:t>
+              <a:t>7/16/2024</a:t>
             </a:fld>
             <a:endParaRPr lang="en-US"/>
           </a:p>
@@ -7520,132 +8640,26 @@
       </p:grpSp>
       <p:sp>
         <p:nvSpPr>
-          <p:cNvPr id="5" name="Freeform 5"/>
-          <p:cNvSpPr/>
-          <p:nvPr/>
-        </p:nvSpPr>
-        <p:spPr>
-          <a:xfrm>
-            <a:off x="1448158" y="1262011"/>
-            <a:ext cx="7023030" cy="6550533"/>
-          </a:xfrm>
-          <a:custGeom>
-            <a:avLst/>
-            <a:gdLst/>
-            <a:ahLst/>
-            <a:cxnLst/>
-            <a:rect l="l" t="t" r="r" b="b"/>
-            <a:pathLst>
-              <a:path w="7023030" h="6550533">
-                <a:moveTo>
-                  <a:pt x="0" y="0"/>
-                </a:moveTo>
-                <a:lnTo>
-                  <a:pt x="7023031" y="0"/>
-                </a:lnTo>
-                <a:lnTo>
-                  <a:pt x="7023031" y="6550533"/>
-                </a:lnTo>
-                <a:lnTo>
-                  <a:pt x="0" y="6550533"/>
-                </a:lnTo>
-                <a:lnTo>
-                  <a:pt x="0" y="0"/>
-                </a:lnTo>
-                <a:close/>
-              </a:path>
-            </a:pathLst>
-          </a:custGeom>
-          <a:blipFill>
-            <a:blip r:embed="rId4"/>
-            <a:stretch>
-              <a:fillRect/>
-            </a:stretch>
-          </a:blipFill>
-        </p:spPr>
-        <p:txBody>
-          <a:bodyPr/>
-          <a:lstStyle/>
-          <a:p>
-            <a:endParaRPr lang="zh-TW" altLang="en-US"/>
-          </a:p>
-        </p:txBody>
-      </p:sp>
-      <p:sp>
-        <p:nvSpPr>
-          <p:cNvPr id="6" name="Freeform 6"/>
-          <p:cNvSpPr/>
-          <p:nvPr/>
-        </p:nvSpPr>
-        <p:spPr>
-          <a:xfrm>
-            <a:off x="8846321" y="1262011"/>
-            <a:ext cx="8003171" cy="3550540"/>
-          </a:xfrm>
-          <a:custGeom>
-            <a:avLst/>
-            <a:gdLst/>
-            <a:ahLst/>
-            <a:cxnLst/>
-            <a:rect l="l" t="t" r="r" b="b"/>
-            <a:pathLst>
-              <a:path w="8003171" h="3550540">
-                <a:moveTo>
-                  <a:pt x="0" y="0"/>
-                </a:moveTo>
-                <a:lnTo>
-                  <a:pt x="8003171" y="0"/>
-                </a:lnTo>
-                <a:lnTo>
-                  <a:pt x="8003171" y="3550539"/>
-                </a:lnTo>
-                <a:lnTo>
-                  <a:pt x="0" y="3550539"/>
-                </a:lnTo>
-                <a:lnTo>
-                  <a:pt x="0" y="0"/>
-                </a:lnTo>
-                <a:close/>
-              </a:path>
-            </a:pathLst>
-          </a:custGeom>
-          <a:blipFill>
-            <a:blip r:embed="rId5"/>
-            <a:stretch>
-              <a:fillRect/>
-            </a:stretch>
-          </a:blipFill>
-        </p:spPr>
-        <p:txBody>
-          <a:bodyPr/>
-          <a:lstStyle/>
-          <a:p>
-            <a:endParaRPr lang="zh-TW" altLang="en-US"/>
-          </a:p>
-        </p:txBody>
-      </p:sp>
-      <p:sp>
-        <p:nvSpPr>
           <p:cNvPr id="7" name="TextBox 7"/>
           <p:cNvSpPr txBox="1"/>
           <p:nvPr/>
         </p:nvSpPr>
         <p:spPr>
           <a:xfrm>
-            <a:off x="4146143" y="8969933"/>
-            <a:ext cx="9995713" cy="916940"/>
-          </a:xfrm>
-          <a:prstGeom prst="rect">
-            <a:avLst/>
-          </a:prstGeom>
-        </p:spPr>
-        <p:txBody>
-          <a:bodyPr lIns="0" tIns="0" rIns="0" bIns="0" rtlCol="0" anchor="t">
+            <a:off x="533400" y="513299"/>
+            <a:ext cx="17221200" cy="836704"/>
+          </a:xfrm>
+          <a:prstGeom prst="rect">
+            <a:avLst/>
+          </a:prstGeom>
+        </p:spPr>
+        <p:txBody>
+          <a:bodyPr wrap="square" lIns="0" tIns="0" rIns="0" bIns="0" rtlCol="0" anchor="t">
             <a:spAutoFit/>
           </a:bodyPr>
           <a:lstStyle/>
           <a:p>
-            <a:pPr algn="ctr">
+            <a:pPr>
               <a:lnSpc>
                 <a:spcPts val="7000"/>
               </a:lnSpc>
@@ -7654,7 +8668,7 @@
               </a:spcBef>
             </a:pPr>
             <a:r>
-              <a:rPr lang="en-US" sz="5600">
+              <a:rPr lang="en-US" sz="5600" dirty="0">
                 <a:solidFill>
                   <a:srgbClr val="000000"/>
                 </a:solidFill>
@@ -7663,7 +8677,55 @@
                 <a:cs typeface="Arimo Bold"/>
                 <a:sym typeface="Arimo Bold"/>
               </a:rPr>
-              <a:t>Ordinal Encoding(Gender:Int)</a:t>
+              <a:t>Ordinal Encoding(Gender:</a:t>
+            </a:r>
+            <a:r>
+              <a:rPr lang="zh-TW" altLang="en-US" sz="5600" dirty="0">
+                <a:solidFill>
+                  <a:srgbClr val="000000"/>
+                </a:solidFill>
+                <a:latin typeface="Arimo Bold"/>
+                <a:ea typeface="Arimo Bold"/>
+                <a:cs typeface="Arimo Bold"/>
+                <a:sym typeface="Arimo Bold"/>
+              </a:rPr>
+              <a:t> </a:t>
+            </a:r>
+            <a:r>
+              <a:rPr lang="en-US" sz="5600" dirty="0">
+                <a:solidFill>
+                  <a:srgbClr val="000000"/>
+                </a:solidFill>
+                <a:latin typeface="Arimo Bold"/>
+                <a:ea typeface="Arimo Bold"/>
+                <a:cs typeface="Arimo Bold"/>
+                <a:sym typeface="Arimo Bold"/>
+              </a:rPr>
+              <a:t>Int</a:t>
+            </a:r>
+            <a:r>
+              <a:rPr lang="en-US" altLang="zh-TW" sz="5600" dirty="0">
+                <a:solidFill>
+                  <a:srgbClr val="000000"/>
+                </a:solidFill>
+                <a:latin typeface="Arimo Bold"/>
+                <a:ea typeface="Arimo Bold"/>
+                <a:cs typeface="Arimo Bold"/>
+                <a:sym typeface="Arimo Bold"/>
+              </a:rPr>
+              <a:t>, Churn: String</a:t>
+            </a:r>
+            <a:r>
+              <a:rPr lang="en-US" sz="5600" dirty="0">
+                <a:solidFill>
+                  <a:srgbClr val="000000"/>
+                </a:solidFill>
+                <a:latin typeface="Arimo Bold"/>
+                <a:ea typeface="Arimo Bold"/>
+                <a:cs typeface="Arimo Bold"/>
+                <a:sym typeface="Arimo Bold"/>
+              </a:rPr>
+              <a:t>)</a:t>
             </a:r>
           </a:p>
         </p:txBody>
@@ -7676,7 +8738,7 @@
         </p:nvSpPr>
         <p:spPr>
           <a:xfrm>
-            <a:off x="9045874" y="6667063"/>
+            <a:off x="9336179" y="6656764"/>
             <a:ext cx="3984325" cy="418320"/>
           </a:xfrm>
           <a:prstGeom prst="rect">
@@ -7707,7 +8769,7 @@
                 <a:cs typeface="Arimo Bold"/>
                 <a:sym typeface="Arimo Bold"/>
               </a:rPr>
-              <a:t>Payment  Delay:  0.232</a:t>
+              <a:t>Payment  Delay:  0.159</a:t>
             </a:r>
           </a:p>
         </p:txBody>
@@ -7720,8 +8782,8 @@
         </p:nvSpPr>
         <p:spPr>
           <a:xfrm>
-            <a:off x="8846321" y="7363599"/>
-            <a:ext cx="6157316" cy="448885"/>
+            <a:off x="13666901" y="6626199"/>
+            <a:ext cx="6157316" cy="418320"/>
           </a:xfrm>
           <a:prstGeom prst="rect">
             <a:avLst/>
@@ -7734,50 +8796,6 @@
           <a:lstStyle/>
           <a:p>
             <a:pPr algn="l">
-              <a:lnSpc>
-                <a:spcPts val="3499"/>
-              </a:lnSpc>
-              <a:spcBef>
-                <a:spcPct val="0"/>
-              </a:spcBef>
-            </a:pPr>
-            <a:r>
-              <a:rPr lang="en-US" sz="2799">
-                <a:solidFill>
-                  <a:srgbClr val="000000"/>
-                </a:solidFill>
-                <a:latin typeface="Arimo Bold"/>
-                <a:ea typeface="Arimo Bold"/>
-                <a:cs typeface="Arimo Bold"/>
-                <a:sym typeface="Arimo Bold"/>
-              </a:rPr>
-              <a:t>Usage Frequency:  0.148</a:t>
-            </a:r>
-          </a:p>
-        </p:txBody>
-      </p:sp>
-      <p:sp>
-        <p:nvSpPr>
-          <p:cNvPr id="10" name="TextBox 10"/>
-          <p:cNvSpPr txBox="1"/>
-          <p:nvPr/>
-        </p:nvSpPr>
-        <p:spPr>
-          <a:xfrm>
-            <a:off x="13455682" y="6667064"/>
-            <a:ext cx="3613118" cy="418320"/>
-          </a:xfrm>
-          <a:prstGeom prst="rect">
-            <a:avLst/>
-          </a:prstGeom>
-        </p:spPr>
-        <p:txBody>
-          <a:bodyPr wrap="square" lIns="0" tIns="0" rIns="0" bIns="0" rtlCol="0" anchor="t">
-            <a:spAutoFit/>
-          </a:bodyPr>
-          <a:lstStyle/>
-          <a:p>
-            <a:pPr algn="ctr">
               <a:lnSpc>
                 <a:spcPts val="3499"/>
               </a:lnSpc>
@@ -7795,21 +8813,21 @@
                 <a:cs typeface="Arimo Bold"/>
                 <a:sym typeface="Arimo Bold"/>
               </a:rPr>
-              <a:t>Support Calls:  0.159</a:t>
-            </a:r>
-          </a:p>
-        </p:txBody>
-      </p:sp>
-      <p:sp>
-        <p:nvSpPr>
-          <p:cNvPr id="11" name="TextBox 11"/>
+              <a:t>Usage Frequency:  0.12</a:t>
+            </a:r>
+          </a:p>
+        </p:txBody>
+      </p:sp>
+      <p:sp>
+        <p:nvSpPr>
+          <p:cNvPr id="10" name="TextBox 10"/>
           <p:cNvSpPr txBox="1"/>
           <p:nvPr/>
         </p:nvSpPr>
         <p:spPr>
           <a:xfrm>
-            <a:off x="13988962" y="7363599"/>
-            <a:ext cx="2470237" cy="418320"/>
+            <a:off x="11838456" y="7321738"/>
+            <a:ext cx="3613118" cy="418320"/>
           </a:xfrm>
           <a:prstGeom prst="rect">
             <a:avLst/>
@@ -7839,12 +8857,280 @@
                 <a:cs typeface="Arimo Bold"/>
                 <a:sym typeface="Arimo Bold"/>
               </a:rPr>
-              <a:t>Gender:  0.101</a:t>
-            </a:r>
+              <a:t>Support Calls:  0.111</a:t>
+            </a:r>
+          </a:p>
+        </p:txBody>
+      </p:sp>
+      <p:pic>
+        <p:nvPicPr>
+          <p:cNvPr id="13" name="圖片 12">
+            <a:extLst>
+              <a:ext uri="{FF2B5EF4-FFF2-40B4-BE49-F238E27FC236}">
+                <a16:creationId xmlns:a16="http://schemas.microsoft.com/office/drawing/2014/main" id="{878D00EA-227E-3EBE-320C-DC3530C17D5B}"/>
+              </a:ext>
+            </a:extLst>
+          </p:cNvPr>
+          <p:cNvPicPr>
+            <a:picLocks noChangeAspect="1"/>
+          </p:cNvPicPr>
+          <p:nvPr/>
+        </p:nvPicPr>
+        <p:blipFill>
+          <a:blip r:embed="rId4"/>
+          <a:stretch>
+            <a:fillRect/>
+          </a:stretch>
+        </p:blipFill>
+        <p:spPr>
+          <a:xfrm>
+            <a:off x="1600201" y="1881733"/>
+            <a:ext cx="6782260" cy="6385968"/>
+          </a:xfrm>
+          <a:prstGeom prst="rect">
+            <a:avLst/>
+          </a:prstGeom>
+        </p:spPr>
+      </p:pic>
+      <p:pic>
+        <p:nvPicPr>
+          <p:cNvPr id="15" name="圖片 14">
+            <a:extLst>
+              <a:ext uri="{FF2B5EF4-FFF2-40B4-BE49-F238E27FC236}">
+                <a16:creationId xmlns:a16="http://schemas.microsoft.com/office/drawing/2014/main" id="{D305F67D-3B83-060C-4171-A82C9D3395B5}"/>
+              </a:ext>
+            </a:extLst>
+          </p:cNvPr>
+          <p:cNvPicPr>
+            <a:picLocks noChangeAspect="1"/>
+          </p:cNvPicPr>
+          <p:nvPr/>
+        </p:nvPicPr>
+        <p:blipFill>
+          <a:blip r:embed="rId5"/>
+          <a:stretch>
+            <a:fillRect/>
+          </a:stretch>
+        </p:blipFill>
+        <p:spPr>
+          <a:xfrm>
+            <a:off x="10744199" y="2171700"/>
+            <a:ext cx="4707375" cy="3962400"/>
+          </a:xfrm>
+          <a:prstGeom prst="rect">
+            <a:avLst/>
+          </a:prstGeom>
+        </p:spPr>
+      </p:pic>
+      <p:sp>
+        <p:nvSpPr>
+          <p:cNvPr id="18" name="TextBox 7">
+            <a:extLst>
+              <a:ext uri="{FF2B5EF4-FFF2-40B4-BE49-F238E27FC236}">
+                <a16:creationId xmlns:a16="http://schemas.microsoft.com/office/drawing/2014/main" id="{5D31CCDF-4724-1800-7798-8A36D1E1F048}"/>
+              </a:ext>
+            </a:extLst>
+          </p:cNvPr>
+          <p:cNvSpPr txBox="1"/>
+          <p:nvPr/>
+        </p:nvSpPr>
+        <p:spPr>
+          <a:xfrm>
+            <a:off x="2515060" y="9056517"/>
+            <a:ext cx="13716000" cy="717184"/>
+          </a:xfrm>
+          <a:prstGeom prst="rect">
+            <a:avLst/>
+          </a:prstGeom>
+        </p:spPr>
+        <p:txBody>
+          <a:bodyPr wrap="square" lIns="0" tIns="0" rIns="0" bIns="0" rtlCol="0" anchor="t">
+            <a:spAutoFit/>
+          </a:bodyPr>
+          <a:lstStyle/>
+          <a:p>
+            <a:pPr algn="ctr">
+              <a:lnSpc>
+                <a:spcPts val="6000"/>
+              </a:lnSpc>
+              <a:spcBef>
+                <a:spcPct val="0"/>
+              </a:spcBef>
+            </a:pPr>
+            <a:r>
+              <a:rPr lang="en-US" altLang="zh-TW" sz="4000" dirty="0">
+                <a:solidFill>
+                  <a:srgbClr val="000000"/>
+                </a:solidFill>
+                <a:latin typeface="Arimo Bold"/>
+                <a:ea typeface="Arimo Bold"/>
+                <a:cs typeface="Arimo Bold"/>
+                <a:sym typeface="Arimo Bold"/>
+              </a:rPr>
+              <a:t>Turn</a:t>
+            </a:r>
+            <a:r>
+              <a:rPr lang="zh-TW" altLang="en-US" sz="4000" dirty="0">
+                <a:solidFill>
+                  <a:srgbClr val="000000"/>
+                </a:solidFill>
+                <a:latin typeface="Arimo Bold"/>
+                <a:ea typeface="Arimo Bold"/>
+                <a:cs typeface="Arimo Bold"/>
+                <a:sym typeface="Arimo Bold"/>
+              </a:rPr>
+              <a:t> </a:t>
+            </a:r>
+            <a:r>
+              <a:rPr lang="en-US" altLang="zh-TW" sz="4000" dirty="0">
+                <a:solidFill>
+                  <a:srgbClr val="000000"/>
+                </a:solidFill>
+                <a:latin typeface="Arimo Bold"/>
+                <a:ea typeface="Arimo Bold"/>
+                <a:cs typeface="Arimo Bold"/>
+                <a:sym typeface="Arimo Bold"/>
+              </a:rPr>
+              <a:t>“Churn”</a:t>
+            </a:r>
+            <a:r>
+              <a:rPr lang="zh-TW" altLang="en-US" sz="4000" dirty="0">
+                <a:solidFill>
+                  <a:srgbClr val="000000"/>
+                </a:solidFill>
+                <a:latin typeface="Arimo Bold"/>
+                <a:ea typeface="Arimo Bold"/>
+                <a:cs typeface="Arimo Bold"/>
+                <a:sym typeface="Arimo Bold"/>
+              </a:rPr>
+              <a:t> </a:t>
+            </a:r>
+            <a:r>
+              <a:rPr lang="en-US" altLang="zh-TW" sz="4000" dirty="0">
+                <a:solidFill>
+                  <a:srgbClr val="000000"/>
+                </a:solidFill>
+                <a:latin typeface="Arimo Bold"/>
+                <a:ea typeface="Arimo Bold"/>
+                <a:cs typeface="Arimo Bold"/>
+                <a:sym typeface="Arimo Bold"/>
+              </a:rPr>
+              <a:t>into</a:t>
+            </a:r>
+            <a:r>
+              <a:rPr lang="zh-TW" altLang="en-US" sz="4000" dirty="0">
+                <a:solidFill>
+                  <a:srgbClr val="000000"/>
+                </a:solidFill>
+                <a:latin typeface="Arimo Bold"/>
+                <a:ea typeface="Arimo Bold"/>
+                <a:cs typeface="Arimo Bold"/>
+                <a:sym typeface="Arimo Bold"/>
+              </a:rPr>
+              <a:t> </a:t>
+            </a:r>
+            <a:r>
+              <a:rPr lang="en-US" altLang="zh-TW" sz="4000" dirty="0">
+                <a:solidFill>
+                  <a:srgbClr val="000000"/>
+                </a:solidFill>
+                <a:latin typeface="Arimo Bold"/>
+                <a:ea typeface="Arimo Bold"/>
+                <a:cs typeface="Arimo Bold"/>
+                <a:sym typeface="Arimo Bold"/>
+              </a:rPr>
+              <a:t>string(1</a:t>
+            </a:r>
+            <a:r>
+              <a:rPr lang="zh-TW" altLang="en-US" sz="4000" dirty="0">
+                <a:solidFill>
+                  <a:srgbClr val="000000"/>
+                </a:solidFill>
+                <a:latin typeface="Arimo Bold"/>
+                <a:ea typeface="Arimo Bold"/>
+                <a:cs typeface="Arimo Bold"/>
+                <a:sym typeface="Arimo Bold"/>
+              </a:rPr>
+              <a:t>→</a:t>
+            </a:r>
+            <a:r>
+              <a:rPr lang="en-US" altLang="zh-TW" sz="4000" dirty="0">
+                <a:solidFill>
+                  <a:srgbClr val="000000"/>
+                </a:solidFill>
+                <a:latin typeface="Arimo Bold"/>
+                <a:ea typeface="Arimo Bold"/>
+                <a:cs typeface="Arimo Bold"/>
+                <a:sym typeface="Arimo Bold"/>
+              </a:rPr>
+              <a:t>churn,</a:t>
+            </a:r>
+            <a:r>
+              <a:rPr lang="zh-TW" altLang="en-US" sz="4000" dirty="0">
+                <a:solidFill>
+                  <a:srgbClr val="000000"/>
+                </a:solidFill>
+                <a:latin typeface="Arimo Bold"/>
+                <a:ea typeface="Arimo Bold"/>
+                <a:cs typeface="Arimo Bold"/>
+                <a:sym typeface="Arimo Bold"/>
+              </a:rPr>
+              <a:t> </a:t>
+            </a:r>
+            <a:r>
+              <a:rPr lang="en-US" altLang="zh-TW" sz="4000" dirty="0">
+                <a:solidFill>
+                  <a:srgbClr val="000000"/>
+                </a:solidFill>
+                <a:latin typeface="Arimo Bold"/>
+                <a:ea typeface="Arimo Bold"/>
+                <a:cs typeface="Arimo Bold"/>
+                <a:sym typeface="Arimo Bold"/>
+              </a:rPr>
+              <a:t>0</a:t>
+            </a:r>
+            <a:r>
+              <a:rPr lang="zh-TW" altLang="en-US" sz="4000" dirty="0">
+                <a:solidFill>
+                  <a:srgbClr val="000000"/>
+                </a:solidFill>
+                <a:latin typeface="Arimo Bold"/>
+                <a:ea typeface="Arimo Bold"/>
+                <a:cs typeface="Arimo Bold"/>
+                <a:sym typeface="Arimo Bold"/>
+              </a:rPr>
+              <a:t> →</a:t>
+            </a:r>
+            <a:r>
+              <a:rPr lang="en-US" altLang="zh-TW" sz="4000" dirty="0">
+                <a:solidFill>
+                  <a:srgbClr val="000000"/>
+                </a:solidFill>
+                <a:latin typeface="Arimo Bold"/>
+                <a:ea typeface="Arimo Bold"/>
+                <a:cs typeface="Arimo Bold"/>
+                <a:sym typeface="Arimo Bold"/>
+              </a:rPr>
+              <a:t>stay)</a:t>
+            </a:r>
+            <a:endParaRPr lang="en-US" sz="4000" dirty="0">
+              <a:solidFill>
+                <a:srgbClr val="000000"/>
+              </a:solidFill>
+              <a:latin typeface="Arimo Bold"/>
+              <a:ea typeface="Arimo Bold"/>
+              <a:cs typeface="Arimo Bold"/>
+              <a:sym typeface="Arimo Bold"/>
+            </a:endParaRPr>
           </a:p>
         </p:txBody>
       </p:sp>
     </p:spTree>
+    <p:extLst>
+      <p:ext uri="{BB962C8B-B14F-4D97-AF65-F5344CB8AC3E}">
+        <p14:creationId xmlns:p14="http://schemas.microsoft.com/office/powerpoint/2010/main" val="2086124051"/>
+      </p:ext>
+    </p:extLst>
   </p:cSld>
   <p:clrMapOvr>
     <a:masterClrMapping/>
@@ -8088,7 +9374,7 @@
           <a:bodyPr/>
           <a:lstStyle/>
           <a:p>
-            <a:endParaRPr lang="zh-TW" altLang="en-US"/>
+            <a:endParaRPr lang="zh-TW" altLang="en-US" dirty="0"/>
           </a:p>
         </p:txBody>
       </p:sp>
@@ -8100,7 +9386,7 @@
         </p:nvSpPr>
         <p:spPr>
           <a:xfrm>
-            <a:off x="4943154" y="9137671"/>
+            <a:off x="4943154" y="9170100"/>
             <a:ext cx="8931950" cy="717184"/>
           </a:xfrm>
           <a:prstGeom prst="rect">
@@ -8213,7 +9499,7 @@
         <p:spPr>
           <a:xfrm>
             <a:off x="8687611" y="7363599"/>
-            <a:ext cx="6157316" cy="448885"/>
+            <a:ext cx="6157316" cy="418320"/>
           </a:xfrm>
           <a:prstGeom prst="rect">
             <a:avLst/>
@@ -8234,7 +9520,7 @@
               </a:spcBef>
             </a:pPr>
             <a:r>
-              <a:rPr lang="en-US" sz="2799">
+              <a:rPr lang="en-US" sz="2799" dirty="0">
                 <a:solidFill>
                   <a:srgbClr val="000000"/>
                 </a:solidFill>
@@ -8243,7 +9529,7 @@
                 <a:cs typeface="Arimo Bold"/>
                 <a:sym typeface="Arimo Bold"/>
               </a:rPr>
-              <a:t>Usage Frequency:  0.148</a:t>
+              <a:t>Usage Frequency:  -0.148</a:t>
             </a:r>
           </a:p>
         </p:txBody>
@@ -8430,14 +9716,14 @@
         <p:spPr>
           <a:xfrm>
             <a:off x="13653207" y="7363599"/>
-            <a:ext cx="3122533" cy="448885"/>
-          </a:xfrm>
-          <a:prstGeom prst="rect">
-            <a:avLst/>
-          </a:prstGeom>
-        </p:spPr>
-        <p:txBody>
-          <a:bodyPr lIns="0" tIns="0" rIns="0" bIns="0" rtlCol="0" anchor="t">
+            <a:ext cx="3339393" cy="418320"/>
+          </a:xfrm>
+          <a:prstGeom prst="rect">
+            <a:avLst/>
+          </a:prstGeom>
+        </p:spPr>
+        <p:txBody>
+          <a:bodyPr wrap="square" lIns="0" tIns="0" rIns="0" bIns="0" rtlCol="0" anchor="t">
             <a:spAutoFit/>
           </a:bodyPr>
           <a:lstStyle/>
@@ -8451,7 +9737,7 @@
               </a:spcBef>
             </a:pPr>
             <a:r>
-              <a:rPr lang="en-US" sz="2799">
+              <a:rPr lang="en-US" altLang="zh-TW" sz="2799" dirty="0">
                 <a:solidFill>
                   <a:srgbClr val="000000"/>
                 </a:solidFill>
@@ -8460,40 +9746,8 @@
                 <a:cs typeface="Arimo Bold"/>
                 <a:sym typeface="Arimo Bold"/>
               </a:rPr>
-              <a:t>Total Spend  0.101</a:t>
-            </a:r>
-          </a:p>
-        </p:txBody>
-      </p:sp>
-      <p:sp>
-        <p:nvSpPr>
-          <p:cNvPr id="15" name="TextBox 15"/>
-          <p:cNvSpPr txBox="1"/>
-          <p:nvPr/>
-        </p:nvSpPr>
-        <p:spPr>
-          <a:xfrm>
-            <a:off x="13376805" y="8518518"/>
-            <a:ext cx="4066222" cy="418320"/>
-          </a:xfrm>
-          <a:prstGeom prst="rect">
-            <a:avLst/>
-          </a:prstGeom>
-        </p:spPr>
-        <p:txBody>
-          <a:bodyPr wrap="square" lIns="0" tIns="0" rIns="0" bIns="0" rtlCol="0" anchor="t">
-            <a:spAutoFit/>
-          </a:bodyPr>
-          <a:lstStyle/>
-          <a:p>
-            <a:pPr algn="ctr">
-              <a:lnSpc>
-                <a:spcPts val="3499"/>
-              </a:lnSpc>
-              <a:spcBef>
-                <a:spcPct val="0"/>
-              </a:spcBef>
-            </a:pPr>
+              <a:t>Gender:</a:t>
+            </a:r>
             <a:r>
               <a:rPr lang="en-US" sz="2799" dirty="0">
                 <a:solidFill>
@@ -8504,21 +9758,21 @@
                 <a:cs typeface="Arimo Bold"/>
                 <a:sym typeface="Arimo Bold"/>
               </a:rPr>
-              <a:t>Contract Length:  0.054</a:t>
-            </a:r>
-          </a:p>
-        </p:txBody>
-      </p:sp>
-      <p:sp>
-        <p:nvSpPr>
-          <p:cNvPr id="16" name="TextBox 16"/>
+              <a:t>  -0.101</a:t>
+            </a:r>
+          </a:p>
+        </p:txBody>
+      </p:sp>
+      <p:sp>
+        <p:nvSpPr>
+          <p:cNvPr id="15" name="TextBox 15"/>
           <p:cNvSpPr txBox="1"/>
           <p:nvPr/>
         </p:nvSpPr>
         <p:spPr>
           <a:xfrm>
-            <a:off x="13988962" y="7926758"/>
-            <a:ext cx="2546437" cy="418320"/>
+            <a:off x="13258800" y="8518518"/>
+            <a:ext cx="4184227" cy="418320"/>
           </a:xfrm>
           <a:prstGeom prst="rect">
             <a:avLst/>
@@ -8548,7 +9802,63 @@
                 <a:cs typeface="Arimo Bold"/>
                 <a:sym typeface="Arimo Bold"/>
               </a:rPr>
-              <a:t>Gender:  0.067</a:t>
+              <a:t>Contract Length:  -0.054</a:t>
+            </a:r>
+          </a:p>
+        </p:txBody>
+      </p:sp>
+      <p:sp>
+        <p:nvSpPr>
+          <p:cNvPr id="16" name="TextBox 16"/>
+          <p:cNvSpPr txBox="1"/>
+          <p:nvPr/>
+        </p:nvSpPr>
+        <p:spPr>
+          <a:xfrm>
+            <a:off x="13512527" y="8000534"/>
+            <a:ext cx="3567923" cy="418320"/>
+          </a:xfrm>
+          <a:prstGeom prst="rect">
+            <a:avLst/>
+          </a:prstGeom>
+        </p:spPr>
+        <p:txBody>
+          <a:bodyPr wrap="square" lIns="0" tIns="0" rIns="0" bIns="0" rtlCol="0" anchor="t">
+            <a:spAutoFit/>
+          </a:bodyPr>
+          <a:lstStyle/>
+          <a:p>
+            <a:pPr algn="ctr">
+              <a:lnSpc>
+                <a:spcPts val="3499"/>
+              </a:lnSpc>
+              <a:spcBef>
+                <a:spcPct val="0"/>
+              </a:spcBef>
+            </a:pPr>
+            <a:r>
+              <a:rPr lang="en-US" altLang="zh-TW" sz="2799" dirty="0">
+                <a:solidFill>
+                  <a:srgbClr val="000000"/>
+                </a:solidFill>
+                <a:latin typeface="Arimo Bold"/>
+                <a:ea typeface="Arimo Bold"/>
+                <a:cs typeface="Arimo Bold"/>
+                <a:sym typeface="Arimo Bold"/>
+              </a:rPr>
+              <a:t>Total Spend </a:t>
+            </a:r>
+            <a:r>
+              <a:rPr lang="en-US" sz="2799" dirty="0">
+                <a:solidFill>
+                  <a:srgbClr val="000000"/>
+                </a:solidFill>
+                <a:latin typeface="Arimo Bold"/>
+                <a:ea typeface="Arimo Bold"/>
+                <a:cs typeface="Arimo Bold"/>
+                <a:sym typeface="Arimo Bold"/>
+              </a:rPr>
+              <a:t>:  -0.067</a:t>
             </a:r>
           </a:p>
         </p:txBody>
@@ -8697,120 +10007,14 @@
       </p:grpSp>
       <p:sp>
         <p:nvSpPr>
-          <p:cNvPr id="5" name="Freeform 5"/>
-          <p:cNvSpPr/>
-          <p:nvPr/>
-        </p:nvSpPr>
-        <p:spPr>
-          <a:xfrm>
-            <a:off x="824951" y="2163452"/>
-            <a:ext cx="10133362" cy="5960096"/>
-          </a:xfrm>
-          <a:custGeom>
-            <a:avLst/>
-            <a:gdLst/>
-            <a:ahLst/>
-            <a:cxnLst/>
-            <a:rect l="l" t="t" r="r" b="b"/>
-            <a:pathLst>
-              <a:path w="10133362" h="5960096">
-                <a:moveTo>
-                  <a:pt x="0" y="0"/>
-                </a:moveTo>
-                <a:lnTo>
-                  <a:pt x="10133362" y="0"/>
-                </a:lnTo>
-                <a:lnTo>
-                  <a:pt x="10133362" y="5960096"/>
-                </a:lnTo>
-                <a:lnTo>
-                  <a:pt x="0" y="5960096"/>
-                </a:lnTo>
-                <a:lnTo>
-                  <a:pt x="0" y="0"/>
-                </a:lnTo>
-                <a:close/>
-              </a:path>
-            </a:pathLst>
-          </a:custGeom>
-          <a:blipFill>
-            <a:blip r:embed="rId4"/>
-            <a:stretch>
-              <a:fillRect/>
-            </a:stretch>
-          </a:blipFill>
-        </p:spPr>
-        <p:txBody>
-          <a:bodyPr/>
-          <a:lstStyle/>
-          <a:p>
-            <a:endParaRPr lang="zh-TW" altLang="en-US"/>
-          </a:p>
-        </p:txBody>
-      </p:sp>
-      <p:sp>
-        <p:nvSpPr>
-          <p:cNvPr id="6" name="Freeform 6"/>
-          <p:cNvSpPr/>
-          <p:nvPr/>
-        </p:nvSpPr>
-        <p:spPr>
-          <a:xfrm>
-            <a:off x="11209022" y="2103886"/>
-            <a:ext cx="5483497" cy="6019661"/>
-          </a:xfrm>
-          <a:custGeom>
-            <a:avLst/>
-            <a:gdLst/>
-            <a:ahLst/>
-            <a:cxnLst/>
-            <a:rect l="l" t="t" r="r" b="b"/>
-            <a:pathLst>
-              <a:path w="5483497" h="6019661">
-                <a:moveTo>
-                  <a:pt x="0" y="0"/>
-                </a:moveTo>
-                <a:lnTo>
-                  <a:pt x="5483497" y="0"/>
-                </a:lnTo>
-                <a:lnTo>
-                  <a:pt x="5483497" y="6019662"/>
-                </a:lnTo>
-                <a:lnTo>
-                  <a:pt x="0" y="6019662"/>
-                </a:lnTo>
-                <a:lnTo>
-                  <a:pt x="0" y="0"/>
-                </a:lnTo>
-                <a:close/>
-              </a:path>
-            </a:pathLst>
-          </a:custGeom>
-          <a:blipFill>
-            <a:blip r:embed="rId5"/>
-            <a:stretch>
-              <a:fillRect/>
-            </a:stretch>
-          </a:blipFill>
-        </p:spPr>
-        <p:txBody>
-          <a:bodyPr/>
-          <a:lstStyle/>
-          <a:p>
-            <a:endParaRPr lang="zh-TW" altLang="en-US"/>
-          </a:p>
-        </p:txBody>
-      </p:sp>
-      <p:sp>
-        <p:nvSpPr>
-          <p:cNvPr id="7" name="TextBox 7"/>
+          <p:cNvPr id="5" name="TextBox 5"/>
           <p:cNvSpPr txBox="1"/>
           <p:nvPr/>
         </p:nvSpPr>
         <p:spPr>
           <a:xfrm>
-            <a:off x="702604" y="536893"/>
-            <a:ext cx="18361245" cy="916940"/>
+            <a:off x="615070" y="500360"/>
+            <a:ext cx="18361245" cy="897682"/>
           </a:xfrm>
           <a:prstGeom prst="rect">
             <a:avLst/>
@@ -8828,7 +10032,7 @@
               </a:lnSpc>
             </a:pPr>
             <a:r>
-              <a:rPr lang="en-US" sz="5600">
+              <a:rPr lang="en-US" sz="5600" dirty="0">
                 <a:solidFill>
                   <a:srgbClr val="000000"/>
                 </a:solidFill>
@@ -8837,21 +10041,173 @@
                 <a:cs typeface="Arimo Bold"/>
                 <a:sym typeface="Arimo Bold"/>
               </a:rPr>
-              <a:t>Operate with LLM</a:t>
-            </a:r>
-          </a:p>
-        </p:txBody>
-      </p:sp>
-      <p:sp>
-        <p:nvSpPr>
-          <p:cNvPr id="8" name="TextBox 8"/>
+              <a:t>Big Size Training(60000 rows</a:t>
+            </a:r>
+            <a:r>
+              <a:rPr lang="en-US" altLang="zh-TW" sz="5600" dirty="0">
+                <a:solidFill>
+                  <a:srgbClr val="000000"/>
+                </a:solidFill>
+                <a:latin typeface="Arimo Bold"/>
+                <a:ea typeface="Arimo Bold"/>
+                <a:cs typeface="Arimo Bold"/>
+                <a:sym typeface="Arimo Bold"/>
+              </a:rPr>
+              <a:t>, </a:t>
+            </a:r>
+            <a:r>
+              <a:rPr lang="en-US" altLang="zh-TW" sz="6000" dirty="0">
+                <a:solidFill>
+                  <a:srgbClr val="000000"/>
+                </a:solidFill>
+                <a:latin typeface="Arimo Bold"/>
+                <a:ea typeface="Arimo Bold"/>
+                <a:cs typeface="Arimo Bold"/>
+                <a:sym typeface="Arimo Bold"/>
+              </a:rPr>
+              <a:t>training for 48hr</a:t>
+            </a:r>
+            <a:r>
+              <a:rPr lang="en-US" sz="5600" dirty="0">
+                <a:solidFill>
+                  <a:srgbClr val="000000"/>
+                </a:solidFill>
+                <a:latin typeface="Arimo Bold"/>
+                <a:ea typeface="Arimo Bold"/>
+                <a:cs typeface="Arimo Bold"/>
+                <a:sym typeface="Arimo Bold"/>
+              </a:rPr>
+              <a:t>)</a:t>
+            </a:r>
+          </a:p>
+        </p:txBody>
+      </p:sp>
+      <p:pic>
+        <p:nvPicPr>
+          <p:cNvPr id="7" name="圖片 6">
+            <a:extLst>
+              <a:ext uri="{FF2B5EF4-FFF2-40B4-BE49-F238E27FC236}">
+                <a16:creationId xmlns:a16="http://schemas.microsoft.com/office/drawing/2014/main" id="{202B650B-BB86-912B-97D7-6CD6C8190F45}"/>
+              </a:ext>
+            </a:extLst>
+          </p:cNvPr>
+          <p:cNvPicPr>
+            <a:picLocks noChangeAspect="1"/>
+          </p:cNvPicPr>
+          <p:nvPr/>
+        </p:nvPicPr>
+        <p:blipFill>
+          <a:blip r:embed="rId4"/>
+          <a:stretch>
+            <a:fillRect/>
+          </a:stretch>
+        </p:blipFill>
+        <p:spPr>
+          <a:xfrm>
+            <a:off x="777346" y="1939089"/>
+            <a:ext cx="8516539" cy="6573167"/>
+          </a:xfrm>
+          <a:prstGeom prst="rect">
+            <a:avLst/>
+          </a:prstGeom>
+        </p:spPr>
+      </p:pic>
+      <p:pic>
+        <p:nvPicPr>
+          <p:cNvPr id="9" name="圖片 8">
+            <a:extLst>
+              <a:ext uri="{FF2B5EF4-FFF2-40B4-BE49-F238E27FC236}">
+                <a16:creationId xmlns:a16="http://schemas.microsoft.com/office/drawing/2014/main" id="{32B30A7F-D4AD-0D1C-C27A-0E04DDFEA3C5}"/>
+              </a:ext>
+            </a:extLst>
+          </p:cNvPr>
+          <p:cNvPicPr>
+            <a:picLocks noChangeAspect="1"/>
+          </p:cNvPicPr>
+          <p:nvPr/>
+        </p:nvPicPr>
+        <p:blipFill>
+          <a:blip r:embed="rId5"/>
+          <a:stretch>
+            <a:fillRect/>
+          </a:stretch>
+        </p:blipFill>
+        <p:spPr>
+          <a:xfrm>
+            <a:off x="9293885" y="1942776"/>
+            <a:ext cx="8099332" cy="2972124"/>
+          </a:xfrm>
+          <a:prstGeom prst="rect">
+            <a:avLst/>
+          </a:prstGeom>
+        </p:spPr>
+      </p:pic>
+      <p:sp>
+        <p:nvSpPr>
+          <p:cNvPr id="10" name="TextBox 8">
+            <a:extLst>
+              <a:ext uri="{FF2B5EF4-FFF2-40B4-BE49-F238E27FC236}">
+                <a16:creationId xmlns:a16="http://schemas.microsoft.com/office/drawing/2014/main" id="{BCA4BD3B-C922-C550-B523-EF422E21C9C6}"/>
+              </a:ext>
+            </a:extLst>
+          </p:cNvPr>
           <p:cNvSpPr txBox="1"/>
           <p:nvPr/>
         </p:nvSpPr>
         <p:spPr>
           <a:xfrm>
-            <a:off x="7106376" y="436814"/>
-            <a:ext cx="6752794" cy="790024"/>
+            <a:off x="11362667" y="5932047"/>
+            <a:ext cx="3961768" cy="418320"/>
+          </a:xfrm>
+          <a:prstGeom prst="rect">
+            <a:avLst/>
+          </a:prstGeom>
+        </p:spPr>
+        <p:txBody>
+          <a:bodyPr wrap="square" lIns="0" tIns="0" rIns="0" bIns="0" rtlCol="0" anchor="t">
+            <a:spAutoFit/>
+          </a:bodyPr>
+          <a:lstStyle/>
+          <a:p>
+            <a:pPr algn="ctr">
+              <a:lnSpc>
+                <a:spcPts val="3499"/>
+              </a:lnSpc>
+              <a:spcBef>
+                <a:spcPct val="0"/>
+              </a:spcBef>
+            </a:pPr>
+            <a:r>
+              <a:rPr lang="en-US" sz="2799" dirty="0">
+                <a:solidFill>
+                  <a:srgbClr val="000000"/>
+                </a:solidFill>
+                <a:latin typeface="Arimo Bold"/>
+                <a:ea typeface="Arimo Bold"/>
+                <a:cs typeface="Arimo Bold"/>
+                <a:sym typeface="Arimo Bold"/>
+              </a:rPr>
+              <a:t>Payment  Delay:  0.241</a:t>
+            </a:r>
+          </a:p>
+        </p:txBody>
+      </p:sp>
+      <p:sp>
+        <p:nvSpPr>
+          <p:cNvPr id="11" name="TextBox 9">
+            <a:extLst>
+              <a:ext uri="{FF2B5EF4-FFF2-40B4-BE49-F238E27FC236}">
+                <a16:creationId xmlns:a16="http://schemas.microsoft.com/office/drawing/2014/main" id="{56B08D1E-45AB-16AA-348E-B74F8FA46C7D}"/>
+              </a:ext>
+            </a:extLst>
+          </p:cNvPr>
+          <p:cNvSpPr txBox="1"/>
+          <p:nvPr/>
+        </p:nvSpPr>
+        <p:spPr>
+          <a:xfrm>
+            <a:off x="11362667" y="6952392"/>
+            <a:ext cx="6157316" cy="418320"/>
           </a:xfrm>
           <a:prstGeom prst="rect">
             <a:avLst/>
@@ -8865,34 +10221,43 @@
           <a:p>
             <a:pPr algn="l">
               <a:lnSpc>
-                <a:spcPts val="7000"/>
+                <a:spcPts val="3499"/>
               </a:lnSpc>
+              <a:spcBef>
+                <a:spcPct val="0"/>
+              </a:spcBef>
             </a:pPr>
             <a:r>
-              <a:rPr lang="en-US" sz="4000" dirty="0">
+              <a:rPr lang="en-US" sz="2799" dirty="0">
                 <a:solidFill>
                   <a:srgbClr val="000000"/>
                 </a:solidFill>
-                <a:latin typeface="Arimo" panose="02020500000000000000" charset="0"/>
-                <a:ea typeface="Arimo" panose="02020500000000000000" charset="0"/>
-                <a:cs typeface="Arimo" panose="02020500000000000000" charset="0"/>
+                <a:latin typeface="Arimo Bold"/>
+                <a:ea typeface="Arimo Bold"/>
+                <a:cs typeface="Arimo Bold"/>
                 <a:sym typeface="Arimo Bold"/>
               </a:rPr>
-              <a:t>(Sort by Importance)</a:t>
-            </a:r>
-          </a:p>
-        </p:txBody>
-      </p:sp>
-      <p:sp>
-        <p:nvSpPr>
-          <p:cNvPr id="9" name="TextBox 9"/>
+              <a:t>Usage Frequency:  0.21</a:t>
+            </a:r>
+          </a:p>
+        </p:txBody>
+      </p:sp>
+      <p:sp>
+        <p:nvSpPr>
+          <p:cNvPr id="12" name="TextBox 7">
+            <a:extLst>
+              <a:ext uri="{FF2B5EF4-FFF2-40B4-BE49-F238E27FC236}">
+                <a16:creationId xmlns:a16="http://schemas.microsoft.com/office/drawing/2014/main" id="{1E84C069-A593-CBDF-113E-7553FA6FE2CE}"/>
+              </a:ext>
+            </a:extLst>
+          </p:cNvPr>
           <p:cNvSpPr txBox="1"/>
           <p:nvPr/>
         </p:nvSpPr>
         <p:spPr>
           <a:xfrm>
-            <a:off x="4891714" y="8907490"/>
-            <a:ext cx="8504571" cy="666849"/>
+            <a:off x="3706840" y="9047014"/>
+            <a:ext cx="11174090" cy="717184"/>
           </a:xfrm>
           <a:prstGeom prst="rect">
             <a:avLst/>
@@ -8904,75 +10269,38 @@
           </a:bodyPr>
           <a:lstStyle/>
           <a:p>
-            <a:pPr algn="l">
+            <a:pPr algn="ctr">
               <a:lnSpc>
-                <a:spcPts val="5249"/>
+                <a:spcPts val="6000"/>
               </a:lnSpc>
+              <a:spcBef>
+                <a:spcPct val="0"/>
+              </a:spcBef>
             </a:pPr>
             <a:r>
-              <a:rPr lang="en-US" sz="5400" dirty="0">
+              <a:rPr lang="en-US" altLang="zh-TW" sz="4800" dirty="0">
                 <a:solidFill>
-                  <a:srgbClr val="FF0000"/>
+                  <a:srgbClr val="000000"/>
                 </a:solidFill>
-                <a:latin typeface="Arimo"/>
-                <a:ea typeface="Arimo"/>
-                <a:cs typeface="Arimo"/>
-                <a:sym typeface="Arimo"/>
+                <a:latin typeface="Arimo Bold"/>
+                <a:ea typeface="Arimo Bold"/>
+                <a:cs typeface="Arimo Bold"/>
+                <a:sym typeface="Arimo Bold"/>
               </a:rPr>
-              <a:t>First Three Factor is Same</a:t>
-            </a:r>
-          </a:p>
-        </p:txBody>
-      </p:sp>
-      <p:sp>
-        <p:nvSpPr>
-          <p:cNvPr id="10" name="矩形 9">
-            <a:extLst>
-              <a:ext uri="{FF2B5EF4-FFF2-40B4-BE49-F238E27FC236}">
-                <a16:creationId xmlns:a16="http://schemas.microsoft.com/office/drawing/2014/main" id="{7B7A37A8-6ECD-2A09-BFDE-B5EDA5215D78}"/>
-              </a:ext>
-            </a:extLst>
-          </p:cNvPr>
-          <p:cNvSpPr/>
-          <p:nvPr/>
-        </p:nvSpPr>
-        <p:spPr>
-          <a:xfrm>
-            <a:off x="11209022" y="3086100"/>
-            <a:ext cx="1516378" cy="1752600"/>
-          </a:xfrm>
-          <a:prstGeom prst="rect">
-            <a:avLst/>
-          </a:prstGeom>
-          <a:noFill/>
-          <a:ln w="38100">
-            <a:solidFill>
-              <a:srgbClr val="FF0000"/>
-            </a:solidFill>
-          </a:ln>
-        </p:spPr>
-        <p:style>
-          <a:lnRef idx="2">
-            <a:schemeClr val="accent1">
-              <a:shade val="15000"/>
-            </a:schemeClr>
-          </a:lnRef>
-          <a:fillRef idx="1">
-            <a:schemeClr val="accent1"/>
-          </a:fillRef>
-          <a:effectRef idx="0">
-            <a:schemeClr val="accent1"/>
-          </a:effectRef>
-          <a:fontRef idx="minor">
-            <a:schemeClr val="lt1"/>
-          </a:fontRef>
-        </p:style>
-        <p:txBody>
-          <a:bodyPr rtlCol="0" anchor="ctr"/>
-          <a:lstStyle/>
-          <a:p>
-            <a:pPr algn="ctr"/>
-            <a:endParaRPr lang="zh-TW" altLang="en-US"/>
+              <a:t>Ordinal Encoding</a:t>
+            </a:r>
+            <a:r>
+              <a:rPr lang="en-US" sz="4800" dirty="0">
+                <a:solidFill>
+                  <a:srgbClr val="000000"/>
+                </a:solidFill>
+                <a:latin typeface="Arimo Bold"/>
+                <a:ea typeface="Arimo Bold"/>
+                <a:cs typeface="Arimo Bold"/>
+                <a:sym typeface="Arimo Bold"/>
+              </a:rPr>
+              <a:t>, No prior knowledge</a:t>
+            </a:r>
           </a:p>
         </p:txBody>
       </p:sp>
@@ -9127,7 +10455,7 @@
         <p:spPr>
           <a:xfrm>
             <a:off x="615070" y="500360"/>
-            <a:ext cx="18361245" cy="916940"/>
+            <a:ext cx="18361245" cy="836704"/>
           </a:xfrm>
           <a:prstGeom prst="rect">
             <a:avLst/>
@@ -9145,7 +10473,7 @@
               </a:lnSpc>
             </a:pPr>
             <a:r>
-              <a:rPr lang="en-US" sz="5600">
+              <a:rPr lang="en-US" sz="5600" dirty="0">
                 <a:solidFill>
                   <a:srgbClr val="000000"/>
                 </a:solidFill>
@@ -9154,42 +10482,107 @@
                 <a:cs typeface="Arimo Bold"/>
                 <a:sym typeface="Arimo Bold"/>
               </a:rPr>
-              <a:t>Conclusion</a:t>
-            </a:r>
-          </a:p>
-        </p:txBody>
-      </p:sp>
-      <p:sp>
-        <p:nvSpPr>
-          <p:cNvPr id="6" name="TextBox 6"/>
+              <a:t>Result</a:t>
+            </a:r>
+          </a:p>
+        </p:txBody>
+      </p:sp>
+      <p:sp>
+        <p:nvSpPr>
+          <p:cNvPr id="8" name="Freeform 5">
+            <a:extLst>
+              <a:ext uri="{FF2B5EF4-FFF2-40B4-BE49-F238E27FC236}">
+                <a16:creationId xmlns:a16="http://schemas.microsoft.com/office/drawing/2014/main" id="{07FF6E9E-9DE6-0513-BBF6-16CAD0D32C82}"/>
+              </a:ext>
+            </a:extLst>
+          </p:cNvPr>
+          <p:cNvSpPr/>
+          <p:nvPr/>
+        </p:nvSpPr>
+        <p:spPr>
+          <a:xfrm>
+            <a:off x="5146233" y="1525010"/>
+            <a:ext cx="7995530" cy="2195223"/>
+          </a:xfrm>
+          <a:custGeom>
+            <a:avLst/>
+            <a:gdLst/>
+            <a:ahLst/>
+            <a:cxnLst/>
+            <a:rect l="l" t="t" r="r" b="b"/>
+            <a:pathLst>
+              <a:path w="13698505" h="3761010">
+                <a:moveTo>
+                  <a:pt x="0" y="0"/>
+                </a:moveTo>
+                <a:lnTo>
+                  <a:pt x="13698506" y="0"/>
+                </a:lnTo>
+                <a:lnTo>
+                  <a:pt x="13698506" y="3761010"/>
+                </a:lnTo>
+                <a:lnTo>
+                  <a:pt x="0" y="3761010"/>
+                </a:lnTo>
+                <a:lnTo>
+                  <a:pt x="0" y="0"/>
+                </a:lnTo>
+                <a:close/>
+              </a:path>
+            </a:pathLst>
+          </a:custGeom>
+          <a:blipFill>
+            <a:blip r:embed="rId4"/>
+            <a:stretch>
+              <a:fillRect/>
+            </a:stretch>
+          </a:blipFill>
+        </p:spPr>
+        <p:txBody>
+          <a:bodyPr/>
+          <a:lstStyle/>
+          <a:p>
+            <a:endParaRPr lang="zh-TW" altLang="en-US"/>
+          </a:p>
+        </p:txBody>
+      </p:sp>
+      <p:sp>
+        <p:nvSpPr>
+          <p:cNvPr id="16" name="TextBox 9">
+            <a:extLst>
+              <a:ext uri="{FF2B5EF4-FFF2-40B4-BE49-F238E27FC236}">
+                <a16:creationId xmlns:a16="http://schemas.microsoft.com/office/drawing/2014/main" id="{E5661B94-C512-FF6D-A541-52E026230525}"/>
+              </a:ext>
+            </a:extLst>
+          </p:cNvPr>
           <p:cNvSpPr txBox="1"/>
           <p:nvPr/>
         </p:nvSpPr>
         <p:spPr>
           <a:xfrm>
-            <a:off x="1451566" y="2470127"/>
-            <a:ext cx="15384869" cy="980440"/>
-          </a:xfrm>
-          <a:prstGeom prst="rect">
-            <a:avLst/>
-          </a:prstGeom>
-        </p:spPr>
-        <p:txBody>
-          <a:bodyPr lIns="0" tIns="0" rIns="0" bIns="0" rtlCol="0" anchor="t">
+            <a:off x="7163203" y="3907087"/>
+            <a:ext cx="3961589" cy="418321"/>
+          </a:xfrm>
+          <a:prstGeom prst="rect">
+            <a:avLst/>
+          </a:prstGeom>
+        </p:spPr>
+        <p:txBody>
+          <a:bodyPr wrap="square" lIns="0" tIns="0" rIns="0" bIns="0" rtlCol="0" anchor="t">
             <a:spAutoFit/>
           </a:bodyPr>
           <a:lstStyle/>
           <a:p>
-            <a:pPr algn="just">
+            <a:pPr algn="ctr">
               <a:lnSpc>
-                <a:spcPts val="3874"/>
+                <a:spcPts val="3499"/>
               </a:lnSpc>
               <a:spcBef>
                 <a:spcPct val="0"/>
               </a:spcBef>
             </a:pPr>
             <a:r>
-              <a:rPr lang="en-US" sz="3099">
+              <a:rPr lang="en-US" sz="2799" dirty="0">
                 <a:solidFill>
                   <a:srgbClr val="000000"/>
                 </a:solidFill>
@@ -9198,42 +10591,108 @@
                 <a:cs typeface="Arimo Bold"/>
                 <a:sym typeface="Arimo Bold"/>
               </a:rPr>
-              <a:t>1. If a factor has hierarchical levels (ex. month, quarter, annual), using Ordinal Encoding(turn category into number) or another method would be more effective.</a:t>
-            </a:r>
-          </a:p>
-        </p:txBody>
-      </p:sp>
-      <p:sp>
-        <p:nvSpPr>
-          <p:cNvPr id="7" name="TextBox 7"/>
+              <a:t>One-Hot Encoding</a:t>
+            </a:r>
+          </a:p>
+        </p:txBody>
+      </p:sp>
+      <p:sp>
+        <p:nvSpPr>
+          <p:cNvPr id="17" name="Freeform 5">
+            <a:extLst>
+              <a:ext uri="{FF2B5EF4-FFF2-40B4-BE49-F238E27FC236}">
+                <a16:creationId xmlns:a16="http://schemas.microsoft.com/office/drawing/2014/main" id="{DD28C3A0-2028-881D-3D33-3467097F43C7}"/>
+              </a:ext>
+            </a:extLst>
+          </p:cNvPr>
+          <p:cNvSpPr/>
+          <p:nvPr/>
+        </p:nvSpPr>
+        <p:spPr>
+          <a:xfrm>
+            <a:off x="580657" y="4295067"/>
+            <a:ext cx="4870432" cy="4385765"/>
+          </a:xfrm>
+          <a:custGeom>
+            <a:avLst/>
+            <a:gdLst/>
+            <a:ahLst/>
+            <a:cxnLst/>
+            <a:rect l="l" t="t" r="r" b="b"/>
+            <a:pathLst>
+              <a:path w="7288595" h="6563291">
+                <a:moveTo>
+                  <a:pt x="0" y="0"/>
+                </a:moveTo>
+                <a:lnTo>
+                  <a:pt x="7288595" y="0"/>
+                </a:lnTo>
+                <a:lnTo>
+                  <a:pt x="7288595" y="6563291"/>
+                </a:lnTo>
+                <a:lnTo>
+                  <a:pt x="0" y="6563291"/>
+                </a:lnTo>
+                <a:lnTo>
+                  <a:pt x="0" y="0"/>
+                </a:lnTo>
+                <a:close/>
+              </a:path>
+            </a:pathLst>
+          </a:custGeom>
+          <a:blipFill>
+            <a:blip r:embed="rId5"/>
+            <a:stretch>
+              <a:fillRect/>
+            </a:stretch>
+          </a:blipFill>
+        </p:spPr>
+        <p:txBody>
+          <a:bodyPr/>
+          <a:lstStyle/>
+          <a:p>
+            <a:endParaRPr lang="zh-TW" altLang="en-US"/>
+          </a:p>
+        </p:txBody>
+      </p:sp>
+      <p:sp>
+        <p:nvSpPr>
+          <p:cNvPr id="21" name="文字方塊 20">
+            <a:extLst>
+              <a:ext uri="{FF2B5EF4-FFF2-40B4-BE49-F238E27FC236}">
+                <a16:creationId xmlns:a16="http://schemas.microsoft.com/office/drawing/2014/main" id="{7919D066-F538-CD55-640B-2B55D747D9A7}"/>
+              </a:ext>
+            </a:extLst>
+          </p:cNvPr>
           <p:cNvSpPr txBox="1"/>
           <p:nvPr/>
         </p:nvSpPr>
         <p:spPr>
           <a:xfrm>
-            <a:off x="2091234" y="4088130"/>
-            <a:ext cx="14105533" cy="1055370"/>
-          </a:xfrm>
-          <a:prstGeom prst="rect">
-            <a:avLst/>
-          </a:prstGeom>
-        </p:spPr>
-        <p:txBody>
-          <a:bodyPr lIns="0" tIns="0" rIns="0" bIns="0" rtlCol="0" anchor="t">
+            <a:off x="305106" y="8743743"/>
+            <a:ext cx="9490586" cy="847348"/>
+          </a:xfrm>
+          <a:prstGeom prst="rect">
+            <a:avLst/>
+          </a:prstGeom>
+          <a:noFill/>
+        </p:spPr>
+        <p:txBody>
+          <a:bodyPr wrap="square">
             <a:spAutoFit/>
           </a:bodyPr>
           <a:lstStyle/>
           <a:p>
             <a:pPr algn="ctr">
               <a:lnSpc>
-                <a:spcPts val="4124"/>
+                <a:spcPts val="7000"/>
               </a:lnSpc>
               <a:spcBef>
                 <a:spcPct val="0"/>
               </a:spcBef>
             </a:pPr>
             <a:r>
-              <a:rPr lang="en-US" sz="3299">
+              <a:rPr lang="en-US" altLang="zh-TW" sz="2800" dirty="0">
                 <a:solidFill>
                   <a:srgbClr val="000000"/>
                 </a:solidFill>
@@ -9242,12 +10701,245 @@
                 <a:cs typeface="Arimo Bold"/>
                 <a:sym typeface="Arimo Bold"/>
               </a:rPr>
-              <a:t>2. In binary data (ex. gender), using categorical data will have a better results than using numeric data.</a:t>
-            </a:r>
+              <a:t>Ordinal Encoding</a:t>
+            </a:r>
+          </a:p>
+        </p:txBody>
+      </p:sp>
+      <p:sp>
+        <p:nvSpPr>
+          <p:cNvPr id="22" name="Freeform 5">
+            <a:extLst>
+              <a:ext uri="{FF2B5EF4-FFF2-40B4-BE49-F238E27FC236}">
+                <a16:creationId xmlns:a16="http://schemas.microsoft.com/office/drawing/2014/main" id="{F5C81527-2BC1-A7F4-A891-A6DE5A1D982D}"/>
+              </a:ext>
+            </a:extLst>
+          </p:cNvPr>
+          <p:cNvSpPr/>
+          <p:nvPr/>
+        </p:nvSpPr>
+        <p:spPr>
+          <a:xfrm>
+            <a:off x="9456173" y="4659267"/>
+            <a:ext cx="5085357" cy="4125856"/>
+          </a:xfrm>
+          <a:custGeom>
+            <a:avLst/>
+            <a:gdLst/>
+            <a:ahLst/>
+            <a:cxnLst/>
+            <a:rect l="l" t="t" r="r" b="b"/>
+            <a:pathLst>
+              <a:path w="7587702" h="6156060">
+                <a:moveTo>
+                  <a:pt x="0" y="0"/>
+                </a:moveTo>
+                <a:lnTo>
+                  <a:pt x="7587702" y="0"/>
+                </a:lnTo>
+                <a:lnTo>
+                  <a:pt x="7587702" y="6156060"/>
+                </a:lnTo>
+                <a:lnTo>
+                  <a:pt x="0" y="6156060"/>
+                </a:lnTo>
+                <a:lnTo>
+                  <a:pt x="0" y="0"/>
+                </a:lnTo>
+                <a:close/>
+              </a:path>
+            </a:pathLst>
+          </a:custGeom>
+          <a:blipFill>
+            <a:blip r:embed="rId6"/>
+            <a:stretch>
+              <a:fillRect/>
+            </a:stretch>
+          </a:blipFill>
+        </p:spPr>
+        <p:txBody>
+          <a:bodyPr/>
+          <a:lstStyle/>
+          <a:p>
+            <a:endParaRPr lang="zh-TW" altLang="en-US"/>
+          </a:p>
+        </p:txBody>
+      </p:sp>
+      <p:sp>
+        <p:nvSpPr>
+          <p:cNvPr id="23" name="Freeform 6">
+            <a:extLst>
+              <a:ext uri="{FF2B5EF4-FFF2-40B4-BE49-F238E27FC236}">
+                <a16:creationId xmlns:a16="http://schemas.microsoft.com/office/drawing/2014/main" id="{D7AE5059-E407-3B48-EA64-6A36DC6DCDE0}"/>
+              </a:ext>
+            </a:extLst>
+          </p:cNvPr>
+          <p:cNvSpPr/>
+          <p:nvPr/>
+        </p:nvSpPr>
+        <p:spPr>
+          <a:xfrm>
+            <a:off x="14541530" y="5522805"/>
+            <a:ext cx="3346508" cy="2430733"/>
+          </a:xfrm>
+          <a:custGeom>
+            <a:avLst/>
+            <a:gdLst/>
+            <a:ahLst/>
+            <a:cxnLst/>
+            <a:rect l="l" t="t" r="r" b="b"/>
+            <a:pathLst>
+              <a:path w="5282005" h="2813242">
+                <a:moveTo>
+                  <a:pt x="0" y="0"/>
+                </a:moveTo>
+                <a:lnTo>
+                  <a:pt x="5282004" y="0"/>
+                </a:lnTo>
+                <a:lnTo>
+                  <a:pt x="5282004" y="2813242"/>
+                </a:lnTo>
+                <a:lnTo>
+                  <a:pt x="0" y="2813242"/>
+                </a:lnTo>
+                <a:lnTo>
+                  <a:pt x="0" y="0"/>
+                </a:lnTo>
+                <a:close/>
+              </a:path>
+            </a:pathLst>
+          </a:custGeom>
+          <a:blipFill>
+            <a:blip r:embed="rId7"/>
+            <a:stretch>
+              <a:fillRect r="-36376"/>
+            </a:stretch>
+          </a:blipFill>
+        </p:spPr>
+        <p:txBody>
+          <a:bodyPr/>
+          <a:lstStyle/>
+          <a:p>
+            <a:endParaRPr lang="zh-TW" altLang="en-US"/>
+          </a:p>
+        </p:txBody>
+      </p:sp>
+      <p:sp>
+        <p:nvSpPr>
+          <p:cNvPr id="24" name="文字方塊 23">
+            <a:extLst>
+              <a:ext uri="{FF2B5EF4-FFF2-40B4-BE49-F238E27FC236}">
+                <a16:creationId xmlns:a16="http://schemas.microsoft.com/office/drawing/2014/main" id="{BC1E9B3A-C408-D4F5-2631-D16B559AFD8C}"/>
+              </a:ext>
+            </a:extLst>
+          </p:cNvPr>
+          <p:cNvSpPr txBox="1"/>
+          <p:nvPr/>
+        </p:nvSpPr>
+        <p:spPr>
+          <a:xfrm>
+            <a:off x="9143998" y="8680832"/>
+            <a:ext cx="9490586" cy="847348"/>
+          </a:xfrm>
+          <a:prstGeom prst="rect">
+            <a:avLst/>
+          </a:prstGeom>
+          <a:noFill/>
+        </p:spPr>
+        <p:txBody>
+          <a:bodyPr wrap="square">
+            <a:spAutoFit/>
+          </a:bodyPr>
+          <a:lstStyle/>
+          <a:p>
+            <a:pPr algn="ctr">
+              <a:lnSpc>
+                <a:spcPts val="7000"/>
+              </a:lnSpc>
+              <a:spcBef>
+                <a:spcPct val="0"/>
+              </a:spcBef>
+            </a:pPr>
+            <a:r>
+              <a:rPr lang="en-US" altLang="zh-TW" sz="2800" dirty="0">
+                <a:solidFill>
+                  <a:srgbClr val="000000"/>
+                </a:solidFill>
+                <a:latin typeface="Arimo Bold"/>
+                <a:ea typeface="Arimo Bold"/>
+                <a:cs typeface="Arimo Bold"/>
+                <a:sym typeface="Arimo Bold"/>
+              </a:rPr>
+              <a:t>Ordinal Encoding, imply prior knowledge</a:t>
+            </a:r>
+          </a:p>
+        </p:txBody>
+      </p:sp>
+      <p:sp>
+        <p:nvSpPr>
+          <p:cNvPr id="25" name="Freeform 6">
+            <a:extLst>
+              <a:ext uri="{FF2B5EF4-FFF2-40B4-BE49-F238E27FC236}">
+                <a16:creationId xmlns:a16="http://schemas.microsoft.com/office/drawing/2014/main" id="{B127007D-779E-D8CC-37EF-AF009B20E2FC}"/>
+              </a:ext>
+            </a:extLst>
+          </p:cNvPr>
+          <p:cNvSpPr/>
+          <p:nvPr/>
+        </p:nvSpPr>
+        <p:spPr>
+          <a:xfrm>
+            <a:off x="5411421" y="4907866"/>
+            <a:ext cx="3467388" cy="3045672"/>
+          </a:xfrm>
+          <a:custGeom>
+            <a:avLst/>
+            <a:gdLst/>
+            <a:ahLst/>
+            <a:cxnLst/>
+            <a:rect l="l" t="t" r="r" b="b"/>
+            <a:pathLst>
+              <a:path w="9571839" h="4466858">
+                <a:moveTo>
+                  <a:pt x="0" y="0"/>
+                </a:moveTo>
+                <a:lnTo>
+                  <a:pt x="9571839" y="0"/>
+                </a:lnTo>
+                <a:lnTo>
+                  <a:pt x="9571839" y="4466858"/>
+                </a:lnTo>
+                <a:lnTo>
+                  <a:pt x="0" y="4466858"/>
+                </a:lnTo>
+                <a:lnTo>
+                  <a:pt x="0" y="0"/>
+                </a:lnTo>
+                <a:close/>
+              </a:path>
+            </a:pathLst>
+          </a:custGeom>
+          <a:blipFill>
+            <a:blip r:embed="rId8"/>
+            <a:stretch>
+              <a:fillRect r="-88224"/>
+            </a:stretch>
+          </a:blipFill>
+        </p:spPr>
+        <p:txBody>
+          <a:bodyPr/>
+          <a:lstStyle/>
+          <a:p>
+            <a:endParaRPr lang="zh-TW" altLang="en-US"/>
           </a:p>
         </p:txBody>
       </p:sp>
     </p:spTree>
+    <p:extLst>
+      <p:ext uri="{BB962C8B-B14F-4D97-AF65-F5344CB8AC3E}">
+        <p14:creationId xmlns:p14="http://schemas.microsoft.com/office/powerpoint/2010/main" val="584902451"/>
+      </p:ext>
+    </p:extLst>
   </p:cSld>
   <p:clrMapOvr>
     <a:masterClrMapping/>
@@ -9391,14 +11083,233 @@
       </p:grpSp>
       <p:sp>
         <p:nvSpPr>
-          <p:cNvPr id="5" name="Freeform 5"/>
+          <p:cNvPr id="5" name="TextBox 5"/>
+          <p:cNvSpPr txBox="1"/>
+          <p:nvPr/>
+        </p:nvSpPr>
+        <p:spPr>
+          <a:xfrm>
+            <a:off x="615070" y="500360"/>
+            <a:ext cx="18361245" cy="836704"/>
+          </a:xfrm>
+          <a:prstGeom prst="rect">
+            <a:avLst/>
+          </a:prstGeom>
+        </p:spPr>
+        <p:txBody>
+          <a:bodyPr lIns="0" tIns="0" rIns="0" bIns="0" rtlCol="0" anchor="t">
+            <a:spAutoFit/>
+          </a:bodyPr>
+          <a:lstStyle/>
+          <a:p>
+            <a:pPr algn="l">
+              <a:lnSpc>
+                <a:spcPts val="7000"/>
+              </a:lnSpc>
+            </a:pPr>
+            <a:r>
+              <a:rPr lang="en-US" sz="5600" dirty="0">
+                <a:solidFill>
+                  <a:srgbClr val="000000"/>
+                </a:solidFill>
+                <a:latin typeface="Arimo Bold"/>
+                <a:ea typeface="Arimo Bold"/>
+                <a:cs typeface="Arimo Bold"/>
+                <a:sym typeface="Arimo Bold"/>
+              </a:rPr>
+              <a:t>Result</a:t>
+            </a:r>
+          </a:p>
+        </p:txBody>
+      </p:sp>
+      <p:sp>
+        <p:nvSpPr>
+          <p:cNvPr id="21" name="文字方塊 20">
+            <a:extLst>
+              <a:ext uri="{FF2B5EF4-FFF2-40B4-BE49-F238E27FC236}">
+                <a16:creationId xmlns:a16="http://schemas.microsoft.com/office/drawing/2014/main" id="{7919D066-F538-CD55-640B-2B55D747D9A7}"/>
+              </a:ext>
+            </a:extLst>
+          </p:cNvPr>
+          <p:cNvSpPr txBox="1"/>
+          <p:nvPr/>
+        </p:nvSpPr>
+        <p:spPr>
+          <a:xfrm>
+            <a:off x="-46045" y="8743186"/>
+            <a:ext cx="9490586" cy="847348"/>
+          </a:xfrm>
+          <a:prstGeom prst="rect">
+            <a:avLst/>
+          </a:prstGeom>
+          <a:noFill/>
+        </p:spPr>
+        <p:txBody>
+          <a:bodyPr wrap="square">
+            <a:spAutoFit/>
+          </a:bodyPr>
+          <a:lstStyle/>
+          <a:p>
+            <a:pPr algn="ctr">
+              <a:lnSpc>
+                <a:spcPts val="7000"/>
+              </a:lnSpc>
+              <a:spcBef>
+                <a:spcPct val="0"/>
+              </a:spcBef>
+            </a:pPr>
+            <a:r>
+              <a:rPr lang="en-US" altLang="zh-TW" sz="2800" dirty="0">
+                <a:solidFill>
+                  <a:srgbClr val="000000"/>
+                </a:solidFill>
+                <a:latin typeface="Arimo Bold"/>
+                <a:ea typeface="Arimo Bold"/>
+                <a:cs typeface="Arimo Bold"/>
+                <a:sym typeface="Arimo Bold"/>
+              </a:rPr>
+              <a:t>Ordinal Encoding (</a:t>
+            </a:r>
+            <a:r>
+              <a:rPr lang="en-US" altLang="zh-TW" sz="2800" dirty="0" err="1">
+                <a:solidFill>
+                  <a:srgbClr val="000000"/>
+                </a:solidFill>
+                <a:latin typeface="Arimo Bold"/>
+                <a:ea typeface="Arimo Bold"/>
+                <a:cs typeface="Arimo Bold"/>
+                <a:sym typeface="Arimo Bold"/>
+              </a:rPr>
+              <a:t>Gender:Int</a:t>
+            </a:r>
+            <a:r>
+              <a:rPr lang="en-US" altLang="zh-TW" sz="2800" dirty="0">
+                <a:solidFill>
+                  <a:srgbClr val="000000"/>
+                </a:solidFill>
+                <a:latin typeface="Arimo Bold"/>
+                <a:ea typeface="Arimo Bold"/>
+                <a:cs typeface="Arimo Bold"/>
+                <a:sym typeface="Arimo Bold"/>
+              </a:rPr>
+              <a:t>)</a:t>
+            </a:r>
+          </a:p>
+        </p:txBody>
+      </p:sp>
+      <p:sp>
+        <p:nvSpPr>
+          <p:cNvPr id="24" name="文字方塊 23">
+            <a:extLst>
+              <a:ext uri="{FF2B5EF4-FFF2-40B4-BE49-F238E27FC236}">
+                <a16:creationId xmlns:a16="http://schemas.microsoft.com/office/drawing/2014/main" id="{BC1E9B3A-C408-D4F5-2631-D16B559AFD8C}"/>
+              </a:ext>
+            </a:extLst>
+          </p:cNvPr>
+          <p:cNvSpPr txBox="1"/>
+          <p:nvPr/>
+        </p:nvSpPr>
+        <p:spPr>
+          <a:xfrm>
+            <a:off x="9489674" y="7235933"/>
+            <a:ext cx="5562600" cy="1745029"/>
+          </a:xfrm>
+          <a:prstGeom prst="rect">
+            <a:avLst/>
+          </a:prstGeom>
+          <a:noFill/>
+        </p:spPr>
+        <p:txBody>
+          <a:bodyPr wrap="square">
+            <a:spAutoFit/>
+          </a:bodyPr>
+          <a:lstStyle/>
+          <a:p>
+            <a:pPr algn="ctr">
+              <a:lnSpc>
+                <a:spcPts val="7000"/>
+              </a:lnSpc>
+              <a:spcBef>
+                <a:spcPct val="0"/>
+              </a:spcBef>
+            </a:pPr>
+            <a:r>
+              <a:rPr lang="en-US" altLang="zh-TW" sz="2800" dirty="0">
+                <a:solidFill>
+                  <a:srgbClr val="000000"/>
+                </a:solidFill>
+                <a:latin typeface="Arimo Bold"/>
+                <a:ea typeface="Arimo Bold"/>
+                <a:cs typeface="Arimo Bold"/>
+                <a:sym typeface="Arimo Bold"/>
+              </a:rPr>
+              <a:t>Ordinal Encoding(</a:t>
+            </a:r>
+            <a:r>
+              <a:rPr lang="en-US" altLang="zh-TW" sz="2800" dirty="0" err="1">
+                <a:solidFill>
+                  <a:srgbClr val="000000"/>
+                </a:solidFill>
+                <a:latin typeface="Arimo Bold"/>
+                <a:ea typeface="Arimo Bold"/>
+                <a:cs typeface="Arimo Bold"/>
+                <a:sym typeface="Arimo Bold"/>
+              </a:rPr>
+              <a:t>Gender:Int</a:t>
+            </a:r>
+            <a:r>
+              <a:rPr lang="en-US" altLang="zh-TW" sz="2800" dirty="0">
+                <a:solidFill>
+                  <a:srgbClr val="000000"/>
+                </a:solidFill>
+                <a:latin typeface="Arimo Bold"/>
+                <a:ea typeface="Arimo Bold"/>
+                <a:cs typeface="Arimo Bold"/>
+                <a:sym typeface="Arimo Bold"/>
+              </a:rPr>
+              <a:t>),</a:t>
+            </a:r>
+          </a:p>
+          <a:p>
+            <a:pPr algn="ctr">
+              <a:lnSpc>
+                <a:spcPts val="7000"/>
+              </a:lnSpc>
+              <a:spcBef>
+                <a:spcPct val="0"/>
+              </a:spcBef>
+            </a:pPr>
+            <a:r>
+              <a:rPr lang="en-US" altLang="zh-TW" sz="2800" dirty="0">
+                <a:solidFill>
+                  <a:srgbClr val="000000"/>
+                </a:solidFill>
+                <a:latin typeface="Arimo Bold"/>
+                <a:ea typeface="Arimo Bold"/>
+                <a:cs typeface="Arimo Bold"/>
+                <a:sym typeface="Arimo Bold"/>
+              </a:rPr>
+              <a:t> imply prior knowledge</a:t>
+            </a:r>
+          </a:p>
+        </p:txBody>
+      </p:sp>
+      <p:sp>
+        <p:nvSpPr>
+          <p:cNvPr id="9" name="Freeform 5">
+            <a:extLst>
+              <a:ext uri="{FF2B5EF4-FFF2-40B4-BE49-F238E27FC236}">
+                <a16:creationId xmlns:a16="http://schemas.microsoft.com/office/drawing/2014/main" id="{8350A3B7-D161-38E8-D387-290E10766AD0}"/>
+              </a:ext>
+            </a:extLst>
+          </p:cNvPr>
           <p:cNvSpPr/>
           <p:nvPr/>
         </p:nvSpPr>
         <p:spPr>
           <a:xfrm>
-            <a:off x="9038924" y="5611402"/>
-            <a:ext cx="8640926" cy="4320463"/>
+            <a:off x="2225488" y="1485900"/>
+            <a:ext cx="4947521" cy="4614661"/>
           </a:xfrm>
           <a:custGeom>
             <a:avLst/>
@@ -9407,18 +11318,18 @@
             <a:cxnLst/>
             <a:rect l="l" t="t" r="r" b="b"/>
             <a:pathLst>
-              <a:path w="8640926" h="4320463">
+              <a:path w="7023030" h="6550533">
                 <a:moveTo>
                   <a:pt x="0" y="0"/>
                 </a:moveTo>
                 <a:lnTo>
-                  <a:pt x="8640925" y="0"/>
-                </a:lnTo>
-                <a:lnTo>
-                  <a:pt x="8640925" y="4320462"/>
-                </a:lnTo>
-                <a:lnTo>
-                  <a:pt x="0" y="4320462"/>
+                  <a:pt x="7023031" y="0"/>
+                </a:lnTo>
+                <a:lnTo>
+                  <a:pt x="7023031" y="6550533"/>
+                </a:lnTo>
+                <a:lnTo>
+                  <a:pt x="0" y="6550533"/>
                 </a:lnTo>
                 <a:lnTo>
                   <a:pt x="0" y="0"/>
@@ -9444,14 +11355,20 @@
       </p:sp>
       <p:sp>
         <p:nvSpPr>
-          <p:cNvPr id="6" name="Freeform 6"/>
+          <p:cNvPr id="10" name="Freeform 6">
+            <a:extLst>
+              <a:ext uri="{FF2B5EF4-FFF2-40B4-BE49-F238E27FC236}">
+                <a16:creationId xmlns:a16="http://schemas.microsoft.com/office/drawing/2014/main" id="{3BC3EB77-E1A5-5136-D51A-45B65E3FB5E3}"/>
+              </a:ext>
+            </a:extLst>
+          </p:cNvPr>
           <p:cNvSpPr/>
           <p:nvPr/>
         </p:nvSpPr>
         <p:spPr>
           <a:xfrm>
-            <a:off x="397998" y="5611402"/>
-            <a:ext cx="8640926" cy="4320463"/>
+            <a:off x="1945968" y="6193531"/>
+            <a:ext cx="5653144" cy="2776738"/>
           </a:xfrm>
           <a:custGeom>
             <a:avLst/>
@@ -9460,18 +11377,18 @@
             <a:cxnLst/>
             <a:rect l="l" t="t" r="r" b="b"/>
             <a:pathLst>
-              <a:path w="8640926" h="4320463">
+              <a:path w="8003171" h="3550540">
                 <a:moveTo>
                   <a:pt x="0" y="0"/>
                 </a:moveTo>
                 <a:lnTo>
-                  <a:pt x="8640926" y="0"/>
-                </a:lnTo>
-                <a:lnTo>
-                  <a:pt x="8640926" y="4320462"/>
-                </a:lnTo>
-                <a:lnTo>
-                  <a:pt x="0" y="4320462"/>
+                  <a:pt x="8003171" y="0"/>
+                </a:lnTo>
+                <a:lnTo>
+                  <a:pt x="8003171" y="3550539"/>
+                </a:lnTo>
+                <a:lnTo>
+                  <a:pt x="0" y="3550539"/>
                 </a:lnTo>
                 <a:lnTo>
                   <a:pt x="0" y="0"/>
@@ -9483,7 +11400,7 @@
           <a:blipFill>
             <a:blip r:embed="rId5"/>
             <a:stretch>
-              <a:fillRect/>
+              <a:fillRect t="-1" r="-41674" b="-25424"/>
             </a:stretch>
           </a:blipFill>
         </p:spPr>
@@ -9497,14 +11414,20 @@
       </p:sp>
       <p:sp>
         <p:nvSpPr>
-          <p:cNvPr id="7" name="Freeform 7"/>
+          <p:cNvPr id="11" name="Freeform 5">
+            <a:extLst>
+              <a:ext uri="{FF2B5EF4-FFF2-40B4-BE49-F238E27FC236}">
+                <a16:creationId xmlns:a16="http://schemas.microsoft.com/office/drawing/2014/main" id="{E4EEC34E-0DA1-449C-1653-50C42FCEE0E2}"/>
+              </a:ext>
+            </a:extLst>
+          </p:cNvPr>
           <p:cNvSpPr/>
           <p:nvPr/>
         </p:nvSpPr>
         <p:spPr>
           <a:xfrm>
-            <a:off x="528032" y="1433329"/>
-            <a:ext cx="8615968" cy="4307984"/>
+            <a:off x="7644245" y="2366692"/>
+            <a:ext cx="5187740" cy="4455859"/>
           </a:xfrm>
           <a:custGeom>
             <a:avLst/>
@@ -9513,18 +11436,18 @@
             <a:cxnLst/>
             <a:rect l="l" t="t" r="r" b="b"/>
             <a:pathLst>
-              <a:path w="8615968" h="4307984">
+              <a:path w="7280400" h="6253289">
                 <a:moveTo>
                   <a:pt x="0" y="0"/>
                 </a:moveTo>
                 <a:lnTo>
-                  <a:pt x="8615968" y="0"/>
-                </a:lnTo>
-                <a:lnTo>
-                  <a:pt x="8615968" y="4307984"/>
-                </a:lnTo>
-                <a:lnTo>
-                  <a:pt x="0" y="4307984"/>
+                  <a:pt x="7280400" y="0"/>
+                </a:lnTo>
+                <a:lnTo>
+                  <a:pt x="7280400" y="6253290"/>
+                </a:lnTo>
+                <a:lnTo>
+                  <a:pt x="0" y="6253290"/>
                 </a:lnTo>
                 <a:lnTo>
                   <a:pt x="0" y="0"/>
@@ -9550,14 +11473,20 @@
       </p:sp>
       <p:sp>
         <p:nvSpPr>
-          <p:cNvPr id="8" name="Freeform 8"/>
+          <p:cNvPr id="12" name="Freeform 6">
+            <a:extLst>
+              <a:ext uri="{FF2B5EF4-FFF2-40B4-BE49-F238E27FC236}">
+                <a16:creationId xmlns:a16="http://schemas.microsoft.com/office/drawing/2014/main" id="{F683DC19-B682-4BB2-2D21-867844F39029}"/>
+              </a:ext>
+            </a:extLst>
+          </p:cNvPr>
           <p:cNvSpPr/>
           <p:nvPr/>
         </p:nvSpPr>
         <p:spPr>
           <a:xfrm>
-            <a:off x="9038924" y="1433329"/>
-            <a:ext cx="8615968" cy="4307984"/>
+            <a:off x="12854108" y="2504897"/>
+            <a:ext cx="3916354" cy="4317653"/>
           </a:xfrm>
           <a:custGeom>
             <a:avLst/>
@@ -9566,18 +11495,18 @@
             <a:cxnLst/>
             <a:rect l="l" t="t" r="r" b="b"/>
             <a:pathLst>
-              <a:path w="8615968" h="4307984">
+              <a:path w="5225802" h="5736769">
                 <a:moveTo>
                   <a:pt x="0" y="0"/>
                 </a:moveTo>
                 <a:lnTo>
-                  <a:pt x="8615968" y="0"/>
-                </a:lnTo>
-                <a:lnTo>
-                  <a:pt x="8615968" y="4307984"/>
-                </a:lnTo>
-                <a:lnTo>
-                  <a:pt x="0" y="4307984"/>
+                  <a:pt x="5225802" y="0"/>
+                </a:lnTo>
+                <a:lnTo>
+                  <a:pt x="5225802" y="5736769"/>
+                </a:lnTo>
+                <a:lnTo>
+                  <a:pt x="0" y="5736769"/>
                 </a:lnTo>
                 <a:lnTo>
                   <a:pt x="0" y="0"/>
@@ -9597,52 +11526,16 @@
           <a:bodyPr/>
           <a:lstStyle/>
           <a:p>
-            <a:endParaRPr lang="zh-TW" altLang="en-US"/>
-          </a:p>
-        </p:txBody>
-      </p:sp>
-      <p:sp>
-        <p:nvSpPr>
-          <p:cNvPr id="9" name="TextBox 9"/>
-          <p:cNvSpPr txBox="1"/>
-          <p:nvPr/>
-        </p:nvSpPr>
-        <p:spPr>
-          <a:xfrm>
-            <a:off x="615070" y="500360"/>
-            <a:ext cx="18361245" cy="916940"/>
-          </a:xfrm>
-          <a:prstGeom prst="rect">
-            <a:avLst/>
-          </a:prstGeom>
-        </p:spPr>
-        <p:txBody>
-          <a:bodyPr lIns="0" tIns="0" rIns="0" bIns="0" rtlCol="0" anchor="t">
-            <a:spAutoFit/>
-          </a:bodyPr>
-          <a:lstStyle/>
-          <a:p>
-            <a:pPr algn="l">
-              <a:lnSpc>
-                <a:spcPts val="7000"/>
-              </a:lnSpc>
-            </a:pPr>
-            <a:r>
-              <a:rPr lang="en-US" sz="5600">
-                <a:solidFill>
-                  <a:srgbClr val="000000"/>
-                </a:solidFill>
-                <a:latin typeface="Arimo Bold"/>
-                <a:ea typeface="Arimo Bold"/>
-                <a:cs typeface="Arimo Bold"/>
-                <a:sym typeface="Arimo Bold"/>
-              </a:rPr>
-              <a:t>Appedix: Other Distribution(60000 rows)</a:t>
-            </a:r>
+            <a:endParaRPr lang="zh-TW" altLang="en-US" dirty="0"/>
           </a:p>
         </p:txBody>
       </p:sp>
     </p:spTree>
+    <p:extLst>
+      <p:ext uri="{BB962C8B-B14F-4D97-AF65-F5344CB8AC3E}">
+        <p14:creationId xmlns:p14="http://schemas.microsoft.com/office/powerpoint/2010/main" val="580735443"/>
+      </p:ext>
+    </p:extLst>
   </p:cSld>
   <p:clrMapOvr>
     <a:masterClrMapping/>
@@ -9786,14 +11679,136 @@
       </p:grpSp>
       <p:sp>
         <p:nvSpPr>
-          <p:cNvPr id="5" name="Freeform 5"/>
+          <p:cNvPr id="5" name="TextBox 5"/>
+          <p:cNvSpPr txBox="1"/>
+          <p:nvPr/>
+        </p:nvSpPr>
+        <p:spPr>
+          <a:xfrm>
+            <a:off x="533400" y="360867"/>
+            <a:ext cx="18361245" cy="836704"/>
+          </a:xfrm>
+          <a:prstGeom prst="rect">
+            <a:avLst/>
+          </a:prstGeom>
+        </p:spPr>
+        <p:txBody>
+          <a:bodyPr lIns="0" tIns="0" rIns="0" bIns="0" rtlCol="0" anchor="t">
+            <a:spAutoFit/>
+          </a:bodyPr>
+          <a:lstStyle/>
+          <a:p>
+            <a:pPr algn="l">
+              <a:lnSpc>
+                <a:spcPts val="7000"/>
+              </a:lnSpc>
+            </a:pPr>
+            <a:r>
+              <a:rPr lang="en-US" sz="5600" dirty="0">
+                <a:solidFill>
+                  <a:srgbClr val="000000"/>
+                </a:solidFill>
+                <a:latin typeface="Arimo Bold"/>
+                <a:ea typeface="Arimo Bold"/>
+                <a:cs typeface="Arimo Bold"/>
+                <a:sym typeface="Arimo Bold"/>
+              </a:rPr>
+              <a:t>Result</a:t>
+            </a:r>
+          </a:p>
+        </p:txBody>
+      </p:sp>
+      <p:sp>
+        <p:nvSpPr>
+          <p:cNvPr id="21" name="文字方塊 20">
+            <a:extLst>
+              <a:ext uri="{FF2B5EF4-FFF2-40B4-BE49-F238E27FC236}">
+                <a16:creationId xmlns:a16="http://schemas.microsoft.com/office/drawing/2014/main" id="{7919D066-F538-CD55-640B-2B55D747D9A7}"/>
+              </a:ext>
+            </a:extLst>
+          </p:cNvPr>
+          <p:cNvSpPr txBox="1"/>
+          <p:nvPr/>
+        </p:nvSpPr>
+        <p:spPr>
+          <a:xfrm>
+            <a:off x="-46045" y="8743186"/>
+            <a:ext cx="9490586" cy="847348"/>
+          </a:xfrm>
+          <a:prstGeom prst="rect">
+            <a:avLst/>
+          </a:prstGeom>
+          <a:noFill/>
+        </p:spPr>
+        <p:txBody>
+          <a:bodyPr wrap="square">
+            <a:spAutoFit/>
+          </a:bodyPr>
+          <a:lstStyle/>
+          <a:p>
+            <a:pPr algn="ctr">
+              <a:lnSpc>
+                <a:spcPts val="7000"/>
+              </a:lnSpc>
+              <a:spcBef>
+                <a:spcPct val="0"/>
+              </a:spcBef>
+            </a:pPr>
+            <a:r>
+              <a:rPr lang="en-US" altLang="zh-TW" sz="2800" dirty="0">
+                <a:solidFill>
+                  <a:srgbClr val="000000"/>
+                </a:solidFill>
+                <a:latin typeface="Arimo Bold"/>
+                <a:ea typeface="Arimo Bold"/>
+                <a:cs typeface="Arimo Bold"/>
+                <a:sym typeface="Arimo Bold"/>
+              </a:rPr>
+              <a:t>Ordinal Encoding (</a:t>
+            </a:r>
+            <a:r>
+              <a:rPr lang="en-US" altLang="zh-TW" sz="2800" dirty="0" err="1">
+                <a:solidFill>
+                  <a:srgbClr val="000000"/>
+                </a:solidFill>
+                <a:latin typeface="Arimo Bold"/>
+                <a:ea typeface="Arimo Bold"/>
+                <a:cs typeface="Arimo Bold"/>
+                <a:sym typeface="Arimo Bold"/>
+              </a:rPr>
+              <a:t>Gender:Int</a:t>
+            </a:r>
+            <a:r>
+              <a:rPr lang="en-US" altLang="zh-TW" sz="2800" dirty="0">
+                <a:solidFill>
+                  <a:srgbClr val="000000"/>
+                </a:solidFill>
+                <a:latin typeface="Arimo Bold"/>
+                <a:ea typeface="Arimo Bold"/>
+                <a:cs typeface="Arimo Bold"/>
+                <a:sym typeface="Arimo Bold"/>
+              </a:rPr>
+              <a:t>)</a:t>
+            </a:r>
+          </a:p>
+        </p:txBody>
+      </p:sp>
+      <p:sp>
+        <p:nvSpPr>
+          <p:cNvPr id="9" name="Freeform 5">
+            <a:extLst>
+              <a:ext uri="{FF2B5EF4-FFF2-40B4-BE49-F238E27FC236}">
+                <a16:creationId xmlns:a16="http://schemas.microsoft.com/office/drawing/2014/main" id="{8350A3B7-D161-38E8-D387-290E10766AD0}"/>
+              </a:ext>
+            </a:extLst>
+          </p:cNvPr>
           <p:cNvSpPr/>
           <p:nvPr/>
         </p:nvSpPr>
         <p:spPr>
           <a:xfrm>
-            <a:off x="553708" y="879035"/>
-            <a:ext cx="8528930" cy="4264465"/>
+            <a:off x="2298779" y="1457967"/>
+            <a:ext cx="4947521" cy="4614661"/>
           </a:xfrm>
           <a:custGeom>
             <a:avLst/>
@@ -9802,18 +11817,18 @@
             <a:cxnLst/>
             <a:rect l="l" t="t" r="r" b="b"/>
             <a:pathLst>
-              <a:path w="8528930" h="4264465">
+              <a:path w="7023030" h="6550533">
                 <a:moveTo>
                   <a:pt x="0" y="0"/>
                 </a:moveTo>
                 <a:lnTo>
-                  <a:pt x="8528930" y="0"/>
-                </a:lnTo>
-                <a:lnTo>
-                  <a:pt x="8528930" y="4264465"/>
-                </a:lnTo>
-                <a:lnTo>
-                  <a:pt x="0" y="4264465"/>
+                  <a:pt x="7023031" y="0"/>
+                </a:lnTo>
+                <a:lnTo>
+                  <a:pt x="7023031" y="6550533"/>
+                </a:lnTo>
+                <a:lnTo>
+                  <a:pt x="0" y="6550533"/>
                 </a:lnTo>
                 <a:lnTo>
                   <a:pt x="0" y="0"/>
@@ -9839,14 +11854,20 @@
       </p:sp>
       <p:sp>
         <p:nvSpPr>
-          <p:cNvPr id="6" name="Freeform 6"/>
+          <p:cNvPr id="10" name="Freeform 6">
+            <a:extLst>
+              <a:ext uri="{FF2B5EF4-FFF2-40B4-BE49-F238E27FC236}">
+                <a16:creationId xmlns:a16="http://schemas.microsoft.com/office/drawing/2014/main" id="{3BC3EB77-E1A5-5136-D51A-45B65E3FB5E3}"/>
+              </a:ext>
+            </a:extLst>
+          </p:cNvPr>
           <p:cNvSpPr/>
           <p:nvPr/>
         </p:nvSpPr>
         <p:spPr>
           <a:xfrm>
-            <a:off x="9082638" y="1028700"/>
-            <a:ext cx="8475866" cy="4237933"/>
+            <a:off x="1945968" y="6193531"/>
+            <a:ext cx="5653144" cy="2776738"/>
           </a:xfrm>
           <a:custGeom>
             <a:avLst/>
@@ -9855,18 +11876,18 @@
             <a:cxnLst/>
             <a:rect l="l" t="t" r="r" b="b"/>
             <a:pathLst>
-              <a:path w="8475866" h="4237933">
+              <a:path w="8003171" h="3550540">
                 <a:moveTo>
                   <a:pt x="0" y="0"/>
                 </a:moveTo>
                 <a:lnTo>
-                  <a:pt x="8475867" y="0"/>
-                </a:lnTo>
-                <a:lnTo>
-                  <a:pt x="8475867" y="4237933"/>
-                </a:lnTo>
-                <a:lnTo>
-                  <a:pt x="0" y="4237933"/>
+                  <a:pt x="8003171" y="0"/>
+                </a:lnTo>
+                <a:lnTo>
+                  <a:pt x="8003171" y="3550539"/>
+                </a:lnTo>
+                <a:lnTo>
+                  <a:pt x="0" y="3550539"/>
                 </a:lnTo>
                 <a:lnTo>
                   <a:pt x="0" y="0"/>
@@ -9878,7 +11899,7 @@
           <a:blipFill>
             <a:blip r:embed="rId5"/>
             <a:stretch>
-              <a:fillRect/>
+              <a:fillRect t="-1" r="-41674" b="-25424"/>
             </a:stretch>
           </a:blipFill>
         </p:spPr>
@@ -9892,58 +11913,192 @@
       </p:sp>
       <p:sp>
         <p:nvSpPr>
-          <p:cNvPr id="7" name="Freeform 7"/>
-          <p:cNvSpPr/>
+          <p:cNvPr id="7" name="文字方塊 6">
+            <a:extLst>
+              <a:ext uri="{FF2B5EF4-FFF2-40B4-BE49-F238E27FC236}">
+                <a16:creationId xmlns:a16="http://schemas.microsoft.com/office/drawing/2014/main" id="{9536B596-24A7-9D29-6CC3-2C0983BF6FC3}"/>
+              </a:ext>
+            </a:extLst>
+          </p:cNvPr>
+          <p:cNvSpPr txBox="1"/>
           <p:nvPr/>
         </p:nvSpPr>
         <p:spPr>
           <a:xfrm>
-            <a:off x="4778022" y="5262946"/>
-            <a:ext cx="8731955" cy="4365978"/>
-          </a:xfrm>
-          <a:custGeom>
-            <a:avLst/>
-            <a:gdLst/>
-            <a:ahLst/>
-            <a:cxnLst/>
-            <a:rect l="l" t="t" r="r" b="b"/>
-            <a:pathLst>
-              <a:path w="8731955" h="4365978">
-                <a:moveTo>
-                  <a:pt x="0" y="0"/>
-                </a:moveTo>
-                <a:lnTo>
-                  <a:pt x="8731955" y="0"/>
-                </a:lnTo>
-                <a:lnTo>
-                  <a:pt x="8731955" y="4365978"/>
-                </a:lnTo>
-                <a:lnTo>
-                  <a:pt x="0" y="4365978"/>
-                </a:lnTo>
-                <a:lnTo>
-                  <a:pt x="0" y="0"/>
-                </a:lnTo>
-                <a:close/>
-              </a:path>
-            </a:pathLst>
-          </a:custGeom>
-          <a:blipFill>
-            <a:blip r:embed="rId6"/>
-            <a:stretch>
-              <a:fillRect/>
-            </a:stretch>
-          </a:blipFill>
-        </p:spPr>
-        <p:txBody>
-          <a:bodyPr/>
-          <a:lstStyle/>
-          <a:p>
-            <a:endParaRPr lang="zh-TW" altLang="en-US"/>
-          </a:p>
-        </p:txBody>
-      </p:sp>
+            <a:off x="8021857" y="8775953"/>
+            <a:ext cx="9490586" cy="847348"/>
+          </a:xfrm>
+          <a:prstGeom prst="rect">
+            <a:avLst/>
+          </a:prstGeom>
+          <a:noFill/>
+        </p:spPr>
+        <p:txBody>
+          <a:bodyPr wrap="square">
+            <a:spAutoFit/>
+          </a:bodyPr>
+          <a:lstStyle/>
+          <a:p>
+            <a:pPr algn="ctr">
+              <a:lnSpc>
+                <a:spcPts val="7000"/>
+              </a:lnSpc>
+              <a:spcBef>
+                <a:spcPct val="0"/>
+              </a:spcBef>
+            </a:pPr>
+            <a:r>
+              <a:rPr lang="en-US" altLang="zh-TW" sz="2800" dirty="0">
+                <a:solidFill>
+                  <a:srgbClr val="000000"/>
+                </a:solidFill>
+                <a:latin typeface="Arimo Bold"/>
+                <a:ea typeface="Arimo Bold"/>
+                <a:cs typeface="Arimo Bold"/>
+                <a:sym typeface="Arimo Bold"/>
+              </a:rPr>
+              <a:t>Ordinal Encoding (</a:t>
+            </a:r>
+            <a:r>
+              <a:rPr lang="en-US" altLang="zh-TW" sz="2800" dirty="0" err="1">
+                <a:solidFill>
+                  <a:srgbClr val="000000"/>
+                </a:solidFill>
+                <a:latin typeface="Arimo Bold"/>
+                <a:ea typeface="Arimo Bold"/>
+                <a:cs typeface="Arimo Bold"/>
+                <a:sym typeface="Arimo Bold"/>
+              </a:rPr>
+              <a:t>Gender:Int</a:t>
+            </a:r>
+            <a:r>
+              <a:rPr lang="en-US" altLang="zh-TW" sz="2800" dirty="0">
+                <a:solidFill>
+                  <a:srgbClr val="000000"/>
+                </a:solidFill>
+                <a:latin typeface="Arimo Bold"/>
+                <a:ea typeface="Arimo Bold"/>
+                <a:cs typeface="Arimo Bold"/>
+                <a:sym typeface="Arimo Bold"/>
+              </a:rPr>
+              <a:t>,</a:t>
+            </a:r>
+            <a:r>
+              <a:rPr lang="zh-TW" altLang="en-US" sz="2800" dirty="0">
+                <a:solidFill>
+                  <a:srgbClr val="000000"/>
+                </a:solidFill>
+                <a:latin typeface="Arimo Bold"/>
+                <a:ea typeface="Arimo Bold"/>
+                <a:cs typeface="Arimo Bold"/>
+                <a:sym typeface="Arimo Bold"/>
+              </a:rPr>
+              <a:t> </a:t>
+            </a:r>
+            <a:r>
+              <a:rPr lang="en-US" altLang="zh-TW" sz="2800" dirty="0">
+                <a:solidFill>
+                  <a:srgbClr val="000000"/>
+                </a:solidFill>
+                <a:latin typeface="Arimo Bold"/>
+                <a:ea typeface="Arimo Bold"/>
+                <a:cs typeface="Arimo Bold"/>
+                <a:sym typeface="Arimo Bold"/>
+              </a:rPr>
+              <a:t>Churn:</a:t>
+            </a:r>
+            <a:r>
+              <a:rPr lang="zh-TW" altLang="en-US" sz="2800" dirty="0">
+                <a:solidFill>
+                  <a:srgbClr val="000000"/>
+                </a:solidFill>
+                <a:latin typeface="Arimo Bold"/>
+                <a:ea typeface="Arimo Bold"/>
+                <a:cs typeface="Arimo Bold"/>
+                <a:sym typeface="Arimo Bold"/>
+              </a:rPr>
+              <a:t> </a:t>
+            </a:r>
+            <a:r>
+              <a:rPr lang="en-US" altLang="zh-TW" sz="2800" dirty="0">
+                <a:solidFill>
+                  <a:srgbClr val="000000"/>
+                </a:solidFill>
+                <a:latin typeface="Arimo Bold"/>
+                <a:ea typeface="Arimo Bold"/>
+                <a:cs typeface="Arimo Bold"/>
+                <a:sym typeface="Arimo Bold"/>
+              </a:rPr>
+              <a:t>String)</a:t>
+            </a:r>
+          </a:p>
+        </p:txBody>
+      </p:sp>
+      <p:pic>
+        <p:nvPicPr>
+          <p:cNvPr id="8" name="圖片 7">
+            <a:extLst>
+              <a:ext uri="{FF2B5EF4-FFF2-40B4-BE49-F238E27FC236}">
+                <a16:creationId xmlns:a16="http://schemas.microsoft.com/office/drawing/2014/main" id="{3E8935C1-CF0D-F7A7-7004-3A23FC2979BA}"/>
+              </a:ext>
+            </a:extLst>
+          </p:cNvPr>
+          <p:cNvPicPr>
+            <a:picLocks noChangeAspect="1"/>
+          </p:cNvPicPr>
+          <p:nvPr/>
+        </p:nvPicPr>
+        <p:blipFill>
+          <a:blip r:embed="rId6"/>
+          <a:stretch>
+            <a:fillRect/>
+          </a:stretch>
+        </p:blipFill>
+        <p:spPr>
+          <a:xfrm>
+            <a:off x="9907031" y="1201653"/>
+            <a:ext cx="5098502" cy="4800593"/>
+          </a:xfrm>
+          <a:prstGeom prst="rect">
+            <a:avLst/>
+          </a:prstGeom>
+        </p:spPr>
+      </p:pic>
+      <p:pic>
+        <p:nvPicPr>
+          <p:cNvPr id="13" name="圖片 12">
+            <a:extLst>
+              <a:ext uri="{FF2B5EF4-FFF2-40B4-BE49-F238E27FC236}">
+                <a16:creationId xmlns:a16="http://schemas.microsoft.com/office/drawing/2014/main" id="{9C000BDB-78BC-44F7-EC35-680E5C8E79ED}"/>
+              </a:ext>
+            </a:extLst>
+          </p:cNvPr>
+          <p:cNvPicPr>
+            <a:picLocks noChangeAspect="1"/>
+          </p:cNvPicPr>
+          <p:nvPr/>
+        </p:nvPicPr>
+        <p:blipFill rotWithShape="1">
+          <a:blip r:embed="rId7"/>
+          <a:srcRect b="17732"/>
+          <a:stretch/>
+        </p:blipFill>
+        <p:spPr>
+          <a:xfrm>
+            <a:off x="10457466" y="6002246"/>
+            <a:ext cx="3997632" cy="2768277"/>
+          </a:xfrm>
+          <a:prstGeom prst="rect">
+            <a:avLst/>
+          </a:prstGeom>
+        </p:spPr>
+      </p:pic>
     </p:spTree>
+    <p:extLst>
+      <p:ext uri="{BB962C8B-B14F-4D97-AF65-F5344CB8AC3E}">
+        <p14:creationId xmlns:p14="http://schemas.microsoft.com/office/powerpoint/2010/main" val="3330881596"/>
+      </p:ext>
+    </p:extLst>
   </p:cSld>
   <p:clrMapOvr>
     <a:masterClrMapping/>
@@ -10087,14 +12242,223 @@
       </p:grpSp>
       <p:sp>
         <p:nvSpPr>
-          <p:cNvPr id="5" name="Freeform 5"/>
+          <p:cNvPr id="5" name="TextBox 5"/>
+          <p:cNvSpPr txBox="1"/>
+          <p:nvPr/>
+        </p:nvSpPr>
+        <p:spPr>
+          <a:xfrm>
+            <a:off x="615070" y="500360"/>
+            <a:ext cx="18361245" cy="836704"/>
+          </a:xfrm>
+          <a:prstGeom prst="rect">
+            <a:avLst/>
+          </a:prstGeom>
+        </p:spPr>
+        <p:txBody>
+          <a:bodyPr lIns="0" tIns="0" rIns="0" bIns="0" rtlCol="0" anchor="t">
+            <a:spAutoFit/>
+          </a:bodyPr>
+          <a:lstStyle/>
+          <a:p>
+            <a:pPr algn="l">
+              <a:lnSpc>
+                <a:spcPts val="7000"/>
+              </a:lnSpc>
+            </a:pPr>
+            <a:r>
+              <a:rPr lang="en-US" sz="5600" dirty="0">
+                <a:solidFill>
+                  <a:srgbClr val="000000"/>
+                </a:solidFill>
+                <a:latin typeface="Arimo Bold"/>
+                <a:ea typeface="Arimo Bold"/>
+                <a:cs typeface="Arimo Bold"/>
+                <a:sym typeface="Arimo Bold"/>
+              </a:rPr>
+              <a:t>Result</a:t>
+            </a:r>
+          </a:p>
+        </p:txBody>
+      </p:sp>
+      <p:sp>
+        <p:nvSpPr>
+          <p:cNvPr id="21" name="文字方塊 20">
+            <a:extLst>
+              <a:ext uri="{FF2B5EF4-FFF2-40B4-BE49-F238E27FC236}">
+                <a16:creationId xmlns:a16="http://schemas.microsoft.com/office/drawing/2014/main" id="{7919D066-F538-CD55-640B-2B55D747D9A7}"/>
+              </a:ext>
+            </a:extLst>
+          </p:cNvPr>
+          <p:cNvSpPr txBox="1"/>
+          <p:nvPr/>
+        </p:nvSpPr>
+        <p:spPr>
+          <a:xfrm>
+            <a:off x="8797414" y="8490451"/>
+            <a:ext cx="9490586" cy="882357"/>
+          </a:xfrm>
+          <a:prstGeom prst="rect">
+            <a:avLst/>
+          </a:prstGeom>
+          <a:noFill/>
+        </p:spPr>
+        <p:txBody>
+          <a:bodyPr wrap="square">
+            <a:spAutoFit/>
+          </a:bodyPr>
+          <a:lstStyle/>
+          <a:p>
+            <a:pPr algn="ctr">
+              <a:lnSpc>
+                <a:spcPts val="7000"/>
+              </a:lnSpc>
+              <a:spcBef>
+                <a:spcPct val="0"/>
+              </a:spcBef>
+            </a:pPr>
+            <a:r>
+              <a:rPr lang="en-US" altLang="zh-TW" sz="4000" dirty="0">
+                <a:solidFill>
+                  <a:srgbClr val="000000"/>
+                </a:solidFill>
+                <a:latin typeface="Arimo Bold"/>
+                <a:ea typeface="Arimo Bold"/>
+                <a:cs typeface="Arimo Bold"/>
+                <a:sym typeface="Arimo Bold"/>
+              </a:rPr>
+              <a:t>60000 rows data</a:t>
+            </a:r>
+          </a:p>
+        </p:txBody>
+      </p:sp>
+      <p:sp>
+        <p:nvSpPr>
+          <p:cNvPr id="24" name="文字方塊 23">
+            <a:extLst>
+              <a:ext uri="{FF2B5EF4-FFF2-40B4-BE49-F238E27FC236}">
+                <a16:creationId xmlns:a16="http://schemas.microsoft.com/office/drawing/2014/main" id="{BC1E9B3A-C408-D4F5-2631-D16B559AFD8C}"/>
+              </a:ext>
+            </a:extLst>
+          </p:cNvPr>
+          <p:cNvSpPr txBox="1"/>
+          <p:nvPr/>
+        </p:nvSpPr>
+        <p:spPr>
+          <a:xfrm>
+            <a:off x="3223903" y="8526093"/>
+            <a:ext cx="5562600" cy="882357"/>
+          </a:xfrm>
+          <a:prstGeom prst="rect">
+            <a:avLst/>
+          </a:prstGeom>
+          <a:noFill/>
+        </p:spPr>
+        <p:txBody>
+          <a:bodyPr wrap="square">
+            <a:spAutoFit/>
+          </a:bodyPr>
+          <a:lstStyle/>
+          <a:p>
+            <a:pPr algn="ctr">
+              <a:lnSpc>
+                <a:spcPts val="7000"/>
+              </a:lnSpc>
+              <a:spcBef>
+                <a:spcPct val="0"/>
+              </a:spcBef>
+            </a:pPr>
+            <a:r>
+              <a:rPr lang="en-US" altLang="zh-TW" sz="4000" dirty="0">
+                <a:solidFill>
+                  <a:srgbClr val="000000"/>
+                </a:solidFill>
+                <a:latin typeface="Arimo Bold"/>
+                <a:ea typeface="Arimo Bold"/>
+                <a:cs typeface="Arimo Bold"/>
+                <a:sym typeface="Arimo Bold"/>
+              </a:rPr>
+              <a:t>600 rows data</a:t>
+            </a:r>
+          </a:p>
+        </p:txBody>
+      </p:sp>
+      <p:pic>
+        <p:nvPicPr>
+          <p:cNvPr id="6" name="圖片 5">
+            <a:extLst>
+              <a:ext uri="{FF2B5EF4-FFF2-40B4-BE49-F238E27FC236}">
+                <a16:creationId xmlns:a16="http://schemas.microsoft.com/office/drawing/2014/main" id="{C089960B-4D4C-AAF1-67AF-7AD48C08D73B}"/>
+              </a:ext>
+            </a:extLst>
+          </p:cNvPr>
+          <p:cNvPicPr>
+            <a:picLocks noChangeAspect="1"/>
+          </p:cNvPicPr>
+          <p:nvPr/>
+        </p:nvPicPr>
+        <p:blipFill>
+          <a:blip r:embed="rId4"/>
+          <a:stretch>
+            <a:fillRect/>
+          </a:stretch>
+        </p:blipFill>
+        <p:spPr>
+          <a:xfrm>
+            <a:off x="10407745" y="965957"/>
+            <a:ext cx="6309254" cy="4869558"/>
+          </a:xfrm>
+          <a:prstGeom prst="rect">
+            <a:avLst/>
+          </a:prstGeom>
+        </p:spPr>
+      </p:pic>
+      <p:pic>
+        <p:nvPicPr>
+          <p:cNvPr id="7" name="圖片 6">
+            <a:extLst>
+              <a:ext uri="{FF2B5EF4-FFF2-40B4-BE49-F238E27FC236}">
+                <a16:creationId xmlns:a16="http://schemas.microsoft.com/office/drawing/2014/main" id="{79DA6116-F966-14E9-3210-E28C158938CE}"/>
+              </a:ext>
+            </a:extLst>
+          </p:cNvPr>
+          <p:cNvPicPr>
+            <a:picLocks noChangeAspect="1"/>
+          </p:cNvPicPr>
+          <p:nvPr/>
+        </p:nvPicPr>
+        <p:blipFill>
+          <a:blip r:embed="rId5"/>
+          <a:stretch>
+            <a:fillRect/>
+          </a:stretch>
+        </p:blipFill>
+        <p:spPr>
+          <a:xfrm>
+            <a:off x="10407745" y="5835514"/>
+            <a:ext cx="6309254" cy="2315239"/>
+          </a:xfrm>
+          <a:prstGeom prst="rect">
+            <a:avLst/>
+          </a:prstGeom>
+        </p:spPr>
+      </p:pic>
+      <p:sp>
+        <p:nvSpPr>
+          <p:cNvPr id="8" name="Freeform 5">
+            <a:extLst>
+              <a:ext uri="{FF2B5EF4-FFF2-40B4-BE49-F238E27FC236}">
+                <a16:creationId xmlns:a16="http://schemas.microsoft.com/office/drawing/2014/main" id="{40D4CFDD-E02C-9454-EF1F-2280E0C9C144}"/>
+              </a:ext>
+            </a:extLst>
+          </p:cNvPr>
           <p:cNvSpPr/>
           <p:nvPr/>
         </p:nvSpPr>
         <p:spPr>
           <a:xfrm>
-            <a:off x="615070" y="1417300"/>
-            <a:ext cx="8838531" cy="4419265"/>
+            <a:off x="3384723" y="964152"/>
+            <a:ext cx="4857732" cy="4374329"/>
           </a:xfrm>
           <a:custGeom>
             <a:avLst/>
@@ -10103,124 +12467,18 @@
             <a:cxnLst/>
             <a:rect l="l" t="t" r="r" b="b"/>
             <a:pathLst>
-              <a:path w="8838531" h="4419265">
+              <a:path w="7288595" h="6563291">
                 <a:moveTo>
                   <a:pt x="0" y="0"/>
                 </a:moveTo>
                 <a:lnTo>
-                  <a:pt x="8838531" y="0"/>
-                </a:lnTo>
-                <a:lnTo>
-                  <a:pt x="8838531" y="4419265"/>
-                </a:lnTo>
-                <a:lnTo>
-                  <a:pt x="0" y="4419265"/>
-                </a:lnTo>
-                <a:lnTo>
-                  <a:pt x="0" y="0"/>
-                </a:lnTo>
-                <a:close/>
-              </a:path>
-            </a:pathLst>
-          </a:custGeom>
-          <a:blipFill>
-            <a:blip r:embed="rId4"/>
-            <a:stretch>
-              <a:fillRect/>
-            </a:stretch>
-          </a:blipFill>
-        </p:spPr>
-        <p:txBody>
-          <a:bodyPr/>
-          <a:lstStyle/>
-          <a:p>
-            <a:endParaRPr lang="zh-TW" altLang="en-US"/>
-          </a:p>
-        </p:txBody>
-      </p:sp>
-      <p:sp>
-        <p:nvSpPr>
-          <p:cNvPr id="6" name="Freeform 6"/>
-          <p:cNvSpPr/>
-          <p:nvPr/>
-        </p:nvSpPr>
-        <p:spPr>
-          <a:xfrm>
-            <a:off x="8635926" y="1417300"/>
-            <a:ext cx="8623374" cy="4311687"/>
-          </a:xfrm>
-          <a:custGeom>
-            <a:avLst/>
-            <a:gdLst/>
-            <a:ahLst/>
-            <a:cxnLst/>
-            <a:rect l="l" t="t" r="r" b="b"/>
-            <a:pathLst>
-              <a:path w="8623374" h="4311687">
-                <a:moveTo>
-                  <a:pt x="0" y="0"/>
-                </a:moveTo>
-                <a:lnTo>
-                  <a:pt x="8623374" y="0"/>
-                </a:lnTo>
-                <a:lnTo>
-                  <a:pt x="8623374" y="4311687"/>
-                </a:lnTo>
-                <a:lnTo>
-                  <a:pt x="0" y="4311687"/>
-                </a:lnTo>
-                <a:lnTo>
-                  <a:pt x="0" y="0"/>
-                </a:lnTo>
-                <a:close/>
-              </a:path>
-            </a:pathLst>
-          </a:custGeom>
-          <a:blipFill>
-            <a:blip r:embed="rId5"/>
-            <a:stretch>
-              <a:fillRect/>
-            </a:stretch>
-          </a:blipFill>
-        </p:spPr>
-        <p:txBody>
-          <a:bodyPr/>
-          <a:lstStyle/>
-          <a:p>
-            <a:endParaRPr lang="zh-TW" altLang="en-US"/>
-          </a:p>
-        </p:txBody>
-      </p:sp>
-      <p:sp>
-        <p:nvSpPr>
-          <p:cNvPr id="7" name="Freeform 7"/>
-          <p:cNvSpPr/>
-          <p:nvPr/>
-        </p:nvSpPr>
-        <p:spPr>
-          <a:xfrm>
-            <a:off x="809230" y="5768503"/>
-            <a:ext cx="8334770" cy="4167385"/>
-          </a:xfrm>
-          <a:custGeom>
-            <a:avLst/>
-            <a:gdLst/>
-            <a:ahLst/>
-            <a:cxnLst/>
-            <a:rect l="l" t="t" r="r" b="b"/>
-            <a:pathLst>
-              <a:path w="8334770" h="4167385">
-                <a:moveTo>
-                  <a:pt x="0" y="0"/>
-                </a:moveTo>
-                <a:lnTo>
-                  <a:pt x="8334770" y="0"/>
-                </a:lnTo>
-                <a:lnTo>
-                  <a:pt x="8334770" y="4167384"/>
-                </a:lnTo>
-                <a:lnTo>
-                  <a:pt x="0" y="4167384"/>
+                  <a:pt x="7288595" y="0"/>
+                </a:lnTo>
+                <a:lnTo>
+                  <a:pt x="7288595" y="6563291"/>
+                </a:lnTo>
+                <a:lnTo>
+                  <a:pt x="0" y="6563291"/>
                 </a:lnTo>
                 <a:lnTo>
                   <a:pt x="0" y="0"/>
@@ -10246,14 +12504,20 @@
       </p:sp>
       <p:sp>
         <p:nvSpPr>
-          <p:cNvPr id="8" name="Freeform 8"/>
+          <p:cNvPr id="9" name="Freeform 6">
+            <a:extLst>
+              <a:ext uri="{FF2B5EF4-FFF2-40B4-BE49-F238E27FC236}">
+                <a16:creationId xmlns:a16="http://schemas.microsoft.com/office/drawing/2014/main" id="{B5BF0547-843F-D3BE-A7A4-0B6A46EDE211}"/>
+              </a:ext>
+            </a:extLst>
+          </p:cNvPr>
           <p:cNvSpPr/>
           <p:nvPr/>
         </p:nvSpPr>
         <p:spPr>
           <a:xfrm>
-            <a:off x="8924530" y="5768503"/>
-            <a:ext cx="8334770" cy="4167385"/>
+            <a:off x="2483179" y="5281528"/>
+            <a:ext cx="6660821" cy="3108383"/>
           </a:xfrm>
           <a:custGeom>
             <a:avLst/>
@@ -10262,18 +12526,18 @@
             <a:cxnLst/>
             <a:rect l="l" t="t" r="r" b="b"/>
             <a:pathLst>
-              <a:path w="8334770" h="4167385">
+              <a:path w="9571839" h="4466858">
                 <a:moveTo>
                   <a:pt x="0" y="0"/>
                 </a:moveTo>
                 <a:lnTo>
-                  <a:pt x="8334770" y="0"/>
-                </a:lnTo>
-                <a:lnTo>
-                  <a:pt x="8334770" y="4167384"/>
-                </a:lnTo>
-                <a:lnTo>
-                  <a:pt x="0" y="4167384"/>
+                  <a:pt x="9571839" y="0"/>
+                </a:lnTo>
+                <a:lnTo>
+                  <a:pt x="9571839" y="4466858"/>
+                </a:lnTo>
+                <a:lnTo>
+                  <a:pt x="0" y="4466858"/>
                 </a:lnTo>
                 <a:lnTo>
                   <a:pt x="0" y="0"/>
@@ -10297,48 +12561,12 @@
           </a:p>
         </p:txBody>
       </p:sp>
-      <p:sp>
-        <p:nvSpPr>
-          <p:cNvPr id="9" name="TextBox 9"/>
-          <p:cNvSpPr txBox="1"/>
-          <p:nvPr/>
-        </p:nvSpPr>
-        <p:spPr>
-          <a:xfrm>
-            <a:off x="615070" y="500360"/>
-            <a:ext cx="18361245" cy="916940"/>
-          </a:xfrm>
-          <a:prstGeom prst="rect">
-            <a:avLst/>
-          </a:prstGeom>
-        </p:spPr>
-        <p:txBody>
-          <a:bodyPr lIns="0" tIns="0" rIns="0" bIns="0" rtlCol="0" anchor="t">
-            <a:spAutoFit/>
-          </a:bodyPr>
-          <a:lstStyle/>
-          <a:p>
-            <a:pPr algn="l">
-              <a:lnSpc>
-                <a:spcPts val="7000"/>
-              </a:lnSpc>
-            </a:pPr>
-            <a:r>
-              <a:rPr lang="en-US" sz="5600">
-                <a:solidFill>
-                  <a:srgbClr val="000000"/>
-                </a:solidFill>
-                <a:latin typeface="Arimo Bold"/>
-                <a:ea typeface="Arimo Bold"/>
-                <a:cs typeface="Arimo Bold"/>
-                <a:sym typeface="Arimo Bold"/>
-              </a:rPr>
-              <a:t>Appedix: Other Distribution(600 rows)</a:t>
-            </a:r>
-          </a:p>
-        </p:txBody>
-      </p:sp>
     </p:spTree>
+    <p:extLst>
+      <p:ext uri="{BB962C8B-B14F-4D97-AF65-F5344CB8AC3E}">
+        <p14:creationId xmlns:p14="http://schemas.microsoft.com/office/powerpoint/2010/main" val="535201919"/>
+      </p:ext>
+    </p:extLst>
   </p:cSld>
   <p:clrMapOvr>
     <a:masterClrMapping/>
@@ -10482,14 +12710,143 @@
       </p:grpSp>
       <p:sp>
         <p:nvSpPr>
-          <p:cNvPr id="5" name="Freeform 5"/>
+          <p:cNvPr id="7" name="TextBox 7"/>
+          <p:cNvSpPr txBox="1"/>
+          <p:nvPr/>
+        </p:nvSpPr>
+        <p:spPr>
+          <a:xfrm>
+            <a:off x="702604" y="536893"/>
+            <a:ext cx="18361245" cy="836704"/>
+          </a:xfrm>
+          <a:prstGeom prst="rect">
+            <a:avLst/>
+          </a:prstGeom>
+        </p:spPr>
+        <p:txBody>
+          <a:bodyPr lIns="0" tIns="0" rIns="0" bIns="0" rtlCol="0" anchor="t">
+            <a:spAutoFit/>
+          </a:bodyPr>
+          <a:lstStyle/>
+          <a:p>
+            <a:pPr algn="l">
+              <a:lnSpc>
+                <a:spcPts val="7000"/>
+              </a:lnSpc>
+            </a:pPr>
+            <a:r>
+              <a:rPr lang="en-US" sz="5600" dirty="0">
+                <a:solidFill>
+                  <a:srgbClr val="000000"/>
+                </a:solidFill>
+                <a:latin typeface="Arimo Bold"/>
+                <a:ea typeface="Arimo Bold"/>
+                <a:cs typeface="Arimo Bold"/>
+                <a:sym typeface="Arimo Bold"/>
+              </a:rPr>
+              <a:t>Operating with LLM</a:t>
+            </a:r>
+          </a:p>
+        </p:txBody>
+      </p:sp>
+      <p:sp>
+        <p:nvSpPr>
+          <p:cNvPr id="8" name="TextBox 8"/>
+          <p:cNvSpPr txBox="1"/>
+          <p:nvPr/>
+        </p:nvSpPr>
+        <p:spPr>
+          <a:xfrm>
+            <a:off x="7467600" y="523374"/>
+            <a:ext cx="6752794" cy="790024"/>
+          </a:xfrm>
+          <a:prstGeom prst="rect">
+            <a:avLst/>
+          </a:prstGeom>
+        </p:spPr>
+        <p:txBody>
+          <a:bodyPr lIns="0" tIns="0" rIns="0" bIns="0" rtlCol="0" anchor="t">
+            <a:spAutoFit/>
+          </a:bodyPr>
+          <a:lstStyle/>
+          <a:p>
+            <a:pPr algn="l">
+              <a:lnSpc>
+                <a:spcPts val="7000"/>
+              </a:lnSpc>
+            </a:pPr>
+            <a:r>
+              <a:rPr lang="en-US" sz="4000" dirty="0">
+                <a:solidFill>
+                  <a:srgbClr val="000000"/>
+                </a:solidFill>
+                <a:latin typeface="Arimo" panose="02020500000000000000" charset="0"/>
+                <a:ea typeface="Arimo" panose="02020500000000000000" charset="0"/>
+                <a:cs typeface="Arimo" panose="02020500000000000000" charset="0"/>
+                <a:sym typeface="Arimo Bold"/>
+              </a:rPr>
+              <a:t>(Sort by Importance)</a:t>
+            </a:r>
+          </a:p>
+        </p:txBody>
+      </p:sp>
+      <p:sp>
+        <p:nvSpPr>
+          <p:cNvPr id="9" name="TextBox 9"/>
+          <p:cNvSpPr txBox="1"/>
+          <p:nvPr/>
+        </p:nvSpPr>
+        <p:spPr>
+          <a:xfrm>
+            <a:off x="5672970" y="8941560"/>
+            <a:ext cx="6942060" cy="666849"/>
+          </a:xfrm>
+          <a:prstGeom prst="rect">
+            <a:avLst/>
+          </a:prstGeom>
+        </p:spPr>
+        <p:txBody>
+          <a:bodyPr wrap="square" lIns="0" tIns="0" rIns="0" bIns="0" rtlCol="0" anchor="t">
+            <a:spAutoFit/>
+          </a:bodyPr>
+          <a:lstStyle/>
+          <a:p>
+            <a:pPr algn="l">
+              <a:lnSpc>
+                <a:spcPts val="5249"/>
+              </a:lnSpc>
+            </a:pPr>
+            <a:r>
+              <a:rPr lang="en-US" sz="4400" dirty="0">
+                <a:solidFill>
+                  <a:srgbClr val="FF0000"/>
+                </a:solidFill>
+                <a:latin typeface="Arimo"/>
+                <a:ea typeface="Arimo"/>
+                <a:cs typeface="Arimo"/>
+                <a:sym typeface="Arimo"/>
+              </a:rPr>
+              <a:t>First Three Factors is Same</a:t>
+            </a:r>
+          </a:p>
+        </p:txBody>
+      </p:sp>
+      <p:sp>
+        <p:nvSpPr>
+          <p:cNvPr id="13" name="Freeform 6">
+            <a:extLst>
+              <a:ext uri="{FF2B5EF4-FFF2-40B4-BE49-F238E27FC236}">
+                <a16:creationId xmlns:a16="http://schemas.microsoft.com/office/drawing/2014/main" id="{6F653918-4877-5F46-E0FF-9264FA3E1F8B}"/>
+              </a:ext>
+            </a:extLst>
+          </p:cNvPr>
           <p:cNvSpPr/>
           <p:nvPr/>
         </p:nvSpPr>
         <p:spPr>
           <a:xfrm>
-            <a:off x="352280" y="681056"/>
-            <a:ext cx="8991256" cy="4495628"/>
+            <a:off x="10958312" y="2076774"/>
+            <a:ext cx="5500887" cy="6046774"/>
           </a:xfrm>
           <a:custGeom>
             <a:avLst/>
@@ -10498,18 +12855,18 @@
             <a:cxnLst/>
             <a:rect l="l" t="t" r="r" b="b"/>
             <a:pathLst>
-              <a:path w="8991256" h="4495628">
+              <a:path w="5225802" h="5736769">
                 <a:moveTo>
                   <a:pt x="0" y="0"/>
                 </a:moveTo>
                 <a:lnTo>
-                  <a:pt x="8991256" y="0"/>
-                </a:lnTo>
-                <a:lnTo>
-                  <a:pt x="8991256" y="4495628"/>
-                </a:lnTo>
-                <a:lnTo>
-                  <a:pt x="0" y="4495628"/>
+                  <a:pt x="5225802" y="0"/>
+                </a:lnTo>
+                <a:lnTo>
+                  <a:pt x="5225802" y="5736769"/>
+                </a:lnTo>
+                <a:lnTo>
+                  <a:pt x="0" y="5736769"/>
                 </a:lnTo>
                 <a:lnTo>
                   <a:pt x="0" y="0"/>
@@ -10529,116 +12886,92 @@
           <a:bodyPr/>
           <a:lstStyle/>
           <a:p>
-            <a:endParaRPr lang="zh-TW" altLang="en-US"/>
-          </a:p>
-        </p:txBody>
-      </p:sp>
-      <p:sp>
-        <p:nvSpPr>
-          <p:cNvPr id="6" name="Freeform 6"/>
+            <a:endParaRPr lang="zh-TW" altLang="en-US" dirty="0"/>
+          </a:p>
+        </p:txBody>
+      </p:sp>
+      <p:sp>
+        <p:nvSpPr>
+          <p:cNvPr id="10" name="矩形 9">
+            <a:extLst>
+              <a:ext uri="{FF2B5EF4-FFF2-40B4-BE49-F238E27FC236}">
+                <a16:creationId xmlns:a16="http://schemas.microsoft.com/office/drawing/2014/main" id="{7B7A37A8-6ECD-2A09-BFDE-B5EDA5215D78}"/>
+              </a:ext>
+            </a:extLst>
+          </p:cNvPr>
           <p:cNvSpPr/>
           <p:nvPr/>
         </p:nvSpPr>
         <p:spPr>
           <a:xfrm>
-            <a:off x="8839200" y="705901"/>
-            <a:ext cx="8941566" cy="4470783"/>
-          </a:xfrm>
-          <a:custGeom>
-            <a:avLst/>
-            <a:gdLst/>
-            <a:ahLst/>
-            <a:cxnLst/>
-            <a:rect l="l" t="t" r="r" b="b"/>
-            <a:pathLst>
-              <a:path w="8941566" h="4470783">
-                <a:moveTo>
-                  <a:pt x="0" y="0"/>
-                </a:moveTo>
-                <a:lnTo>
-                  <a:pt x="8941567" y="0"/>
-                </a:lnTo>
-                <a:lnTo>
-                  <a:pt x="8941567" y="4470783"/>
-                </a:lnTo>
-                <a:lnTo>
-                  <a:pt x="0" y="4470783"/>
-                </a:lnTo>
-                <a:lnTo>
-                  <a:pt x="0" y="0"/>
-                </a:lnTo>
-                <a:close/>
-              </a:path>
-            </a:pathLst>
-          </a:custGeom>
-          <a:blipFill>
-            <a:blip r:embed="rId5"/>
-            <a:stretch>
-              <a:fillRect/>
-            </a:stretch>
-          </a:blipFill>
-        </p:spPr>
-        <p:txBody>
-          <a:bodyPr/>
-          <a:lstStyle/>
-          <a:p>
-            <a:endParaRPr lang="zh-TW" altLang="en-US"/>
-          </a:p>
-        </p:txBody>
-      </p:sp>
-      <p:sp>
-        <p:nvSpPr>
-          <p:cNvPr id="8" name="Freeform 8"/>
-          <p:cNvSpPr/>
+            <a:off x="11049000" y="3238500"/>
+            <a:ext cx="1371600" cy="1447800"/>
+          </a:xfrm>
+          <a:prstGeom prst="rect">
+            <a:avLst/>
+          </a:prstGeom>
+          <a:noFill/>
+          <a:ln w="38100">
+            <a:solidFill>
+              <a:srgbClr val="FF0000"/>
+            </a:solidFill>
+          </a:ln>
+        </p:spPr>
+        <p:style>
+          <a:lnRef idx="2">
+            <a:schemeClr val="accent1">
+              <a:shade val="15000"/>
+            </a:schemeClr>
+          </a:lnRef>
+          <a:fillRef idx="1">
+            <a:schemeClr val="accent1"/>
+          </a:fillRef>
+          <a:effectRef idx="0">
+            <a:schemeClr val="accent1"/>
+          </a:effectRef>
+          <a:fontRef idx="minor">
+            <a:schemeClr val="lt1"/>
+          </a:fontRef>
+        </p:style>
+        <p:txBody>
+          <a:bodyPr rtlCol="0" anchor="ctr"/>
+          <a:lstStyle/>
+          <a:p>
+            <a:pPr algn="ctr"/>
+            <a:endParaRPr lang="zh-TW" altLang="en-US" dirty="0"/>
+          </a:p>
+        </p:txBody>
+      </p:sp>
+      <p:pic>
+        <p:nvPicPr>
+          <p:cNvPr id="15" name="圖片 14">
+            <a:extLst>
+              <a:ext uri="{FF2B5EF4-FFF2-40B4-BE49-F238E27FC236}">
+                <a16:creationId xmlns:a16="http://schemas.microsoft.com/office/drawing/2014/main" id="{5BE748F0-EAB2-49AA-7253-BEB889C3D830}"/>
+              </a:ext>
+            </a:extLst>
+          </p:cNvPr>
+          <p:cNvPicPr>
+            <a:picLocks noChangeAspect="1"/>
+          </p:cNvPicPr>
           <p:nvPr/>
-        </p:nvSpPr>
-        <p:spPr>
-          <a:xfrm>
-            <a:off x="5299440" y="5448300"/>
-            <a:ext cx="8088191" cy="4044095"/>
-          </a:xfrm>
-          <a:custGeom>
-            <a:avLst/>
-            <a:gdLst/>
-            <a:ahLst/>
-            <a:cxnLst/>
-            <a:rect l="l" t="t" r="r" b="b"/>
-            <a:pathLst>
-              <a:path w="8088191" h="4044095">
-                <a:moveTo>
-                  <a:pt x="0" y="0"/>
-                </a:moveTo>
-                <a:lnTo>
-                  <a:pt x="8088191" y="0"/>
-                </a:lnTo>
-                <a:lnTo>
-                  <a:pt x="8088191" y="4044095"/>
-                </a:lnTo>
-                <a:lnTo>
-                  <a:pt x="0" y="4044095"/>
-                </a:lnTo>
-                <a:lnTo>
-                  <a:pt x="0" y="0"/>
-                </a:lnTo>
-                <a:close/>
-              </a:path>
-            </a:pathLst>
-          </a:custGeom>
-          <a:blipFill>
-            <a:blip r:embed="rId6"/>
-            <a:stretch>
-              <a:fillRect/>
-            </a:stretch>
-          </a:blipFill>
-        </p:spPr>
-        <p:txBody>
-          <a:bodyPr/>
-          <a:lstStyle/>
-          <a:p>
-            <a:endParaRPr lang="zh-TW" altLang="en-US"/>
-          </a:p>
-        </p:txBody>
-      </p:sp>
+        </p:nvPicPr>
+        <p:blipFill>
+          <a:blip r:embed="rId5"/>
+          <a:stretch>
+            <a:fillRect/>
+          </a:stretch>
+        </p:blipFill>
+        <p:spPr>
+          <a:xfrm>
+            <a:off x="1600200" y="2448430"/>
+            <a:ext cx="9343364" cy="5518594"/>
+          </a:xfrm>
+          <a:prstGeom prst="rect">
+            <a:avLst/>
+          </a:prstGeom>
+        </p:spPr>
+      </p:pic>
     </p:spTree>
   </p:cSld>
   <p:clrMapOvr>
@@ -10647,7 +12980,7 @@
 </p:sld>
 </file>
 
-<file path=ppt/slides/slide2.xml><?xml version="1.0" encoding="utf-8"?>
+<file path=ppt/slides/slide18.xml><?xml version="1.0" encoding="utf-8"?>
 <p:sld xmlns:a="http://schemas.openxmlformats.org/drawingml/2006/main" xmlns:r="http://schemas.openxmlformats.org/officeDocument/2006/relationships" xmlns:p="http://schemas.openxmlformats.org/presentationml/2006/main">
   <p:cSld>
     <p:spTree>
@@ -10783,14 +13116,218 @@
       </p:grpSp>
       <p:sp>
         <p:nvSpPr>
-          <p:cNvPr id="5" name="Freeform 5"/>
+          <p:cNvPr id="5" name="TextBox 5"/>
+          <p:cNvSpPr txBox="1"/>
+          <p:nvPr/>
+        </p:nvSpPr>
+        <p:spPr>
+          <a:xfrm>
+            <a:off x="615070" y="500360"/>
+            <a:ext cx="18361245" cy="916940"/>
+          </a:xfrm>
+          <a:prstGeom prst="rect">
+            <a:avLst/>
+          </a:prstGeom>
+        </p:spPr>
+        <p:txBody>
+          <a:bodyPr lIns="0" tIns="0" rIns="0" bIns="0" rtlCol="0" anchor="t">
+            <a:spAutoFit/>
+          </a:bodyPr>
+          <a:lstStyle/>
+          <a:p>
+            <a:pPr algn="l">
+              <a:lnSpc>
+                <a:spcPts val="7000"/>
+              </a:lnSpc>
+            </a:pPr>
+            <a:r>
+              <a:rPr lang="en-US" sz="5600">
+                <a:solidFill>
+                  <a:srgbClr val="000000"/>
+                </a:solidFill>
+                <a:latin typeface="Arimo Bold"/>
+                <a:ea typeface="Arimo Bold"/>
+                <a:cs typeface="Arimo Bold"/>
+                <a:sym typeface="Arimo Bold"/>
+              </a:rPr>
+              <a:t>Conclusion</a:t>
+            </a:r>
+          </a:p>
+        </p:txBody>
+      </p:sp>
+      <p:sp>
+        <p:nvSpPr>
+          <p:cNvPr id="6" name="TextBox 6"/>
+          <p:cNvSpPr txBox="1"/>
+          <p:nvPr/>
+        </p:nvSpPr>
+        <p:spPr>
+          <a:xfrm>
+            <a:off x="1905000" y="2991269"/>
+            <a:ext cx="15384869" cy="980440"/>
+          </a:xfrm>
+          <a:prstGeom prst="rect">
+            <a:avLst/>
+          </a:prstGeom>
+        </p:spPr>
+        <p:txBody>
+          <a:bodyPr lIns="0" tIns="0" rIns="0" bIns="0" rtlCol="0" anchor="t">
+            <a:spAutoFit/>
+          </a:bodyPr>
+          <a:lstStyle/>
+          <a:p>
+            <a:pPr algn="just">
+              <a:lnSpc>
+                <a:spcPts val="3874"/>
+              </a:lnSpc>
+              <a:spcBef>
+                <a:spcPct val="0"/>
+              </a:spcBef>
+            </a:pPr>
+            <a:r>
+              <a:rPr lang="en-US" sz="3099" dirty="0">
+                <a:solidFill>
+                  <a:srgbClr val="000000"/>
+                </a:solidFill>
+                <a:latin typeface="Arimo Bold"/>
+                <a:ea typeface="Arimo Bold"/>
+                <a:cs typeface="Arimo Bold"/>
+                <a:sym typeface="Arimo Bold"/>
+              </a:rPr>
+              <a:t>1. If a factor has hierarchical levels (ex. month, quarter, annual), using Ordinal Encoding(turn category into number) or another method would be more effective.</a:t>
+            </a:r>
+          </a:p>
+        </p:txBody>
+      </p:sp>
+      <p:sp>
+        <p:nvSpPr>
+          <p:cNvPr id="7" name="TextBox 7"/>
+          <p:cNvSpPr txBox="1"/>
+          <p:nvPr/>
+        </p:nvSpPr>
+        <p:spPr>
+          <a:xfrm>
+            <a:off x="2091232" y="4830019"/>
+            <a:ext cx="14105533" cy="1055370"/>
+          </a:xfrm>
+          <a:prstGeom prst="rect">
+            <a:avLst/>
+          </a:prstGeom>
+        </p:spPr>
+        <p:txBody>
+          <a:bodyPr lIns="0" tIns="0" rIns="0" bIns="0" rtlCol="0" anchor="t">
+            <a:spAutoFit/>
+          </a:bodyPr>
+          <a:lstStyle/>
+          <a:p>
+            <a:pPr algn="ctr">
+              <a:lnSpc>
+                <a:spcPts val="4124"/>
+              </a:lnSpc>
+              <a:spcBef>
+                <a:spcPct val="0"/>
+              </a:spcBef>
+            </a:pPr>
+            <a:r>
+              <a:rPr lang="en-US" sz="3299" dirty="0">
+                <a:solidFill>
+                  <a:srgbClr val="000000"/>
+                </a:solidFill>
+                <a:latin typeface="Arimo Bold"/>
+                <a:ea typeface="Arimo Bold"/>
+                <a:cs typeface="Arimo Bold"/>
+                <a:sym typeface="Arimo Bold"/>
+              </a:rPr>
+              <a:t>2. In category data (ex. gender), using numeric data will have a better results than string data.</a:t>
+            </a:r>
+          </a:p>
+        </p:txBody>
+      </p:sp>
+      <p:sp>
+        <p:nvSpPr>
+          <p:cNvPr id="8" name="TextBox 7">
+            <a:extLst>
+              <a:ext uri="{FF2B5EF4-FFF2-40B4-BE49-F238E27FC236}">
+                <a16:creationId xmlns:a16="http://schemas.microsoft.com/office/drawing/2014/main" id="{959FE750-04BE-5360-A093-6CA942E8104B}"/>
+              </a:ext>
+            </a:extLst>
+          </p:cNvPr>
+          <p:cNvSpPr txBox="1"/>
+          <p:nvPr/>
+        </p:nvSpPr>
+        <p:spPr>
+          <a:xfrm>
+            <a:off x="1790699" y="6743700"/>
+            <a:ext cx="14706600" cy="1016432"/>
+          </a:xfrm>
+          <a:prstGeom prst="rect">
+            <a:avLst/>
+          </a:prstGeom>
+        </p:spPr>
+        <p:txBody>
+          <a:bodyPr wrap="square" lIns="0" tIns="0" rIns="0" bIns="0" rtlCol="0" anchor="t">
+            <a:spAutoFit/>
+          </a:bodyPr>
+          <a:lstStyle/>
+          <a:p>
+            <a:pPr algn="ctr">
+              <a:lnSpc>
+                <a:spcPts val="4124"/>
+              </a:lnSpc>
+              <a:spcBef>
+                <a:spcPct val="0"/>
+              </a:spcBef>
+            </a:pPr>
+            <a:r>
+              <a:rPr lang="en-US" sz="3299" dirty="0">
+                <a:solidFill>
+                  <a:srgbClr val="000000"/>
+                </a:solidFill>
+                <a:latin typeface="Arimo Bold"/>
+                <a:ea typeface="Arimo Bold"/>
+                <a:cs typeface="Arimo Bold"/>
+                <a:sym typeface="Arimo Bold"/>
+              </a:rPr>
+              <a:t>3. Using large amounts of data may make the results overly rigorous, making it difficult to determine the significance of less important factors.</a:t>
+            </a:r>
+          </a:p>
+        </p:txBody>
+      </p:sp>
+    </p:spTree>
+  </p:cSld>
+  <p:clrMapOvr>
+    <a:masterClrMapping/>
+  </p:clrMapOvr>
+</p:sld>
+</file>
+
+<file path=ppt/slides/slide19.xml><?xml version="1.0" encoding="utf-8"?>
+<p:sld xmlns:a="http://schemas.openxmlformats.org/drawingml/2006/main" xmlns:r="http://schemas.openxmlformats.org/officeDocument/2006/relationships" xmlns:p="http://schemas.openxmlformats.org/presentationml/2006/main">
+  <p:cSld>
+    <p:spTree>
+      <p:nvGrpSpPr>
+        <p:cNvPr id="1" name=""/>
+        <p:cNvGrpSpPr/>
+        <p:nvPr/>
+      </p:nvGrpSpPr>
+      <p:grpSpPr>
+        <a:xfrm>
+          <a:off x="0" y="0"/>
+          <a:ext cx="0" cy="0"/>
+          <a:chOff x="0" y="0"/>
+          <a:chExt cx="0" cy="0"/>
+        </a:xfrm>
+      </p:grpSpPr>
+      <p:sp>
+        <p:nvSpPr>
+          <p:cNvPr id="2" name="Freeform 2" descr="preencoded.png"/>
           <p:cNvSpPr/>
           <p:nvPr/>
         </p:nvSpPr>
         <p:spPr>
           <a:xfrm>
-            <a:off x="2019452" y="3493677"/>
-            <a:ext cx="14352094" cy="5157352"/>
+            <a:off x="0" y="0"/>
+            <a:ext cx="18288000" cy="10287000"/>
           </a:xfrm>
           <a:custGeom>
             <a:avLst/>
@@ -10799,18 +13336,135 @@
             <a:cxnLst/>
             <a:rect l="l" t="t" r="r" b="b"/>
             <a:pathLst>
-              <a:path w="14352094" h="5157352">
+              <a:path w="18288000" h="10287000">
                 <a:moveTo>
                   <a:pt x="0" y="0"/>
                 </a:moveTo>
                 <a:lnTo>
-                  <a:pt x="14352094" y="0"/>
-                </a:lnTo>
-                <a:lnTo>
-                  <a:pt x="14352094" y="5157351"/>
-                </a:lnTo>
-                <a:lnTo>
-                  <a:pt x="0" y="5157351"/>
+                  <a:pt x="18288000" y="0"/>
+                </a:lnTo>
+                <a:lnTo>
+                  <a:pt x="18288000" y="10287000"/>
+                </a:lnTo>
+                <a:lnTo>
+                  <a:pt x="0" y="10287000"/>
+                </a:lnTo>
+                <a:lnTo>
+                  <a:pt x="0" y="0"/>
+                </a:lnTo>
+                <a:close/>
+              </a:path>
+            </a:pathLst>
+          </a:custGeom>
+          <a:blipFill>
+            <a:blip r:embed="rId3"/>
+            <a:stretch>
+              <a:fillRect/>
+            </a:stretch>
+          </a:blipFill>
+        </p:spPr>
+        <p:txBody>
+          <a:bodyPr/>
+          <a:lstStyle/>
+          <a:p>
+            <a:endParaRPr lang="zh-TW" altLang="en-US"/>
+          </a:p>
+        </p:txBody>
+      </p:sp>
+      <p:grpSp>
+        <p:nvGrpSpPr>
+          <p:cNvPr id="3" name="Group 3"/>
+          <p:cNvGrpSpPr/>
+          <p:nvPr/>
+        </p:nvGrpSpPr>
+        <p:grpSpPr>
+          <a:xfrm>
+            <a:off x="0" y="0"/>
+            <a:ext cx="18288000" cy="10287000"/>
+            <a:chOff x="0" y="0"/>
+            <a:chExt cx="24384000" cy="13716000"/>
+          </a:xfrm>
+        </p:grpSpPr>
+        <p:sp>
+          <p:nvSpPr>
+            <p:cNvPr id="4" name="Freeform 4"/>
+            <p:cNvSpPr/>
+            <p:nvPr/>
+          </p:nvSpPr>
+          <p:spPr>
+            <a:xfrm>
+              <a:off x="0" y="0"/>
+              <a:ext cx="24384000" cy="13716000"/>
+            </a:xfrm>
+            <a:custGeom>
+              <a:avLst/>
+              <a:gdLst/>
+              <a:ahLst/>
+              <a:cxnLst/>
+              <a:rect l="l" t="t" r="r" b="b"/>
+              <a:pathLst>
+                <a:path w="24384000" h="13716000">
+                  <a:moveTo>
+                    <a:pt x="0" y="0"/>
+                  </a:moveTo>
+                  <a:lnTo>
+                    <a:pt x="24384000" y="0"/>
+                  </a:lnTo>
+                  <a:lnTo>
+                    <a:pt x="24384000" y="13716000"/>
+                  </a:lnTo>
+                  <a:lnTo>
+                    <a:pt x="0" y="13716000"/>
+                  </a:lnTo>
+                  <a:close/>
+                </a:path>
+              </a:pathLst>
+            </a:custGeom>
+            <a:solidFill>
+              <a:srgbClr val="FFFFFF">
+                <a:alpha val="74902"/>
+              </a:srgbClr>
+            </a:solidFill>
+          </p:spPr>
+          <p:txBody>
+            <a:bodyPr/>
+            <a:lstStyle/>
+            <a:p>
+              <a:endParaRPr lang="zh-TW" altLang="en-US"/>
+            </a:p>
+          </p:txBody>
+        </p:sp>
+      </p:grpSp>
+      <p:sp>
+        <p:nvSpPr>
+          <p:cNvPr id="5" name="Freeform 5"/>
+          <p:cNvSpPr/>
+          <p:nvPr/>
+        </p:nvSpPr>
+        <p:spPr>
+          <a:xfrm>
+            <a:off x="9038924" y="5611402"/>
+            <a:ext cx="8640926" cy="4320463"/>
+          </a:xfrm>
+          <a:custGeom>
+            <a:avLst/>
+            <a:gdLst/>
+            <a:ahLst/>
+            <a:cxnLst/>
+            <a:rect l="l" t="t" r="r" b="b"/>
+            <a:pathLst>
+              <a:path w="8640926" h="4320463">
+                <a:moveTo>
+                  <a:pt x="0" y="0"/>
+                </a:moveTo>
+                <a:lnTo>
+                  <a:pt x="8640925" y="0"/>
+                </a:lnTo>
+                <a:lnTo>
+                  <a:pt x="8640925" y="4320462"/>
+                </a:lnTo>
+                <a:lnTo>
+                  <a:pt x="0" y="4320462"/>
                 </a:lnTo>
                 <a:lnTo>
                   <a:pt x="0" y="0"/>
@@ -10836,6 +13490,401 @@
       </p:sp>
       <p:sp>
         <p:nvSpPr>
+          <p:cNvPr id="6" name="Freeform 6"/>
+          <p:cNvSpPr/>
+          <p:nvPr/>
+        </p:nvSpPr>
+        <p:spPr>
+          <a:xfrm>
+            <a:off x="397998" y="5611402"/>
+            <a:ext cx="8640926" cy="4320463"/>
+          </a:xfrm>
+          <a:custGeom>
+            <a:avLst/>
+            <a:gdLst/>
+            <a:ahLst/>
+            <a:cxnLst/>
+            <a:rect l="l" t="t" r="r" b="b"/>
+            <a:pathLst>
+              <a:path w="8640926" h="4320463">
+                <a:moveTo>
+                  <a:pt x="0" y="0"/>
+                </a:moveTo>
+                <a:lnTo>
+                  <a:pt x="8640926" y="0"/>
+                </a:lnTo>
+                <a:lnTo>
+                  <a:pt x="8640926" y="4320462"/>
+                </a:lnTo>
+                <a:lnTo>
+                  <a:pt x="0" y="4320462"/>
+                </a:lnTo>
+                <a:lnTo>
+                  <a:pt x="0" y="0"/>
+                </a:lnTo>
+                <a:close/>
+              </a:path>
+            </a:pathLst>
+          </a:custGeom>
+          <a:blipFill>
+            <a:blip r:embed="rId5"/>
+            <a:stretch>
+              <a:fillRect/>
+            </a:stretch>
+          </a:blipFill>
+        </p:spPr>
+        <p:txBody>
+          <a:bodyPr/>
+          <a:lstStyle/>
+          <a:p>
+            <a:endParaRPr lang="zh-TW" altLang="en-US"/>
+          </a:p>
+        </p:txBody>
+      </p:sp>
+      <p:sp>
+        <p:nvSpPr>
+          <p:cNvPr id="7" name="Freeform 7"/>
+          <p:cNvSpPr/>
+          <p:nvPr/>
+        </p:nvSpPr>
+        <p:spPr>
+          <a:xfrm>
+            <a:off x="528032" y="1433329"/>
+            <a:ext cx="8615968" cy="4307984"/>
+          </a:xfrm>
+          <a:custGeom>
+            <a:avLst/>
+            <a:gdLst/>
+            <a:ahLst/>
+            <a:cxnLst/>
+            <a:rect l="l" t="t" r="r" b="b"/>
+            <a:pathLst>
+              <a:path w="8615968" h="4307984">
+                <a:moveTo>
+                  <a:pt x="0" y="0"/>
+                </a:moveTo>
+                <a:lnTo>
+                  <a:pt x="8615968" y="0"/>
+                </a:lnTo>
+                <a:lnTo>
+                  <a:pt x="8615968" y="4307984"/>
+                </a:lnTo>
+                <a:lnTo>
+                  <a:pt x="0" y="4307984"/>
+                </a:lnTo>
+                <a:lnTo>
+                  <a:pt x="0" y="0"/>
+                </a:lnTo>
+                <a:close/>
+              </a:path>
+            </a:pathLst>
+          </a:custGeom>
+          <a:blipFill>
+            <a:blip r:embed="rId6"/>
+            <a:stretch>
+              <a:fillRect/>
+            </a:stretch>
+          </a:blipFill>
+        </p:spPr>
+        <p:txBody>
+          <a:bodyPr/>
+          <a:lstStyle/>
+          <a:p>
+            <a:endParaRPr lang="zh-TW" altLang="en-US"/>
+          </a:p>
+        </p:txBody>
+      </p:sp>
+      <p:sp>
+        <p:nvSpPr>
+          <p:cNvPr id="8" name="Freeform 8"/>
+          <p:cNvSpPr/>
+          <p:nvPr/>
+        </p:nvSpPr>
+        <p:spPr>
+          <a:xfrm>
+            <a:off x="9038924" y="1433329"/>
+            <a:ext cx="8615968" cy="4307984"/>
+          </a:xfrm>
+          <a:custGeom>
+            <a:avLst/>
+            <a:gdLst/>
+            <a:ahLst/>
+            <a:cxnLst/>
+            <a:rect l="l" t="t" r="r" b="b"/>
+            <a:pathLst>
+              <a:path w="8615968" h="4307984">
+                <a:moveTo>
+                  <a:pt x="0" y="0"/>
+                </a:moveTo>
+                <a:lnTo>
+                  <a:pt x="8615968" y="0"/>
+                </a:lnTo>
+                <a:lnTo>
+                  <a:pt x="8615968" y="4307984"/>
+                </a:lnTo>
+                <a:lnTo>
+                  <a:pt x="0" y="4307984"/>
+                </a:lnTo>
+                <a:lnTo>
+                  <a:pt x="0" y="0"/>
+                </a:lnTo>
+                <a:close/>
+              </a:path>
+            </a:pathLst>
+          </a:custGeom>
+          <a:blipFill>
+            <a:blip r:embed="rId7"/>
+            <a:stretch>
+              <a:fillRect/>
+            </a:stretch>
+          </a:blipFill>
+        </p:spPr>
+        <p:txBody>
+          <a:bodyPr/>
+          <a:lstStyle/>
+          <a:p>
+            <a:endParaRPr lang="zh-TW" altLang="en-US"/>
+          </a:p>
+        </p:txBody>
+      </p:sp>
+      <p:sp>
+        <p:nvSpPr>
+          <p:cNvPr id="9" name="TextBox 9"/>
+          <p:cNvSpPr txBox="1"/>
+          <p:nvPr/>
+        </p:nvSpPr>
+        <p:spPr>
+          <a:xfrm>
+            <a:off x="615070" y="500360"/>
+            <a:ext cx="18361245" cy="916940"/>
+          </a:xfrm>
+          <a:prstGeom prst="rect">
+            <a:avLst/>
+          </a:prstGeom>
+        </p:spPr>
+        <p:txBody>
+          <a:bodyPr lIns="0" tIns="0" rIns="0" bIns="0" rtlCol="0" anchor="t">
+            <a:spAutoFit/>
+          </a:bodyPr>
+          <a:lstStyle/>
+          <a:p>
+            <a:pPr algn="l">
+              <a:lnSpc>
+                <a:spcPts val="7000"/>
+              </a:lnSpc>
+            </a:pPr>
+            <a:r>
+              <a:rPr lang="en-US" sz="5600">
+                <a:solidFill>
+                  <a:srgbClr val="000000"/>
+                </a:solidFill>
+                <a:latin typeface="Arimo Bold"/>
+                <a:ea typeface="Arimo Bold"/>
+                <a:cs typeface="Arimo Bold"/>
+                <a:sym typeface="Arimo Bold"/>
+              </a:rPr>
+              <a:t>Appedix: Other Distribution(60000 rows)</a:t>
+            </a:r>
+          </a:p>
+        </p:txBody>
+      </p:sp>
+    </p:spTree>
+  </p:cSld>
+  <p:clrMapOvr>
+    <a:masterClrMapping/>
+  </p:clrMapOvr>
+</p:sld>
+</file>
+
+<file path=ppt/slides/slide2.xml><?xml version="1.0" encoding="utf-8"?>
+<p:sld xmlns:a="http://schemas.openxmlformats.org/drawingml/2006/main" xmlns:r="http://schemas.openxmlformats.org/officeDocument/2006/relationships" xmlns:p="http://schemas.openxmlformats.org/presentationml/2006/main">
+  <p:cSld>
+    <p:spTree>
+      <p:nvGrpSpPr>
+        <p:cNvPr id="1" name=""/>
+        <p:cNvGrpSpPr/>
+        <p:nvPr/>
+      </p:nvGrpSpPr>
+      <p:grpSpPr>
+        <a:xfrm>
+          <a:off x="0" y="0"/>
+          <a:ext cx="0" cy="0"/>
+          <a:chOff x="0" y="0"/>
+          <a:chExt cx="0" cy="0"/>
+        </a:xfrm>
+      </p:grpSpPr>
+      <p:sp>
+        <p:nvSpPr>
+          <p:cNvPr id="2" name="Freeform 2" descr="preencoded.png"/>
+          <p:cNvSpPr/>
+          <p:nvPr/>
+        </p:nvSpPr>
+        <p:spPr>
+          <a:xfrm>
+            <a:off x="0" y="0"/>
+            <a:ext cx="18288000" cy="10287000"/>
+          </a:xfrm>
+          <a:custGeom>
+            <a:avLst/>
+            <a:gdLst/>
+            <a:ahLst/>
+            <a:cxnLst/>
+            <a:rect l="l" t="t" r="r" b="b"/>
+            <a:pathLst>
+              <a:path w="18288000" h="10287000">
+                <a:moveTo>
+                  <a:pt x="0" y="0"/>
+                </a:moveTo>
+                <a:lnTo>
+                  <a:pt x="18288000" y="0"/>
+                </a:lnTo>
+                <a:lnTo>
+                  <a:pt x="18288000" y="10287000"/>
+                </a:lnTo>
+                <a:lnTo>
+                  <a:pt x="0" y="10287000"/>
+                </a:lnTo>
+                <a:lnTo>
+                  <a:pt x="0" y="0"/>
+                </a:lnTo>
+                <a:close/>
+              </a:path>
+            </a:pathLst>
+          </a:custGeom>
+          <a:blipFill>
+            <a:blip r:embed="rId3"/>
+            <a:stretch>
+              <a:fillRect/>
+            </a:stretch>
+          </a:blipFill>
+        </p:spPr>
+        <p:txBody>
+          <a:bodyPr/>
+          <a:lstStyle/>
+          <a:p>
+            <a:endParaRPr lang="zh-TW" altLang="en-US"/>
+          </a:p>
+        </p:txBody>
+      </p:sp>
+      <p:grpSp>
+        <p:nvGrpSpPr>
+          <p:cNvPr id="3" name="Group 3"/>
+          <p:cNvGrpSpPr/>
+          <p:nvPr/>
+        </p:nvGrpSpPr>
+        <p:grpSpPr>
+          <a:xfrm>
+            <a:off x="0" y="0"/>
+            <a:ext cx="18288000" cy="10287000"/>
+            <a:chOff x="0" y="0"/>
+            <a:chExt cx="24384000" cy="13716000"/>
+          </a:xfrm>
+        </p:grpSpPr>
+        <p:sp>
+          <p:nvSpPr>
+            <p:cNvPr id="4" name="Freeform 4"/>
+            <p:cNvSpPr/>
+            <p:nvPr/>
+          </p:nvSpPr>
+          <p:spPr>
+            <a:xfrm>
+              <a:off x="0" y="0"/>
+              <a:ext cx="24384000" cy="13716000"/>
+            </a:xfrm>
+            <a:custGeom>
+              <a:avLst/>
+              <a:gdLst/>
+              <a:ahLst/>
+              <a:cxnLst/>
+              <a:rect l="l" t="t" r="r" b="b"/>
+              <a:pathLst>
+                <a:path w="24384000" h="13716000">
+                  <a:moveTo>
+                    <a:pt x="0" y="0"/>
+                  </a:moveTo>
+                  <a:lnTo>
+                    <a:pt x="24384000" y="0"/>
+                  </a:lnTo>
+                  <a:lnTo>
+                    <a:pt x="24384000" y="13716000"/>
+                  </a:lnTo>
+                  <a:lnTo>
+                    <a:pt x="0" y="13716000"/>
+                  </a:lnTo>
+                  <a:close/>
+                </a:path>
+              </a:pathLst>
+            </a:custGeom>
+            <a:solidFill>
+              <a:srgbClr val="FFFFFF">
+                <a:alpha val="74902"/>
+              </a:srgbClr>
+            </a:solidFill>
+          </p:spPr>
+          <p:txBody>
+            <a:bodyPr/>
+            <a:lstStyle/>
+            <a:p>
+              <a:endParaRPr lang="zh-TW" altLang="en-US"/>
+            </a:p>
+          </p:txBody>
+        </p:sp>
+      </p:grpSp>
+      <p:sp>
+        <p:nvSpPr>
+          <p:cNvPr id="5" name="Freeform 5"/>
+          <p:cNvSpPr/>
+          <p:nvPr/>
+        </p:nvSpPr>
+        <p:spPr>
+          <a:xfrm>
+            <a:off x="2019452" y="3493677"/>
+            <a:ext cx="14352094" cy="5157352"/>
+          </a:xfrm>
+          <a:custGeom>
+            <a:avLst/>
+            <a:gdLst/>
+            <a:ahLst/>
+            <a:cxnLst/>
+            <a:rect l="l" t="t" r="r" b="b"/>
+            <a:pathLst>
+              <a:path w="14352094" h="5157352">
+                <a:moveTo>
+                  <a:pt x="0" y="0"/>
+                </a:moveTo>
+                <a:lnTo>
+                  <a:pt x="14352094" y="0"/>
+                </a:lnTo>
+                <a:lnTo>
+                  <a:pt x="14352094" y="5157351"/>
+                </a:lnTo>
+                <a:lnTo>
+                  <a:pt x="0" y="5157351"/>
+                </a:lnTo>
+                <a:lnTo>
+                  <a:pt x="0" y="0"/>
+                </a:lnTo>
+                <a:close/>
+              </a:path>
+            </a:pathLst>
+          </a:custGeom>
+          <a:blipFill>
+            <a:blip r:embed="rId4"/>
+            <a:stretch>
+              <a:fillRect/>
+            </a:stretch>
+          </a:blipFill>
+        </p:spPr>
+        <p:txBody>
+          <a:bodyPr/>
+          <a:lstStyle/>
+          <a:p>
+            <a:endParaRPr lang="zh-TW" altLang="en-US"/>
+          </a:p>
+        </p:txBody>
+      </p:sp>
+      <p:sp>
+        <p:nvSpPr>
           <p:cNvPr id="6" name="TextBox 6"/>
           <p:cNvSpPr txBox="1"/>
           <p:nvPr/>
@@ -10972,6 +14021,1003 @@
               </a:rPr>
               <a:t>No missing values</a:t>
             </a:r>
+          </a:p>
+        </p:txBody>
+      </p:sp>
+    </p:spTree>
+  </p:cSld>
+  <p:clrMapOvr>
+    <a:masterClrMapping/>
+  </p:clrMapOvr>
+</p:sld>
+</file>
+
+<file path=ppt/slides/slide20.xml><?xml version="1.0" encoding="utf-8"?>
+<p:sld xmlns:a="http://schemas.openxmlformats.org/drawingml/2006/main" xmlns:r="http://schemas.openxmlformats.org/officeDocument/2006/relationships" xmlns:p="http://schemas.openxmlformats.org/presentationml/2006/main">
+  <p:cSld>
+    <p:spTree>
+      <p:nvGrpSpPr>
+        <p:cNvPr id="1" name=""/>
+        <p:cNvGrpSpPr/>
+        <p:nvPr/>
+      </p:nvGrpSpPr>
+      <p:grpSpPr>
+        <a:xfrm>
+          <a:off x="0" y="0"/>
+          <a:ext cx="0" cy="0"/>
+          <a:chOff x="0" y="0"/>
+          <a:chExt cx="0" cy="0"/>
+        </a:xfrm>
+      </p:grpSpPr>
+      <p:sp>
+        <p:nvSpPr>
+          <p:cNvPr id="2" name="Freeform 2" descr="preencoded.png"/>
+          <p:cNvSpPr/>
+          <p:nvPr/>
+        </p:nvSpPr>
+        <p:spPr>
+          <a:xfrm>
+            <a:off x="0" y="0"/>
+            <a:ext cx="18288000" cy="10287000"/>
+          </a:xfrm>
+          <a:custGeom>
+            <a:avLst/>
+            <a:gdLst/>
+            <a:ahLst/>
+            <a:cxnLst/>
+            <a:rect l="l" t="t" r="r" b="b"/>
+            <a:pathLst>
+              <a:path w="18288000" h="10287000">
+                <a:moveTo>
+                  <a:pt x="0" y="0"/>
+                </a:moveTo>
+                <a:lnTo>
+                  <a:pt x="18288000" y="0"/>
+                </a:lnTo>
+                <a:lnTo>
+                  <a:pt x="18288000" y="10287000"/>
+                </a:lnTo>
+                <a:lnTo>
+                  <a:pt x="0" y="10287000"/>
+                </a:lnTo>
+                <a:lnTo>
+                  <a:pt x="0" y="0"/>
+                </a:lnTo>
+                <a:close/>
+              </a:path>
+            </a:pathLst>
+          </a:custGeom>
+          <a:blipFill>
+            <a:blip r:embed="rId3"/>
+            <a:stretch>
+              <a:fillRect/>
+            </a:stretch>
+          </a:blipFill>
+        </p:spPr>
+        <p:txBody>
+          <a:bodyPr/>
+          <a:lstStyle/>
+          <a:p>
+            <a:endParaRPr lang="zh-TW" altLang="en-US"/>
+          </a:p>
+        </p:txBody>
+      </p:sp>
+      <p:grpSp>
+        <p:nvGrpSpPr>
+          <p:cNvPr id="3" name="Group 3"/>
+          <p:cNvGrpSpPr/>
+          <p:nvPr/>
+        </p:nvGrpSpPr>
+        <p:grpSpPr>
+          <a:xfrm>
+            <a:off x="0" y="0"/>
+            <a:ext cx="18288000" cy="10287000"/>
+            <a:chOff x="0" y="0"/>
+            <a:chExt cx="24384000" cy="13716000"/>
+          </a:xfrm>
+        </p:grpSpPr>
+        <p:sp>
+          <p:nvSpPr>
+            <p:cNvPr id="4" name="Freeform 4"/>
+            <p:cNvSpPr/>
+            <p:nvPr/>
+          </p:nvSpPr>
+          <p:spPr>
+            <a:xfrm>
+              <a:off x="0" y="0"/>
+              <a:ext cx="24384000" cy="13716000"/>
+            </a:xfrm>
+            <a:custGeom>
+              <a:avLst/>
+              <a:gdLst/>
+              <a:ahLst/>
+              <a:cxnLst/>
+              <a:rect l="l" t="t" r="r" b="b"/>
+              <a:pathLst>
+                <a:path w="24384000" h="13716000">
+                  <a:moveTo>
+                    <a:pt x="0" y="0"/>
+                  </a:moveTo>
+                  <a:lnTo>
+                    <a:pt x="24384000" y="0"/>
+                  </a:lnTo>
+                  <a:lnTo>
+                    <a:pt x="24384000" y="13716000"/>
+                  </a:lnTo>
+                  <a:lnTo>
+                    <a:pt x="0" y="13716000"/>
+                  </a:lnTo>
+                  <a:close/>
+                </a:path>
+              </a:pathLst>
+            </a:custGeom>
+            <a:solidFill>
+              <a:srgbClr val="FFFFFF">
+                <a:alpha val="74902"/>
+              </a:srgbClr>
+            </a:solidFill>
+          </p:spPr>
+          <p:txBody>
+            <a:bodyPr/>
+            <a:lstStyle/>
+            <a:p>
+              <a:endParaRPr lang="zh-TW" altLang="en-US"/>
+            </a:p>
+          </p:txBody>
+        </p:sp>
+      </p:grpSp>
+      <p:sp>
+        <p:nvSpPr>
+          <p:cNvPr id="5" name="Freeform 5"/>
+          <p:cNvSpPr/>
+          <p:nvPr/>
+        </p:nvSpPr>
+        <p:spPr>
+          <a:xfrm>
+            <a:off x="553708" y="879035"/>
+            <a:ext cx="8528930" cy="4264465"/>
+          </a:xfrm>
+          <a:custGeom>
+            <a:avLst/>
+            <a:gdLst/>
+            <a:ahLst/>
+            <a:cxnLst/>
+            <a:rect l="l" t="t" r="r" b="b"/>
+            <a:pathLst>
+              <a:path w="8528930" h="4264465">
+                <a:moveTo>
+                  <a:pt x="0" y="0"/>
+                </a:moveTo>
+                <a:lnTo>
+                  <a:pt x="8528930" y="0"/>
+                </a:lnTo>
+                <a:lnTo>
+                  <a:pt x="8528930" y="4264465"/>
+                </a:lnTo>
+                <a:lnTo>
+                  <a:pt x="0" y="4264465"/>
+                </a:lnTo>
+                <a:lnTo>
+                  <a:pt x="0" y="0"/>
+                </a:lnTo>
+                <a:close/>
+              </a:path>
+            </a:pathLst>
+          </a:custGeom>
+          <a:blipFill>
+            <a:blip r:embed="rId4"/>
+            <a:stretch>
+              <a:fillRect/>
+            </a:stretch>
+          </a:blipFill>
+        </p:spPr>
+        <p:txBody>
+          <a:bodyPr/>
+          <a:lstStyle/>
+          <a:p>
+            <a:endParaRPr lang="zh-TW" altLang="en-US"/>
+          </a:p>
+        </p:txBody>
+      </p:sp>
+      <p:sp>
+        <p:nvSpPr>
+          <p:cNvPr id="6" name="Freeform 6"/>
+          <p:cNvSpPr/>
+          <p:nvPr/>
+        </p:nvSpPr>
+        <p:spPr>
+          <a:xfrm>
+            <a:off x="9082638" y="1028700"/>
+            <a:ext cx="8475866" cy="4237933"/>
+          </a:xfrm>
+          <a:custGeom>
+            <a:avLst/>
+            <a:gdLst/>
+            <a:ahLst/>
+            <a:cxnLst/>
+            <a:rect l="l" t="t" r="r" b="b"/>
+            <a:pathLst>
+              <a:path w="8475866" h="4237933">
+                <a:moveTo>
+                  <a:pt x="0" y="0"/>
+                </a:moveTo>
+                <a:lnTo>
+                  <a:pt x="8475867" y="0"/>
+                </a:lnTo>
+                <a:lnTo>
+                  <a:pt x="8475867" y="4237933"/>
+                </a:lnTo>
+                <a:lnTo>
+                  <a:pt x="0" y="4237933"/>
+                </a:lnTo>
+                <a:lnTo>
+                  <a:pt x="0" y="0"/>
+                </a:lnTo>
+                <a:close/>
+              </a:path>
+            </a:pathLst>
+          </a:custGeom>
+          <a:blipFill>
+            <a:blip r:embed="rId5"/>
+            <a:stretch>
+              <a:fillRect/>
+            </a:stretch>
+          </a:blipFill>
+        </p:spPr>
+        <p:txBody>
+          <a:bodyPr/>
+          <a:lstStyle/>
+          <a:p>
+            <a:endParaRPr lang="zh-TW" altLang="en-US"/>
+          </a:p>
+        </p:txBody>
+      </p:sp>
+      <p:sp>
+        <p:nvSpPr>
+          <p:cNvPr id="7" name="Freeform 7"/>
+          <p:cNvSpPr/>
+          <p:nvPr/>
+        </p:nvSpPr>
+        <p:spPr>
+          <a:xfrm>
+            <a:off x="4778022" y="5262946"/>
+            <a:ext cx="8731955" cy="4365978"/>
+          </a:xfrm>
+          <a:custGeom>
+            <a:avLst/>
+            <a:gdLst/>
+            <a:ahLst/>
+            <a:cxnLst/>
+            <a:rect l="l" t="t" r="r" b="b"/>
+            <a:pathLst>
+              <a:path w="8731955" h="4365978">
+                <a:moveTo>
+                  <a:pt x="0" y="0"/>
+                </a:moveTo>
+                <a:lnTo>
+                  <a:pt x="8731955" y="0"/>
+                </a:lnTo>
+                <a:lnTo>
+                  <a:pt x="8731955" y="4365978"/>
+                </a:lnTo>
+                <a:lnTo>
+                  <a:pt x="0" y="4365978"/>
+                </a:lnTo>
+                <a:lnTo>
+                  <a:pt x="0" y="0"/>
+                </a:lnTo>
+                <a:close/>
+              </a:path>
+            </a:pathLst>
+          </a:custGeom>
+          <a:blipFill>
+            <a:blip r:embed="rId6"/>
+            <a:stretch>
+              <a:fillRect/>
+            </a:stretch>
+          </a:blipFill>
+        </p:spPr>
+        <p:txBody>
+          <a:bodyPr/>
+          <a:lstStyle/>
+          <a:p>
+            <a:endParaRPr lang="zh-TW" altLang="en-US"/>
+          </a:p>
+        </p:txBody>
+      </p:sp>
+    </p:spTree>
+  </p:cSld>
+  <p:clrMapOvr>
+    <a:masterClrMapping/>
+  </p:clrMapOvr>
+</p:sld>
+</file>
+
+<file path=ppt/slides/slide21.xml><?xml version="1.0" encoding="utf-8"?>
+<p:sld xmlns:a="http://schemas.openxmlformats.org/drawingml/2006/main" xmlns:r="http://schemas.openxmlformats.org/officeDocument/2006/relationships" xmlns:p="http://schemas.openxmlformats.org/presentationml/2006/main">
+  <p:cSld>
+    <p:spTree>
+      <p:nvGrpSpPr>
+        <p:cNvPr id="1" name=""/>
+        <p:cNvGrpSpPr/>
+        <p:nvPr/>
+      </p:nvGrpSpPr>
+      <p:grpSpPr>
+        <a:xfrm>
+          <a:off x="0" y="0"/>
+          <a:ext cx="0" cy="0"/>
+          <a:chOff x="0" y="0"/>
+          <a:chExt cx="0" cy="0"/>
+        </a:xfrm>
+      </p:grpSpPr>
+      <p:sp>
+        <p:nvSpPr>
+          <p:cNvPr id="2" name="Freeform 2" descr="preencoded.png"/>
+          <p:cNvSpPr/>
+          <p:nvPr/>
+        </p:nvSpPr>
+        <p:spPr>
+          <a:xfrm>
+            <a:off x="0" y="0"/>
+            <a:ext cx="18288000" cy="10287000"/>
+          </a:xfrm>
+          <a:custGeom>
+            <a:avLst/>
+            <a:gdLst/>
+            <a:ahLst/>
+            <a:cxnLst/>
+            <a:rect l="l" t="t" r="r" b="b"/>
+            <a:pathLst>
+              <a:path w="18288000" h="10287000">
+                <a:moveTo>
+                  <a:pt x="0" y="0"/>
+                </a:moveTo>
+                <a:lnTo>
+                  <a:pt x="18288000" y="0"/>
+                </a:lnTo>
+                <a:lnTo>
+                  <a:pt x="18288000" y="10287000"/>
+                </a:lnTo>
+                <a:lnTo>
+                  <a:pt x="0" y="10287000"/>
+                </a:lnTo>
+                <a:lnTo>
+                  <a:pt x="0" y="0"/>
+                </a:lnTo>
+                <a:close/>
+              </a:path>
+            </a:pathLst>
+          </a:custGeom>
+          <a:blipFill>
+            <a:blip r:embed="rId3"/>
+            <a:stretch>
+              <a:fillRect/>
+            </a:stretch>
+          </a:blipFill>
+        </p:spPr>
+        <p:txBody>
+          <a:bodyPr/>
+          <a:lstStyle/>
+          <a:p>
+            <a:endParaRPr lang="zh-TW" altLang="en-US"/>
+          </a:p>
+        </p:txBody>
+      </p:sp>
+      <p:grpSp>
+        <p:nvGrpSpPr>
+          <p:cNvPr id="3" name="Group 3"/>
+          <p:cNvGrpSpPr/>
+          <p:nvPr/>
+        </p:nvGrpSpPr>
+        <p:grpSpPr>
+          <a:xfrm>
+            <a:off x="0" y="0"/>
+            <a:ext cx="18288000" cy="10287000"/>
+            <a:chOff x="0" y="0"/>
+            <a:chExt cx="24384000" cy="13716000"/>
+          </a:xfrm>
+        </p:grpSpPr>
+        <p:sp>
+          <p:nvSpPr>
+            <p:cNvPr id="4" name="Freeform 4"/>
+            <p:cNvSpPr/>
+            <p:nvPr/>
+          </p:nvSpPr>
+          <p:spPr>
+            <a:xfrm>
+              <a:off x="0" y="0"/>
+              <a:ext cx="24384000" cy="13716000"/>
+            </a:xfrm>
+            <a:custGeom>
+              <a:avLst/>
+              <a:gdLst/>
+              <a:ahLst/>
+              <a:cxnLst/>
+              <a:rect l="l" t="t" r="r" b="b"/>
+              <a:pathLst>
+                <a:path w="24384000" h="13716000">
+                  <a:moveTo>
+                    <a:pt x="0" y="0"/>
+                  </a:moveTo>
+                  <a:lnTo>
+                    <a:pt x="24384000" y="0"/>
+                  </a:lnTo>
+                  <a:lnTo>
+                    <a:pt x="24384000" y="13716000"/>
+                  </a:lnTo>
+                  <a:lnTo>
+                    <a:pt x="0" y="13716000"/>
+                  </a:lnTo>
+                  <a:close/>
+                </a:path>
+              </a:pathLst>
+            </a:custGeom>
+            <a:solidFill>
+              <a:srgbClr val="FFFFFF">
+                <a:alpha val="74902"/>
+              </a:srgbClr>
+            </a:solidFill>
+          </p:spPr>
+          <p:txBody>
+            <a:bodyPr/>
+            <a:lstStyle/>
+            <a:p>
+              <a:endParaRPr lang="zh-TW" altLang="en-US"/>
+            </a:p>
+          </p:txBody>
+        </p:sp>
+      </p:grpSp>
+      <p:sp>
+        <p:nvSpPr>
+          <p:cNvPr id="5" name="Freeform 5"/>
+          <p:cNvSpPr/>
+          <p:nvPr/>
+        </p:nvSpPr>
+        <p:spPr>
+          <a:xfrm>
+            <a:off x="615070" y="1417300"/>
+            <a:ext cx="8838531" cy="4419265"/>
+          </a:xfrm>
+          <a:custGeom>
+            <a:avLst/>
+            <a:gdLst/>
+            <a:ahLst/>
+            <a:cxnLst/>
+            <a:rect l="l" t="t" r="r" b="b"/>
+            <a:pathLst>
+              <a:path w="8838531" h="4419265">
+                <a:moveTo>
+                  <a:pt x="0" y="0"/>
+                </a:moveTo>
+                <a:lnTo>
+                  <a:pt x="8838531" y="0"/>
+                </a:lnTo>
+                <a:lnTo>
+                  <a:pt x="8838531" y="4419265"/>
+                </a:lnTo>
+                <a:lnTo>
+                  <a:pt x="0" y="4419265"/>
+                </a:lnTo>
+                <a:lnTo>
+                  <a:pt x="0" y="0"/>
+                </a:lnTo>
+                <a:close/>
+              </a:path>
+            </a:pathLst>
+          </a:custGeom>
+          <a:blipFill>
+            <a:blip r:embed="rId4"/>
+            <a:stretch>
+              <a:fillRect/>
+            </a:stretch>
+          </a:blipFill>
+        </p:spPr>
+        <p:txBody>
+          <a:bodyPr/>
+          <a:lstStyle/>
+          <a:p>
+            <a:endParaRPr lang="zh-TW" altLang="en-US"/>
+          </a:p>
+        </p:txBody>
+      </p:sp>
+      <p:sp>
+        <p:nvSpPr>
+          <p:cNvPr id="6" name="Freeform 6"/>
+          <p:cNvSpPr/>
+          <p:nvPr/>
+        </p:nvSpPr>
+        <p:spPr>
+          <a:xfrm>
+            <a:off x="8635926" y="1417300"/>
+            <a:ext cx="8623374" cy="4311687"/>
+          </a:xfrm>
+          <a:custGeom>
+            <a:avLst/>
+            <a:gdLst/>
+            <a:ahLst/>
+            <a:cxnLst/>
+            <a:rect l="l" t="t" r="r" b="b"/>
+            <a:pathLst>
+              <a:path w="8623374" h="4311687">
+                <a:moveTo>
+                  <a:pt x="0" y="0"/>
+                </a:moveTo>
+                <a:lnTo>
+                  <a:pt x="8623374" y="0"/>
+                </a:lnTo>
+                <a:lnTo>
+                  <a:pt x="8623374" y="4311687"/>
+                </a:lnTo>
+                <a:lnTo>
+                  <a:pt x="0" y="4311687"/>
+                </a:lnTo>
+                <a:lnTo>
+                  <a:pt x="0" y="0"/>
+                </a:lnTo>
+                <a:close/>
+              </a:path>
+            </a:pathLst>
+          </a:custGeom>
+          <a:blipFill>
+            <a:blip r:embed="rId5"/>
+            <a:stretch>
+              <a:fillRect/>
+            </a:stretch>
+          </a:blipFill>
+        </p:spPr>
+        <p:txBody>
+          <a:bodyPr/>
+          <a:lstStyle/>
+          <a:p>
+            <a:endParaRPr lang="zh-TW" altLang="en-US"/>
+          </a:p>
+        </p:txBody>
+      </p:sp>
+      <p:sp>
+        <p:nvSpPr>
+          <p:cNvPr id="7" name="Freeform 7"/>
+          <p:cNvSpPr/>
+          <p:nvPr/>
+        </p:nvSpPr>
+        <p:spPr>
+          <a:xfrm>
+            <a:off x="809230" y="5768503"/>
+            <a:ext cx="8334770" cy="4167385"/>
+          </a:xfrm>
+          <a:custGeom>
+            <a:avLst/>
+            <a:gdLst/>
+            <a:ahLst/>
+            <a:cxnLst/>
+            <a:rect l="l" t="t" r="r" b="b"/>
+            <a:pathLst>
+              <a:path w="8334770" h="4167385">
+                <a:moveTo>
+                  <a:pt x="0" y="0"/>
+                </a:moveTo>
+                <a:lnTo>
+                  <a:pt x="8334770" y="0"/>
+                </a:lnTo>
+                <a:lnTo>
+                  <a:pt x="8334770" y="4167384"/>
+                </a:lnTo>
+                <a:lnTo>
+                  <a:pt x="0" y="4167384"/>
+                </a:lnTo>
+                <a:lnTo>
+                  <a:pt x="0" y="0"/>
+                </a:lnTo>
+                <a:close/>
+              </a:path>
+            </a:pathLst>
+          </a:custGeom>
+          <a:blipFill>
+            <a:blip r:embed="rId6"/>
+            <a:stretch>
+              <a:fillRect/>
+            </a:stretch>
+          </a:blipFill>
+        </p:spPr>
+        <p:txBody>
+          <a:bodyPr/>
+          <a:lstStyle/>
+          <a:p>
+            <a:endParaRPr lang="zh-TW" altLang="en-US"/>
+          </a:p>
+        </p:txBody>
+      </p:sp>
+      <p:sp>
+        <p:nvSpPr>
+          <p:cNvPr id="8" name="Freeform 8"/>
+          <p:cNvSpPr/>
+          <p:nvPr/>
+        </p:nvSpPr>
+        <p:spPr>
+          <a:xfrm>
+            <a:off x="8924530" y="5768503"/>
+            <a:ext cx="8334770" cy="4167385"/>
+          </a:xfrm>
+          <a:custGeom>
+            <a:avLst/>
+            <a:gdLst/>
+            <a:ahLst/>
+            <a:cxnLst/>
+            <a:rect l="l" t="t" r="r" b="b"/>
+            <a:pathLst>
+              <a:path w="8334770" h="4167385">
+                <a:moveTo>
+                  <a:pt x="0" y="0"/>
+                </a:moveTo>
+                <a:lnTo>
+                  <a:pt x="8334770" y="0"/>
+                </a:lnTo>
+                <a:lnTo>
+                  <a:pt x="8334770" y="4167384"/>
+                </a:lnTo>
+                <a:lnTo>
+                  <a:pt x="0" y="4167384"/>
+                </a:lnTo>
+                <a:lnTo>
+                  <a:pt x="0" y="0"/>
+                </a:lnTo>
+                <a:close/>
+              </a:path>
+            </a:pathLst>
+          </a:custGeom>
+          <a:blipFill>
+            <a:blip r:embed="rId7"/>
+            <a:stretch>
+              <a:fillRect/>
+            </a:stretch>
+          </a:blipFill>
+        </p:spPr>
+        <p:txBody>
+          <a:bodyPr/>
+          <a:lstStyle/>
+          <a:p>
+            <a:endParaRPr lang="zh-TW" altLang="en-US"/>
+          </a:p>
+        </p:txBody>
+      </p:sp>
+      <p:sp>
+        <p:nvSpPr>
+          <p:cNvPr id="9" name="TextBox 9"/>
+          <p:cNvSpPr txBox="1"/>
+          <p:nvPr/>
+        </p:nvSpPr>
+        <p:spPr>
+          <a:xfrm>
+            <a:off x="615070" y="500360"/>
+            <a:ext cx="18361245" cy="916940"/>
+          </a:xfrm>
+          <a:prstGeom prst="rect">
+            <a:avLst/>
+          </a:prstGeom>
+        </p:spPr>
+        <p:txBody>
+          <a:bodyPr lIns="0" tIns="0" rIns="0" bIns="0" rtlCol="0" anchor="t">
+            <a:spAutoFit/>
+          </a:bodyPr>
+          <a:lstStyle/>
+          <a:p>
+            <a:pPr algn="l">
+              <a:lnSpc>
+                <a:spcPts val="7000"/>
+              </a:lnSpc>
+            </a:pPr>
+            <a:r>
+              <a:rPr lang="en-US" sz="5600">
+                <a:solidFill>
+                  <a:srgbClr val="000000"/>
+                </a:solidFill>
+                <a:latin typeface="Arimo Bold"/>
+                <a:ea typeface="Arimo Bold"/>
+                <a:cs typeface="Arimo Bold"/>
+                <a:sym typeface="Arimo Bold"/>
+              </a:rPr>
+              <a:t>Appedix: Other Distribution(600 rows)</a:t>
+            </a:r>
+          </a:p>
+        </p:txBody>
+      </p:sp>
+    </p:spTree>
+  </p:cSld>
+  <p:clrMapOvr>
+    <a:masterClrMapping/>
+  </p:clrMapOvr>
+</p:sld>
+</file>
+
+<file path=ppt/slides/slide22.xml><?xml version="1.0" encoding="utf-8"?>
+<p:sld xmlns:a="http://schemas.openxmlformats.org/drawingml/2006/main" xmlns:r="http://schemas.openxmlformats.org/officeDocument/2006/relationships" xmlns:p="http://schemas.openxmlformats.org/presentationml/2006/main">
+  <p:cSld>
+    <p:spTree>
+      <p:nvGrpSpPr>
+        <p:cNvPr id="1" name=""/>
+        <p:cNvGrpSpPr/>
+        <p:nvPr/>
+      </p:nvGrpSpPr>
+      <p:grpSpPr>
+        <a:xfrm>
+          <a:off x="0" y="0"/>
+          <a:ext cx="0" cy="0"/>
+          <a:chOff x="0" y="0"/>
+          <a:chExt cx="0" cy="0"/>
+        </a:xfrm>
+      </p:grpSpPr>
+      <p:sp>
+        <p:nvSpPr>
+          <p:cNvPr id="2" name="Freeform 2" descr="preencoded.png"/>
+          <p:cNvSpPr/>
+          <p:nvPr/>
+        </p:nvSpPr>
+        <p:spPr>
+          <a:xfrm>
+            <a:off x="0" y="0"/>
+            <a:ext cx="18288000" cy="10287000"/>
+          </a:xfrm>
+          <a:custGeom>
+            <a:avLst/>
+            <a:gdLst/>
+            <a:ahLst/>
+            <a:cxnLst/>
+            <a:rect l="l" t="t" r="r" b="b"/>
+            <a:pathLst>
+              <a:path w="18288000" h="10287000">
+                <a:moveTo>
+                  <a:pt x="0" y="0"/>
+                </a:moveTo>
+                <a:lnTo>
+                  <a:pt x="18288000" y="0"/>
+                </a:lnTo>
+                <a:lnTo>
+                  <a:pt x="18288000" y="10287000"/>
+                </a:lnTo>
+                <a:lnTo>
+                  <a:pt x="0" y="10287000"/>
+                </a:lnTo>
+                <a:lnTo>
+                  <a:pt x="0" y="0"/>
+                </a:lnTo>
+                <a:close/>
+              </a:path>
+            </a:pathLst>
+          </a:custGeom>
+          <a:blipFill>
+            <a:blip r:embed="rId3"/>
+            <a:stretch>
+              <a:fillRect/>
+            </a:stretch>
+          </a:blipFill>
+        </p:spPr>
+        <p:txBody>
+          <a:bodyPr/>
+          <a:lstStyle/>
+          <a:p>
+            <a:endParaRPr lang="zh-TW" altLang="en-US"/>
+          </a:p>
+        </p:txBody>
+      </p:sp>
+      <p:grpSp>
+        <p:nvGrpSpPr>
+          <p:cNvPr id="3" name="Group 3"/>
+          <p:cNvGrpSpPr/>
+          <p:nvPr/>
+        </p:nvGrpSpPr>
+        <p:grpSpPr>
+          <a:xfrm>
+            <a:off x="0" y="0"/>
+            <a:ext cx="18288000" cy="10287000"/>
+            <a:chOff x="0" y="0"/>
+            <a:chExt cx="24384000" cy="13716000"/>
+          </a:xfrm>
+        </p:grpSpPr>
+        <p:sp>
+          <p:nvSpPr>
+            <p:cNvPr id="4" name="Freeform 4"/>
+            <p:cNvSpPr/>
+            <p:nvPr/>
+          </p:nvSpPr>
+          <p:spPr>
+            <a:xfrm>
+              <a:off x="0" y="0"/>
+              <a:ext cx="24384000" cy="13716000"/>
+            </a:xfrm>
+            <a:custGeom>
+              <a:avLst/>
+              <a:gdLst/>
+              <a:ahLst/>
+              <a:cxnLst/>
+              <a:rect l="l" t="t" r="r" b="b"/>
+              <a:pathLst>
+                <a:path w="24384000" h="13716000">
+                  <a:moveTo>
+                    <a:pt x="0" y="0"/>
+                  </a:moveTo>
+                  <a:lnTo>
+                    <a:pt x="24384000" y="0"/>
+                  </a:lnTo>
+                  <a:lnTo>
+                    <a:pt x="24384000" y="13716000"/>
+                  </a:lnTo>
+                  <a:lnTo>
+                    <a:pt x="0" y="13716000"/>
+                  </a:lnTo>
+                  <a:close/>
+                </a:path>
+              </a:pathLst>
+            </a:custGeom>
+            <a:solidFill>
+              <a:srgbClr val="FFFFFF">
+                <a:alpha val="74902"/>
+              </a:srgbClr>
+            </a:solidFill>
+          </p:spPr>
+          <p:txBody>
+            <a:bodyPr/>
+            <a:lstStyle/>
+            <a:p>
+              <a:endParaRPr lang="zh-TW" altLang="en-US"/>
+            </a:p>
+          </p:txBody>
+        </p:sp>
+      </p:grpSp>
+      <p:sp>
+        <p:nvSpPr>
+          <p:cNvPr id="5" name="Freeform 5"/>
+          <p:cNvSpPr/>
+          <p:nvPr/>
+        </p:nvSpPr>
+        <p:spPr>
+          <a:xfrm>
+            <a:off x="352280" y="681056"/>
+            <a:ext cx="8991256" cy="4495628"/>
+          </a:xfrm>
+          <a:custGeom>
+            <a:avLst/>
+            <a:gdLst/>
+            <a:ahLst/>
+            <a:cxnLst/>
+            <a:rect l="l" t="t" r="r" b="b"/>
+            <a:pathLst>
+              <a:path w="8991256" h="4495628">
+                <a:moveTo>
+                  <a:pt x="0" y="0"/>
+                </a:moveTo>
+                <a:lnTo>
+                  <a:pt x="8991256" y="0"/>
+                </a:lnTo>
+                <a:lnTo>
+                  <a:pt x="8991256" y="4495628"/>
+                </a:lnTo>
+                <a:lnTo>
+                  <a:pt x="0" y="4495628"/>
+                </a:lnTo>
+                <a:lnTo>
+                  <a:pt x="0" y="0"/>
+                </a:lnTo>
+                <a:close/>
+              </a:path>
+            </a:pathLst>
+          </a:custGeom>
+          <a:blipFill>
+            <a:blip r:embed="rId4"/>
+            <a:stretch>
+              <a:fillRect/>
+            </a:stretch>
+          </a:blipFill>
+        </p:spPr>
+        <p:txBody>
+          <a:bodyPr/>
+          <a:lstStyle/>
+          <a:p>
+            <a:endParaRPr lang="zh-TW" altLang="en-US"/>
+          </a:p>
+        </p:txBody>
+      </p:sp>
+      <p:sp>
+        <p:nvSpPr>
+          <p:cNvPr id="6" name="Freeform 6"/>
+          <p:cNvSpPr/>
+          <p:nvPr/>
+        </p:nvSpPr>
+        <p:spPr>
+          <a:xfrm>
+            <a:off x="8839200" y="705901"/>
+            <a:ext cx="8941566" cy="4470783"/>
+          </a:xfrm>
+          <a:custGeom>
+            <a:avLst/>
+            <a:gdLst/>
+            <a:ahLst/>
+            <a:cxnLst/>
+            <a:rect l="l" t="t" r="r" b="b"/>
+            <a:pathLst>
+              <a:path w="8941566" h="4470783">
+                <a:moveTo>
+                  <a:pt x="0" y="0"/>
+                </a:moveTo>
+                <a:lnTo>
+                  <a:pt x="8941567" y="0"/>
+                </a:lnTo>
+                <a:lnTo>
+                  <a:pt x="8941567" y="4470783"/>
+                </a:lnTo>
+                <a:lnTo>
+                  <a:pt x="0" y="4470783"/>
+                </a:lnTo>
+                <a:lnTo>
+                  <a:pt x="0" y="0"/>
+                </a:lnTo>
+                <a:close/>
+              </a:path>
+            </a:pathLst>
+          </a:custGeom>
+          <a:blipFill>
+            <a:blip r:embed="rId5"/>
+            <a:stretch>
+              <a:fillRect/>
+            </a:stretch>
+          </a:blipFill>
+        </p:spPr>
+        <p:txBody>
+          <a:bodyPr/>
+          <a:lstStyle/>
+          <a:p>
+            <a:endParaRPr lang="zh-TW" altLang="en-US"/>
+          </a:p>
+        </p:txBody>
+      </p:sp>
+      <p:sp>
+        <p:nvSpPr>
+          <p:cNvPr id="8" name="Freeform 8"/>
+          <p:cNvSpPr/>
+          <p:nvPr/>
+        </p:nvSpPr>
+        <p:spPr>
+          <a:xfrm>
+            <a:off x="5299440" y="5448300"/>
+            <a:ext cx="8088191" cy="4044095"/>
+          </a:xfrm>
+          <a:custGeom>
+            <a:avLst/>
+            <a:gdLst/>
+            <a:ahLst/>
+            <a:cxnLst/>
+            <a:rect l="l" t="t" r="r" b="b"/>
+            <a:pathLst>
+              <a:path w="8088191" h="4044095">
+                <a:moveTo>
+                  <a:pt x="0" y="0"/>
+                </a:moveTo>
+                <a:lnTo>
+                  <a:pt x="8088191" y="0"/>
+                </a:lnTo>
+                <a:lnTo>
+                  <a:pt x="8088191" y="4044095"/>
+                </a:lnTo>
+                <a:lnTo>
+                  <a:pt x="0" y="4044095"/>
+                </a:lnTo>
+                <a:lnTo>
+                  <a:pt x="0" y="0"/>
+                </a:lnTo>
+                <a:close/>
+              </a:path>
+            </a:pathLst>
+          </a:custGeom>
+          <a:blipFill>
+            <a:blip r:embed="rId6"/>
+            <a:stretch>
+              <a:fillRect/>
+            </a:stretch>
+          </a:blipFill>
+        </p:spPr>
+        <p:txBody>
+          <a:bodyPr/>
+          <a:lstStyle/>
+          <a:p>
+            <a:endParaRPr lang="zh-TW" altLang="en-US"/>
           </a:p>
         </p:txBody>
       </p:sp>
@@ -13919,7 +17965,60 @@
       </p:grpSp>
       <p:sp>
         <p:nvSpPr>
-          <p:cNvPr id="5" name="TextBox 5"/>
+          <p:cNvPr id="5" name="Freeform 5"/>
+          <p:cNvSpPr/>
+          <p:nvPr/>
+        </p:nvSpPr>
+        <p:spPr>
+          <a:xfrm>
+            <a:off x="2294747" y="2273714"/>
+            <a:ext cx="13698505" cy="3761010"/>
+          </a:xfrm>
+          <a:custGeom>
+            <a:avLst/>
+            <a:gdLst/>
+            <a:ahLst/>
+            <a:cxnLst/>
+            <a:rect l="l" t="t" r="r" b="b"/>
+            <a:pathLst>
+              <a:path w="13698505" h="3761010">
+                <a:moveTo>
+                  <a:pt x="0" y="0"/>
+                </a:moveTo>
+                <a:lnTo>
+                  <a:pt x="13698506" y="0"/>
+                </a:lnTo>
+                <a:lnTo>
+                  <a:pt x="13698506" y="3761010"/>
+                </a:lnTo>
+                <a:lnTo>
+                  <a:pt x="0" y="3761010"/>
+                </a:lnTo>
+                <a:lnTo>
+                  <a:pt x="0" y="0"/>
+                </a:lnTo>
+                <a:close/>
+              </a:path>
+            </a:pathLst>
+          </a:custGeom>
+          <a:blipFill>
+            <a:blip r:embed="rId4"/>
+            <a:stretch>
+              <a:fillRect/>
+            </a:stretch>
+          </a:blipFill>
+        </p:spPr>
+        <p:txBody>
+          <a:bodyPr/>
+          <a:lstStyle/>
+          <a:p>
+            <a:endParaRPr lang="zh-TW" altLang="en-US"/>
+          </a:p>
+        </p:txBody>
+      </p:sp>
+      <p:sp>
+        <p:nvSpPr>
+          <p:cNvPr id="6" name="TextBox 6"/>
           <p:cNvSpPr txBox="1"/>
           <p:nvPr/>
         </p:nvSpPr>
@@ -13953,7 +18052,199 @@
                 <a:cs typeface="Arimo Bold"/>
                 <a:sym typeface="Arimo Bold"/>
               </a:rPr>
-              <a:t>Size Compare</a:t>
+              <a:t>One-Hot  vs Ordinal Encoding</a:t>
+            </a:r>
+          </a:p>
+        </p:txBody>
+      </p:sp>
+      <p:sp>
+        <p:nvSpPr>
+          <p:cNvPr id="7" name="TextBox 7"/>
+          <p:cNvSpPr txBox="1"/>
+          <p:nvPr/>
+        </p:nvSpPr>
+        <p:spPr>
+          <a:xfrm>
+            <a:off x="5476665" y="8875055"/>
+            <a:ext cx="7334667" cy="836704"/>
+          </a:xfrm>
+          <a:prstGeom prst="rect">
+            <a:avLst/>
+          </a:prstGeom>
+        </p:spPr>
+        <p:txBody>
+          <a:bodyPr wrap="square" lIns="0" tIns="0" rIns="0" bIns="0" rtlCol="0" anchor="t">
+            <a:spAutoFit/>
+          </a:bodyPr>
+          <a:lstStyle/>
+          <a:p>
+            <a:pPr algn="ctr">
+              <a:lnSpc>
+                <a:spcPts val="7000"/>
+              </a:lnSpc>
+              <a:spcBef>
+                <a:spcPct val="0"/>
+              </a:spcBef>
+            </a:pPr>
+            <a:r>
+              <a:rPr lang="en-US" sz="5600" dirty="0">
+                <a:solidFill>
+                  <a:srgbClr val="000000"/>
+                </a:solidFill>
+                <a:latin typeface="Arimo Bold"/>
+                <a:ea typeface="Arimo Bold"/>
+                <a:cs typeface="Arimo Bold"/>
+                <a:sym typeface="Arimo Bold"/>
+              </a:rPr>
+              <a:t>One-Hot  Encoding</a:t>
+            </a:r>
+          </a:p>
+        </p:txBody>
+      </p:sp>
+      <p:sp>
+        <p:nvSpPr>
+          <p:cNvPr id="8" name="TextBox 8"/>
+          <p:cNvSpPr txBox="1"/>
+          <p:nvPr/>
+        </p:nvSpPr>
+        <p:spPr>
+          <a:xfrm>
+            <a:off x="2294747" y="6528215"/>
+            <a:ext cx="13698505" cy="678120"/>
+          </a:xfrm>
+          <a:prstGeom prst="rect">
+            <a:avLst/>
+          </a:prstGeom>
+        </p:spPr>
+        <p:txBody>
+          <a:bodyPr lIns="0" tIns="0" rIns="0" bIns="0" rtlCol="0" anchor="t">
+            <a:spAutoFit/>
+          </a:bodyPr>
+          <a:lstStyle/>
+          <a:p>
+            <a:pPr algn="ctr">
+              <a:lnSpc>
+                <a:spcPts val="5250"/>
+              </a:lnSpc>
+              <a:spcBef>
+                <a:spcPct val="0"/>
+              </a:spcBef>
+            </a:pPr>
+            <a:r>
+              <a:rPr lang="en-US" sz="4200" dirty="0" err="1">
+                <a:solidFill>
+                  <a:srgbClr val="000000"/>
+                </a:solidFill>
+                <a:latin typeface="Arimo"/>
+                <a:ea typeface="Arimo"/>
+                <a:cs typeface="Arimo"/>
+                <a:sym typeface="Arimo"/>
+              </a:rPr>
+              <a:t>Subscribtion</a:t>
+            </a:r>
+            <a:r>
+              <a:rPr lang="en-US" sz="4200" dirty="0">
+                <a:solidFill>
+                  <a:srgbClr val="000000"/>
+                </a:solidFill>
+                <a:latin typeface="Arimo"/>
+                <a:ea typeface="Arimo"/>
+                <a:cs typeface="Arimo"/>
+                <a:sym typeface="Arimo"/>
+              </a:rPr>
+              <a:t>  Type</a:t>
+            </a:r>
+            <a:r>
+              <a:rPr lang="en-US" sz="4200" dirty="0">
+                <a:solidFill>
+                  <a:srgbClr val="000000"/>
+                </a:solidFill>
+                <a:latin typeface="Arimo Bold"/>
+                <a:ea typeface="Arimo Bold"/>
+                <a:cs typeface="Arimo Bold"/>
+                <a:sym typeface="Arimo Bold"/>
+              </a:rPr>
+              <a:t>→ </a:t>
+            </a:r>
+            <a:r>
+              <a:rPr lang="en-US" sz="4200" dirty="0">
+                <a:solidFill>
+                  <a:srgbClr val="000000"/>
+                </a:solidFill>
+                <a:latin typeface="Arimo"/>
+                <a:ea typeface="Arimo"/>
+                <a:cs typeface="Arimo"/>
+                <a:sym typeface="Arimo"/>
+              </a:rPr>
+              <a:t>Premium, Standard, Basic </a:t>
+            </a:r>
+          </a:p>
+        </p:txBody>
+      </p:sp>
+      <p:sp>
+        <p:nvSpPr>
+          <p:cNvPr id="9" name="TextBox 9"/>
+          <p:cNvSpPr txBox="1"/>
+          <p:nvPr/>
+        </p:nvSpPr>
+        <p:spPr>
+          <a:xfrm>
+            <a:off x="2294747" y="7701635"/>
+            <a:ext cx="13698505" cy="678120"/>
+          </a:xfrm>
+          <a:prstGeom prst="rect">
+            <a:avLst/>
+          </a:prstGeom>
+        </p:spPr>
+        <p:txBody>
+          <a:bodyPr lIns="0" tIns="0" rIns="0" bIns="0" rtlCol="0" anchor="t">
+            <a:spAutoFit/>
+          </a:bodyPr>
+          <a:lstStyle/>
+          <a:p>
+            <a:pPr algn="ctr">
+              <a:lnSpc>
+                <a:spcPts val="5250"/>
+              </a:lnSpc>
+              <a:spcBef>
+                <a:spcPct val="0"/>
+              </a:spcBef>
+            </a:pPr>
+            <a:r>
+              <a:rPr lang="en-US" sz="4200">
+                <a:solidFill>
+                  <a:srgbClr val="000000"/>
+                </a:solidFill>
+                <a:latin typeface="Arimo"/>
+                <a:ea typeface="Arimo"/>
+                <a:cs typeface="Arimo"/>
+                <a:sym typeface="Arimo"/>
+              </a:rPr>
+              <a:t>Contract  Length</a:t>
+            </a:r>
+            <a:r>
+              <a:rPr lang="en-US" sz="4200">
+                <a:solidFill>
+                  <a:srgbClr val="000000"/>
+                </a:solidFill>
+                <a:latin typeface="Arimo Bold"/>
+                <a:ea typeface="Arimo Bold"/>
+                <a:cs typeface="Arimo Bold"/>
+                <a:sym typeface="Arimo Bold"/>
+              </a:rPr>
+              <a:t>→ </a:t>
+            </a:r>
+            <a:r>
+              <a:rPr lang="en-US" sz="4200">
+                <a:solidFill>
+                  <a:srgbClr val="000000"/>
+                </a:solidFill>
+                <a:latin typeface="Arimo"/>
+                <a:ea typeface="Arimo"/>
+                <a:cs typeface="Arimo"/>
+                <a:sym typeface="Arimo"/>
+              </a:rPr>
+              <a:t>Monthly, Quarterly, Annual </a:t>
             </a:r>
           </a:p>
         </p:txBody>
@@ -14108,8 +18399,8 @@
         </p:nvSpPr>
         <p:spPr>
           <a:xfrm>
-            <a:off x="2294747" y="2273714"/>
-            <a:ext cx="13698505" cy="3761010"/>
+            <a:off x="1028700" y="2118367"/>
+            <a:ext cx="7288595" cy="6563291"/>
           </a:xfrm>
           <a:custGeom>
             <a:avLst/>
@@ -14118,18 +18409,18 @@
             <a:cxnLst/>
             <a:rect l="l" t="t" r="r" b="b"/>
             <a:pathLst>
-              <a:path w="13698505" h="3761010">
+              <a:path w="7288595" h="6563291">
                 <a:moveTo>
                   <a:pt x="0" y="0"/>
                 </a:moveTo>
                 <a:lnTo>
-                  <a:pt x="13698506" y="0"/>
-                </a:lnTo>
-                <a:lnTo>
-                  <a:pt x="13698506" y="3761010"/>
-                </a:lnTo>
-                <a:lnTo>
-                  <a:pt x="0" y="3761010"/>
+                  <a:pt x="7288595" y="0"/>
+                </a:lnTo>
+                <a:lnTo>
+                  <a:pt x="7288595" y="6563291"/>
+                </a:lnTo>
+                <a:lnTo>
+                  <a:pt x="0" y="6563291"/>
                 </a:lnTo>
                 <a:lnTo>
                   <a:pt x="0" y="0"/>
@@ -14155,7 +18446,60 @@
       </p:sp>
       <p:sp>
         <p:nvSpPr>
-          <p:cNvPr id="6" name="TextBox 6"/>
+          <p:cNvPr id="6" name="Freeform 6"/>
+          <p:cNvSpPr/>
+          <p:nvPr/>
+        </p:nvSpPr>
+        <p:spPr>
+          <a:xfrm>
+            <a:off x="8317295" y="2118367"/>
+            <a:ext cx="9571839" cy="4466858"/>
+          </a:xfrm>
+          <a:custGeom>
+            <a:avLst/>
+            <a:gdLst/>
+            <a:ahLst/>
+            <a:cxnLst/>
+            <a:rect l="l" t="t" r="r" b="b"/>
+            <a:pathLst>
+              <a:path w="9571839" h="4466858">
+                <a:moveTo>
+                  <a:pt x="0" y="0"/>
+                </a:moveTo>
+                <a:lnTo>
+                  <a:pt x="9571839" y="0"/>
+                </a:lnTo>
+                <a:lnTo>
+                  <a:pt x="9571839" y="4466858"/>
+                </a:lnTo>
+                <a:lnTo>
+                  <a:pt x="0" y="4466858"/>
+                </a:lnTo>
+                <a:lnTo>
+                  <a:pt x="0" y="0"/>
+                </a:lnTo>
+                <a:close/>
+              </a:path>
+            </a:pathLst>
+          </a:custGeom>
+          <a:blipFill>
+            <a:blip r:embed="rId5"/>
+            <a:stretch>
+              <a:fillRect/>
+            </a:stretch>
+          </a:blipFill>
+        </p:spPr>
+        <p:txBody>
+          <a:bodyPr/>
+          <a:lstStyle/>
+          <a:p>
+            <a:endParaRPr lang="zh-TW" altLang="en-US"/>
+          </a:p>
+        </p:txBody>
+      </p:sp>
+      <p:sp>
+        <p:nvSpPr>
+          <p:cNvPr id="7" name="TextBox 7"/>
           <p:cNvSpPr txBox="1"/>
           <p:nvPr/>
         </p:nvSpPr>
@@ -14196,14 +18540,14 @@
       </p:sp>
       <p:sp>
         <p:nvSpPr>
-          <p:cNvPr id="7" name="TextBox 7"/>
+          <p:cNvPr id="8" name="TextBox 8"/>
           <p:cNvSpPr txBox="1"/>
           <p:nvPr/>
         </p:nvSpPr>
         <p:spPr>
           <a:xfrm>
-            <a:off x="5476665" y="8875055"/>
-            <a:ext cx="7334667" cy="836704"/>
+            <a:off x="3019866" y="9028617"/>
+            <a:ext cx="6468189" cy="836704"/>
           </a:xfrm>
           <a:prstGeom prst="rect">
             <a:avLst/>
@@ -14233,21 +18577,65 @@
                 <a:cs typeface="Arimo Bold"/>
                 <a:sym typeface="Arimo Bold"/>
               </a:rPr>
-              <a:t>One-Hot  Encoding</a:t>
-            </a:r>
-          </a:p>
-        </p:txBody>
-      </p:sp>
-      <p:sp>
-        <p:nvSpPr>
-          <p:cNvPr id="8" name="TextBox 8"/>
+              <a:t>Ordinal Encoding</a:t>
+            </a:r>
+          </a:p>
+        </p:txBody>
+      </p:sp>
+      <p:sp>
+        <p:nvSpPr>
+          <p:cNvPr id="9" name="TextBox 9"/>
           <p:cNvSpPr txBox="1"/>
           <p:nvPr/>
         </p:nvSpPr>
         <p:spPr>
           <a:xfrm>
-            <a:off x="2294747" y="6528215"/>
-            <a:ext cx="13698505" cy="678120"/>
+            <a:off x="8687611" y="6749939"/>
+            <a:ext cx="3961589" cy="418321"/>
+          </a:xfrm>
+          <a:prstGeom prst="rect">
+            <a:avLst/>
+          </a:prstGeom>
+        </p:spPr>
+        <p:txBody>
+          <a:bodyPr wrap="square" lIns="0" tIns="0" rIns="0" bIns="0" rtlCol="0" anchor="t">
+            <a:spAutoFit/>
+          </a:bodyPr>
+          <a:lstStyle/>
+          <a:p>
+            <a:pPr algn="ctr">
+              <a:lnSpc>
+                <a:spcPts val="3499"/>
+              </a:lnSpc>
+              <a:spcBef>
+                <a:spcPct val="0"/>
+              </a:spcBef>
+            </a:pPr>
+            <a:r>
+              <a:rPr lang="en-US" sz="2799" dirty="0">
+                <a:solidFill>
+                  <a:srgbClr val="000000"/>
+                </a:solidFill>
+                <a:latin typeface="Arimo Bold"/>
+                <a:ea typeface="Arimo Bold"/>
+                <a:cs typeface="Arimo Bold"/>
+                <a:sym typeface="Arimo Bold"/>
+              </a:rPr>
+              <a:t>Payment  Delay:  0.223</a:t>
+            </a:r>
+          </a:p>
+        </p:txBody>
+      </p:sp>
+      <p:sp>
+        <p:nvSpPr>
+          <p:cNvPr id="10" name="TextBox 10"/>
+          <p:cNvSpPr txBox="1"/>
+          <p:nvPr/>
+        </p:nvSpPr>
+        <p:spPr>
+          <a:xfrm>
+            <a:off x="13178743" y="6749939"/>
+            <a:ext cx="6157316" cy="448885"/>
           </a:xfrm>
           <a:prstGeom prst="rect">
             <a:avLst/>
@@ -14255,6 +18643,188 @@
         </p:spPr>
         <p:txBody>
           <a:bodyPr lIns="0" tIns="0" rIns="0" bIns="0" rtlCol="0" anchor="t">
+            <a:spAutoFit/>
+          </a:bodyPr>
+          <a:lstStyle/>
+          <a:p>
+            <a:pPr algn="l">
+              <a:lnSpc>
+                <a:spcPts val="3499"/>
+              </a:lnSpc>
+              <a:spcBef>
+                <a:spcPct val="0"/>
+              </a:spcBef>
+            </a:pPr>
+            <a:r>
+              <a:rPr lang="en-US" sz="2799">
+                <a:solidFill>
+                  <a:srgbClr val="000000"/>
+                </a:solidFill>
+                <a:latin typeface="Arimo Bold"/>
+                <a:ea typeface="Arimo Bold"/>
+                <a:cs typeface="Arimo Bold"/>
+                <a:sym typeface="Arimo Bold"/>
+              </a:rPr>
+              <a:t>Usage Frequency:  -0.18</a:t>
+            </a:r>
+          </a:p>
+        </p:txBody>
+      </p:sp>
+      <p:sp>
+        <p:nvSpPr>
+          <p:cNvPr id="11" name="TextBox 11"/>
+          <p:cNvSpPr txBox="1"/>
+          <p:nvPr/>
+        </p:nvSpPr>
+        <p:spPr>
+          <a:xfrm>
+            <a:off x="8846320" y="7363600"/>
+            <a:ext cx="3676055" cy="418320"/>
+          </a:xfrm>
+          <a:prstGeom prst="rect">
+            <a:avLst/>
+          </a:prstGeom>
+        </p:spPr>
+        <p:txBody>
+          <a:bodyPr wrap="square" lIns="0" tIns="0" rIns="0" bIns="0" rtlCol="0" anchor="t">
+            <a:spAutoFit/>
+          </a:bodyPr>
+          <a:lstStyle/>
+          <a:p>
+            <a:pPr algn="ctr">
+              <a:lnSpc>
+                <a:spcPts val="3499"/>
+              </a:lnSpc>
+              <a:spcBef>
+                <a:spcPct val="0"/>
+              </a:spcBef>
+            </a:pPr>
+            <a:r>
+              <a:rPr lang="en-US" sz="2799" dirty="0">
+                <a:solidFill>
+                  <a:srgbClr val="000000"/>
+                </a:solidFill>
+                <a:latin typeface="Arimo Bold"/>
+                <a:ea typeface="Arimo Bold"/>
+                <a:cs typeface="Arimo Bold"/>
+                <a:sym typeface="Arimo Bold"/>
+              </a:rPr>
+              <a:t>Support Calls:  0.148</a:t>
+            </a:r>
+          </a:p>
+        </p:txBody>
+      </p:sp>
+      <p:sp>
+        <p:nvSpPr>
+          <p:cNvPr id="12" name="TextBox 12"/>
+          <p:cNvSpPr txBox="1"/>
+          <p:nvPr/>
+        </p:nvSpPr>
+        <p:spPr>
+          <a:xfrm>
+            <a:off x="14374488" y="7363599"/>
+            <a:ext cx="1856112" cy="418320"/>
+          </a:xfrm>
+          <a:prstGeom prst="rect">
+            <a:avLst/>
+          </a:prstGeom>
+        </p:spPr>
+        <p:txBody>
+          <a:bodyPr wrap="square" lIns="0" tIns="0" rIns="0" bIns="0" rtlCol="0" anchor="t">
+            <a:spAutoFit/>
+          </a:bodyPr>
+          <a:lstStyle/>
+          <a:p>
+            <a:pPr algn="ctr">
+              <a:lnSpc>
+                <a:spcPts val="3499"/>
+              </a:lnSpc>
+              <a:spcBef>
+                <a:spcPct val="0"/>
+              </a:spcBef>
+            </a:pPr>
+            <a:r>
+              <a:rPr lang="en-US" sz="2799" dirty="0">
+                <a:solidFill>
+                  <a:srgbClr val="000000"/>
+                </a:solidFill>
+                <a:latin typeface="Arimo Bold"/>
+                <a:ea typeface="Arimo Bold"/>
+                <a:cs typeface="Arimo Bold"/>
+                <a:sym typeface="Arimo Bold"/>
+              </a:rPr>
+              <a:t>Age:  0.12</a:t>
+            </a:r>
+          </a:p>
+        </p:txBody>
+      </p:sp>
+      <p:sp>
+        <p:nvSpPr>
+          <p:cNvPr id="13" name="TextBox 13"/>
+          <p:cNvSpPr txBox="1"/>
+          <p:nvPr/>
+        </p:nvSpPr>
+        <p:spPr>
+          <a:xfrm>
+            <a:off x="9409248" y="7974469"/>
+            <a:ext cx="2391489" cy="448945"/>
+          </a:xfrm>
+          <a:prstGeom prst="rect">
+            <a:avLst/>
+          </a:prstGeom>
+        </p:spPr>
+        <p:txBody>
+          <a:bodyPr lIns="0" tIns="0" rIns="0" bIns="0" rtlCol="0" anchor="t">
+            <a:spAutoFit/>
+          </a:bodyPr>
+          <a:lstStyle/>
+          <a:p>
+            <a:pPr algn="ctr">
+              <a:lnSpc>
+                <a:spcPts val="3499"/>
+              </a:lnSpc>
+              <a:spcBef>
+                <a:spcPct val="0"/>
+              </a:spcBef>
+            </a:pPr>
+            <a:r>
+              <a:rPr lang="en-US" sz="2799">
+                <a:solidFill>
+                  <a:srgbClr val="000000"/>
+                </a:solidFill>
+                <a:latin typeface="Arimo Bold"/>
+                <a:ea typeface="Arimo Bold"/>
+                <a:cs typeface="Arimo Bold"/>
+                <a:sym typeface="Arimo Bold"/>
+              </a:rPr>
+              <a:t>Tenure:  0.083</a:t>
+            </a:r>
+          </a:p>
+        </p:txBody>
+      </p:sp>
+      <p:sp>
+        <p:nvSpPr>
+          <p:cNvPr id="14" name="TextBox 8">
+            <a:extLst>
+              <a:ext uri="{FF2B5EF4-FFF2-40B4-BE49-F238E27FC236}">
+                <a16:creationId xmlns:a16="http://schemas.microsoft.com/office/drawing/2014/main" id="{8315609A-43EA-A006-D827-D03492BB3A8A}"/>
+              </a:ext>
+            </a:extLst>
+          </p:cNvPr>
+          <p:cNvSpPr txBox="1"/>
+          <p:nvPr/>
+        </p:nvSpPr>
+        <p:spPr>
+          <a:xfrm>
+            <a:off x="6629400" y="9123176"/>
+            <a:ext cx="13698505" cy="591509"/>
+          </a:xfrm>
+          <a:prstGeom prst="rect">
+            <a:avLst/>
+          </a:prstGeom>
+        </p:spPr>
+        <p:txBody>
+          <a:bodyPr wrap="square" lIns="0" tIns="0" rIns="0" bIns="0" rtlCol="0" anchor="t">
             <a:spAutoFit/>
           </a:bodyPr>
           <a:lstStyle/>
@@ -14268,7 +18838,7 @@
               </a:spcBef>
             </a:pPr>
             <a:r>
-              <a:rPr lang="en-US" sz="4200">
+              <a:rPr lang="en-US" sz="2800" dirty="0" err="1">
                 <a:solidFill>
                   <a:srgbClr val="000000"/>
                 </a:solidFill>
@@ -14277,10 +18847,70 @@
                 <a:cs typeface="Arimo"/>
                 <a:sym typeface="Arimo"/>
               </a:rPr>
-              <a:t>Subscribtion  Type</a:t>
-            </a:r>
-            <a:r>
-              <a:rPr lang="en-US" sz="4200">
+              <a:t>Subscribtion</a:t>
+            </a:r>
+            <a:r>
+              <a:rPr lang="en-US" sz="2800" dirty="0">
+                <a:solidFill>
+                  <a:srgbClr val="000000"/>
+                </a:solidFill>
+                <a:latin typeface="Arimo"/>
+                <a:ea typeface="Arimo"/>
+                <a:cs typeface="Arimo"/>
+                <a:sym typeface="Arimo"/>
+              </a:rPr>
+              <a:t> Type</a:t>
+            </a:r>
+            <a:r>
+              <a:rPr lang="zh-TW" altLang="en-US" sz="2800" dirty="0">
+                <a:solidFill>
+                  <a:srgbClr val="000000"/>
+                </a:solidFill>
+                <a:latin typeface="Arimo"/>
+                <a:ea typeface="Arimo"/>
+                <a:cs typeface="Arimo"/>
+                <a:sym typeface="Arimo"/>
+              </a:rPr>
+              <a:t> </a:t>
+            </a:r>
+            <a:r>
+              <a:rPr lang="en-US" altLang="zh-TW" sz="2800" dirty="0">
+                <a:solidFill>
+                  <a:srgbClr val="000000"/>
+                </a:solidFill>
+                <a:latin typeface="Arimo"/>
+                <a:ea typeface="Arimo"/>
+                <a:cs typeface="Arimo"/>
+                <a:sym typeface="Arimo"/>
+              </a:rPr>
+              <a:t>and</a:t>
+            </a:r>
+            <a:r>
+              <a:rPr lang="zh-TW" altLang="en-US" sz="2800" dirty="0">
+                <a:solidFill>
+                  <a:srgbClr val="000000"/>
+                </a:solidFill>
+                <a:latin typeface="Arimo"/>
+                <a:ea typeface="Arimo"/>
+                <a:cs typeface="Arimo"/>
+                <a:sym typeface="Arimo"/>
+              </a:rPr>
+              <a:t> </a:t>
+            </a:r>
+            <a:r>
+              <a:rPr lang="en-US" altLang="zh-TW" sz="2800" dirty="0">
+                <a:solidFill>
+                  <a:srgbClr val="000000"/>
+                </a:solidFill>
+                <a:latin typeface="Arimo"/>
+                <a:ea typeface="Arimo"/>
+                <a:cs typeface="Arimo"/>
+                <a:sym typeface="Arimo"/>
+              </a:rPr>
+              <a:t>Contract Length </a:t>
+            </a:r>
+            <a:r>
+              <a:rPr lang="en-US" sz="2800" dirty="0">
                 <a:solidFill>
                   <a:srgbClr val="000000"/>
                 </a:solidFill>
@@ -14292,7 +18922,7 @@
               <a:t>→ </a:t>
             </a:r>
             <a:r>
-              <a:rPr lang="en-US" sz="4200">
+              <a:rPr lang="en-US" sz="2800" dirty="0">
                 <a:solidFill>
                   <a:srgbClr val="000000"/>
                 </a:solidFill>
@@ -14301,42 +18931,10 @@
                 <a:cs typeface="Arimo"/>
                 <a:sym typeface="Arimo"/>
               </a:rPr>
-              <a:t>Premium, Standard, Basic </a:t>
-            </a:r>
-          </a:p>
-        </p:txBody>
-      </p:sp>
-      <p:sp>
-        <p:nvSpPr>
-          <p:cNvPr id="9" name="TextBox 9"/>
-          <p:cNvSpPr txBox="1"/>
-          <p:nvPr/>
-        </p:nvSpPr>
-        <p:spPr>
-          <a:xfrm>
-            <a:off x="2294747" y="7701635"/>
-            <a:ext cx="13698505" cy="678120"/>
-          </a:xfrm>
-          <a:prstGeom prst="rect">
-            <a:avLst/>
-          </a:prstGeom>
-        </p:spPr>
-        <p:txBody>
-          <a:bodyPr lIns="0" tIns="0" rIns="0" bIns="0" rtlCol="0" anchor="t">
-            <a:spAutoFit/>
-          </a:bodyPr>
-          <a:lstStyle/>
-          <a:p>
-            <a:pPr algn="ctr">
-              <a:lnSpc>
-                <a:spcPts val="5250"/>
-              </a:lnSpc>
-              <a:spcBef>
-                <a:spcPct val="0"/>
-              </a:spcBef>
-            </a:pPr>
-            <a:r>
-              <a:rPr lang="en-US" sz="4200">
+              <a:t>0</a:t>
+            </a:r>
+            <a:r>
+              <a:rPr lang="en-US" altLang="zh-TW" sz="2800" dirty="0">
                 <a:solidFill>
                   <a:srgbClr val="000000"/>
                 </a:solidFill>
@@ -14345,32 +18943,17 @@
                 <a:cs typeface="Arimo"/>
                 <a:sym typeface="Arimo"/>
               </a:rPr>
-              <a:t>Contract  Length</a:t>
-            </a:r>
-            <a:r>
-              <a:rPr lang="en-US" sz="4200">
-                <a:solidFill>
-                  <a:srgbClr val="000000"/>
-                </a:solidFill>
-                <a:latin typeface="Arimo Bold"/>
-                <a:ea typeface="Arimo Bold"/>
-                <a:cs typeface="Arimo Bold"/>
-                <a:sym typeface="Arimo Bold"/>
-              </a:rPr>
-              <a:t>→ </a:t>
-            </a:r>
-            <a:r>
-              <a:rPr lang="en-US" sz="4200">
-                <a:solidFill>
-                  <a:srgbClr val="000000"/>
-                </a:solidFill>
-                <a:latin typeface="Arimo"/>
-                <a:ea typeface="Arimo"/>
-                <a:cs typeface="Arimo"/>
-                <a:sym typeface="Arimo"/>
-              </a:rPr>
-              <a:t>Monthly, Quarterly, Annual </a:t>
-            </a:r>
+              <a:t>,1,2</a:t>
+            </a:r>
+            <a:endParaRPr lang="en-US" sz="2800" dirty="0">
+              <a:solidFill>
+                <a:srgbClr val="000000"/>
+              </a:solidFill>
+              <a:latin typeface="Arimo"/>
+              <a:ea typeface="Arimo"/>
+              <a:cs typeface="Arimo"/>
+              <a:sym typeface="Arimo"/>
+            </a:endParaRPr>
           </a:p>
         </p:txBody>
       </p:sp>
@@ -14524,8 +19107,8 @@
         </p:nvSpPr>
         <p:spPr>
           <a:xfrm>
-            <a:off x="1028700" y="2118367"/>
-            <a:ext cx="7288595" cy="6563291"/>
+            <a:off x="1556298" y="2467550"/>
+            <a:ext cx="7587702" cy="6156060"/>
           </a:xfrm>
           <a:custGeom>
             <a:avLst/>
@@ -14534,18 +19117,18 @@
             <a:cxnLst/>
             <a:rect l="l" t="t" r="r" b="b"/>
             <a:pathLst>
-              <a:path w="7288595" h="6563291">
+              <a:path w="7587702" h="6156060">
                 <a:moveTo>
                   <a:pt x="0" y="0"/>
                 </a:moveTo>
                 <a:lnTo>
-                  <a:pt x="7288595" y="0"/>
-                </a:lnTo>
-                <a:lnTo>
-                  <a:pt x="7288595" y="6563291"/>
-                </a:lnTo>
-                <a:lnTo>
-                  <a:pt x="0" y="6563291"/>
+                  <a:pt x="7587702" y="0"/>
+                </a:lnTo>
+                <a:lnTo>
+                  <a:pt x="7587702" y="6156060"/>
+                </a:lnTo>
+                <a:lnTo>
+                  <a:pt x="0" y="6156060"/>
                 </a:lnTo>
                 <a:lnTo>
                   <a:pt x="0" y="0"/>
@@ -14577,8 +19160,8 @@
         </p:nvSpPr>
         <p:spPr>
           <a:xfrm>
-            <a:off x="8317295" y="2118367"/>
-            <a:ext cx="9571839" cy="4466858"/>
+            <a:off x="9795693" y="2701986"/>
+            <a:ext cx="5282005" cy="2813242"/>
           </a:xfrm>
           <a:custGeom>
             <a:avLst/>
@@ -14587,18 +19170,18 @@
             <a:cxnLst/>
             <a:rect l="l" t="t" r="r" b="b"/>
             <a:pathLst>
-              <a:path w="9571839" h="4466858">
+              <a:path w="5282005" h="2813242">
                 <a:moveTo>
                   <a:pt x="0" y="0"/>
                 </a:moveTo>
                 <a:lnTo>
-                  <a:pt x="9571839" y="0"/>
-                </a:lnTo>
-                <a:lnTo>
-                  <a:pt x="9571839" y="4466858"/>
-                </a:lnTo>
-                <a:lnTo>
-                  <a:pt x="0" y="4466858"/>
+                  <a:pt x="5282004" y="0"/>
+                </a:lnTo>
+                <a:lnTo>
+                  <a:pt x="5282004" y="2813242"/>
+                </a:lnTo>
+                <a:lnTo>
+                  <a:pt x="0" y="2813242"/>
                 </a:lnTo>
                 <a:lnTo>
                   <a:pt x="0" y="0"/>
@@ -14658,7 +19241,7 @@
                 <a:cs typeface="Arimo Bold"/>
                 <a:sym typeface="Arimo Bold"/>
               </a:rPr>
-              <a:t>One-Hot  vs Ordinal Encoding</a:t>
+              <a:t>Imply Prior Knowledge</a:t>
             </a:r>
           </a:p>
         </p:txBody>
@@ -14671,96 +19254,8 @@
         </p:nvSpPr>
         <p:spPr>
           <a:xfrm>
-            <a:off x="5895476" y="9065977"/>
-            <a:ext cx="6468189" cy="836704"/>
-          </a:xfrm>
-          <a:prstGeom prst="rect">
-            <a:avLst/>
-          </a:prstGeom>
-        </p:spPr>
-        <p:txBody>
-          <a:bodyPr wrap="square" lIns="0" tIns="0" rIns="0" bIns="0" rtlCol="0" anchor="t">
-            <a:spAutoFit/>
-          </a:bodyPr>
-          <a:lstStyle/>
-          <a:p>
-            <a:pPr algn="ctr">
-              <a:lnSpc>
-                <a:spcPts val="7000"/>
-              </a:lnSpc>
-              <a:spcBef>
-                <a:spcPct val="0"/>
-              </a:spcBef>
-            </a:pPr>
-            <a:r>
-              <a:rPr lang="en-US" sz="5600" dirty="0">
-                <a:solidFill>
-                  <a:srgbClr val="000000"/>
-                </a:solidFill>
-                <a:latin typeface="Arimo Bold"/>
-                <a:ea typeface="Arimo Bold"/>
-                <a:cs typeface="Arimo Bold"/>
-                <a:sym typeface="Arimo Bold"/>
-              </a:rPr>
-              <a:t>Ordinal Encoding</a:t>
-            </a:r>
-          </a:p>
-        </p:txBody>
-      </p:sp>
-      <p:sp>
-        <p:nvSpPr>
-          <p:cNvPr id="9" name="TextBox 9"/>
-          <p:cNvSpPr txBox="1"/>
-          <p:nvPr/>
-        </p:nvSpPr>
-        <p:spPr>
-          <a:xfrm>
-            <a:off x="8687611" y="6749939"/>
-            <a:ext cx="3961589" cy="418321"/>
-          </a:xfrm>
-          <a:prstGeom prst="rect">
-            <a:avLst/>
-          </a:prstGeom>
-        </p:spPr>
-        <p:txBody>
-          <a:bodyPr wrap="square" lIns="0" tIns="0" rIns="0" bIns="0" rtlCol="0" anchor="t">
-            <a:spAutoFit/>
-          </a:bodyPr>
-          <a:lstStyle/>
-          <a:p>
-            <a:pPr algn="ctr">
-              <a:lnSpc>
-                <a:spcPts val="3499"/>
-              </a:lnSpc>
-              <a:spcBef>
-                <a:spcPct val="0"/>
-              </a:spcBef>
-            </a:pPr>
-            <a:r>
-              <a:rPr lang="en-US" sz="2799" dirty="0">
-                <a:solidFill>
-                  <a:srgbClr val="000000"/>
-                </a:solidFill>
-                <a:latin typeface="Arimo Bold"/>
-                <a:ea typeface="Arimo Bold"/>
-                <a:cs typeface="Arimo Bold"/>
-                <a:sym typeface="Arimo Bold"/>
-              </a:rPr>
-              <a:t>Payment  Delay:  0.223</a:t>
-            </a:r>
-          </a:p>
-        </p:txBody>
-      </p:sp>
-      <p:sp>
-        <p:nvSpPr>
-          <p:cNvPr id="10" name="TextBox 10"/>
-          <p:cNvSpPr txBox="1"/>
-          <p:nvPr/>
-        </p:nvSpPr>
-        <p:spPr>
-          <a:xfrm>
-            <a:off x="13178743" y="6749939"/>
-            <a:ext cx="6157316" cy="448885"/>
+            <a:off x="10519223" y="6513507"/>
+            <a:ext cx="3834943" cy="448885"/>
           </a:xfrm>
           <a:prstGeom prst="rect">
             <a:avLst/>
@@ -14772,7 +19267,7 @@
           </a:bodyPr>
           <a:lstStyle/>
           <a:p>
-            <a:pPr algn="l">
+            <a:pPr algn="ctr">
               <a:lnSpc>
                 <a:spcPts val="3499"/>
               </a:lnSpc>
@@ -14790,109 +19285,21 @@
                 <a:cs typeface="Arimo Bold"/>
                 <a:sym typeface="Arimo Bold"/>
               </a:rPr>
-              <a:t>Usage Frequency:  -0.18</a:t>
-            </a:r>
-          </a:p>
-        </p:txBody>
-      </p:sp>
-      <p:sp>
-        <p:nvSpPr>
-          <p:cNvPr id="11" name="TextBox 11"/>
+              <a:t>Payment  Delay: 0.223 </a:t>
+            </a:r>
+          </a:p>
+        </p:txBody>
+      </p:sp>
+      <p:sp>
+        <p:nvSpPr>
+          <p:cNvPr id="9" name="TextBox 9"/>
           <p:cNvSpPr txBox="1"/>
           <p:nvPr/>
         </p:nvSpPr>
         <p:spPr>
           <a:xfrm>
-            <a:off x="8846320" y="7363600"/>
-            <a:ext cx="3676055" cy="418320"/>
-          </a:xfrm>
-          <a:prstGeom prst="rect">
-            <a:avLst/>
-          </a:prstGeom>
-        </p:spPr>
-        <p:txBody>
-          <a:bodyPr wrap="square" lIns="0" tIns="0" rIns="0" bIns="0" rtlCol="0" anchor="t">
-            <a:spAutoFit/>
-          </a:bodyPr>
-          <a:lstStyle/>
-          <a:p>
-            <a:pPr algn="ctr">
-              <a:lnSpc>
-                <a:spcPts val="3499"/>
-              </a:lnSpc>
-              <a:spcBef>
-                <a:spcPct val="0"/>
-              </a:spcBef>
-            </a:pPr>
-            <a:r>
-              <a:rPr lang="en-US" sz="2799" dirty="0">
-                <a:solidFill>
-                  <a:srgbClr val="000000"/>
-                </a:solidFill>
-                <a:latin typeface="Arimo Bold"/>
-                <a:ea typeface="Arimo Bold"/>
-                <a:cs typeface="Arimo Bold"/>
-                <a:sym typeface="Arimo Bold"/>
-              </a:rPr>
-              <a:t>Support Calls:  0.148</a:t>
-            </a:r>
-          </a:p>
-        </p:txBody>
-      </p:sp>
-      <p:sp>
-        <p:nvSpPr>
-          <p:cNvPr id="12" name="TextBox 12"/>
-          <p:cNvSpPr txBox="1"/>
-          <p:nvPr/>
-        </p:nvSpPr>
-        <p:spPr>
-          <a:xfrm>
-            <a:off x="14374488" y="7363599"/>
-            <a:ext cx="1856112" cy="418320"/>
-          </a:xfrm>
-          <a:prstGeom prst="rect">
-            <a:avLst/>
-          </a:prstGeom>
-        </p:spPr>
-        <p:txBody>
-          <a:bodyPr wrap="square" lIns="0" tIns="0" rIns="0" bIns="0" rtlCol="0" anchor="t">
-            <a:spAutoFit/>
-          </a:bodyPr>
-          <a:lstStyle/>
-          <a:p>
-            <a:pPr algn="ctr">
-              <a:lnSpc>
-                <a:spcPts val="3499"/>
-              </a:lnSpc>
-              <a:spcBef>
-                <a:spcPct val="0"/>
-              </a:spcBef>
-            </a:pPr>
-            <a:r>
-              <a:rPr lang="en-US" sz="2799" dirty="0">
-                <a:solidFill>
-                  <a:srgbClr val="000000"/>
-                </a:solidFill>
-                <a:latin typeface="Arimo Bold"/>
-                <a:ea typeface="Arimo Bold"/>
-                <a:cs typeface="Arimo Bold"/>
-                <a:sym typeface="Arimo Bold"/>
-              </a:rPr>
-              <a:t>Age:  0.12</a:t>
-            </a:r>
-          </a:p>
-        </p:txBody>
-      </p:sp>
-      <p:sp>
-        <p:nvSpPr>
-          <p:cNvPr id="13" name="TextBox 13"/>
-          <p:cNvSpPr txBox="1"/>
-          <p:nvPr/>
-        </p:nvSpPr>
-        <p:spPr>
-          <a:xfrm>
-            <a:off x="9409248" y="7974469"/>
-            <a:ext cx="2391489" cy="448945"/>
+            <a:off x="10519223" y="7581517"/>
+            <a:ext cx="6157316" cy="448885"/>
           </a:xfrm>
           <a:prstGeom prst="rect">
             <a:avLst/>
@@ -14904,7 +19311,7 @@
           </a:bodyPr>
           <a:lstStyle/>
           <a:p>
-            <a:pPr algn="ctr">
+            <a:pPr algn="l">
               <a:lnSpc>
                 <a:spcPts val="3499"/>
               </a:lnSpc>
@@ -14922,7 +19329,51 @@
                 <a:cs typeface="Arimo Bold"/>
                 <a:sym typeface="Arimo Bold"/>
               </a:rPr>
-              <a:t>Tenure:  0.083</a:t>
+              <a:t>Usage Frequency: -0.18</a:t>
+            </a:r>
+          </a:p>
+        </p:txBody>
+      </p:sp>
+      <p:sp>
+        <p:nvSpPr>
+          <p:cNvPr id="10" name="TextBox 10"/>
+          <p:cNvSpPr txBox="1"/>
+          <p:nvPr/>
+        </p:nvSpPr>
+        <p:spPr>
+          <a:xfrm>
+            <a:off x="615070" y="1379200"/>
+            <a:ext cx="12660153" cy="614045"/>
+          </a:xfrm>
+          <a:prstGeom prst="rect">
+            <a:avLst/>
+          </a:prstGeom>
+        </p:spPr>
+        <p:txBody>
+          <a:bodyPr lIns="0" tIns="0" rIns="0" bIns="0" rtlCol="0" anchor="t">
+            <a:spAutoFit/>
+          </a:bodyPr>
+          <a:lstStyle/>
+          <a:p>
+            <a:pPr algn="ctr">
+              <a:lnSpc>
+                <a:spcPts val="4750"/>
+              </a:lnSpc>
+              <a:spcBef>
+                <a:spcPct val="0"/>
+              </a:spcBef>
+            </a:pPr>
+            <a:r>
+              <a:rPr lang="en-US" sz="3800" dirty="0">
+                <a:solidFill>
+                  <a:srgbClr val="000000"/>
+                </a:solidFill>
+                <a:latin typeface="Arimo Bold"/>
+                <a:ea typeface="Arimo Bold"/>
+                <a:cs typeface="Arimo Bold"/>
+                <a:sym typeface="Arimo Bold"/>
+              </a:rPr>
+              <a:t>(There’s no factor that can change "age" and "gender")</a:t>
             </a:r>
           </a:p>
         </p:txBody>
@@ -15077,8 +19528,8 @@
         </p:nvSpPr>
         <p:spPr>
           <a:xfrm>
-            <a:off x="1556298" y="2467550"/>
-            <a:ext cx="7587702" cy="6156060"/>
+            <a:off x="1448157" y="2030334"/>
+            <a:ext cx="7023030" cy="6550533"/>
           </a:xfrm>
           <a:custGeom>
             <a:avLst/>
@@ -15087,18 +19538,18 @@
             <a:cxnLst/>
             <a:rect l="l" t="t" r="r" b="b"/>
             <a:pathLst>
-              <a:path w="7587702" h="6156060">
+              <a:path w="7023030" h="6550533">
                 <a:moveTo>
                   <a:pt x="0" y="0"/>
                 </a:moveTo>
                 <a:lnTo>
-                  <a:pt x="7587702" y="0"/>
-                </a:lnTo>
-                <a:lnTo>
-                  <a:pt x="7587702" y="6156060"/>
-                </a:lnTo>
-                <a:lnTo>
-                  <a:pt x="0" y="6156060"/>
+                  <a:pt x="7023031" y="0"/>
+                </a:lnTo>
+                <a:lnTo>
+                  <a:pt x="7023031" y="6550533"/>
+                </a:lnTo>
+                <a:lnTo>
+                  <a:pt x="0" y="6550533"/>
                 </a:lnTo>
                 <a:lnTo>
                   <a:pt x="0" y="0"/>
@@ -15130,8 +19581,8 @@
         </p:nvSpPr>
         <p:spPr>
           <a:xfrm>
-            <a:off x="9795693" y="2701986"/>
-            <a:ext cx="5282005" cy="2813242"/>
+            <a:off x="8610600" y="2030334"/>
+            <a:ext cx="8238892" cy="3627072"/>
           </a:xfrm>
           <a:custGeom>
             <a:avLst/>
@@ -15140,18 +19591,18 @@
             <a:cxnLst/>
             <a:rect l="l" t="t" r="r" b="b"/>
             <a:pathLst>
-              <a:path w="5282005" h="2813242">
+              <a:path w="8003171" h="3550540">
                 <a:moveTo>
                   <a:pt x="0" y="0"/>
                 </a:moveTo>
                 <a:lnTo>
-                  <a:pt x="5282004" y="0"/>
-                </a:lnTo>
-                <a:lnTo>
-                  <a:pt x="5282004" y="2813242"/>
-                </a:lnTo>
-                <a:lnTo>
-                  <a:pt x="0" y="2813242"/>
+                  <a:pt x="8003171" y="0"/>
+                </a:lnTo>
+                <a:lnTo>
+                  <a:pt x="8003171" y="3550539"/>
+                </a:lnTo>
+                <a:lnTo>
+                  <a:pt x="0" y="3550539"/>
                 </a:lnTo>
                 <a:lnTo>
                   <a:pt x="0" y="0"/>
@@ -15183,26 +19634,29 @@
         </p:nvSpPr>
         <p:spPr>
           <a:xfrm>
-            <a:off x="615070" y="500360"/>
-            <a:ext cx="18361245" cy="916940"/>
-          </a:xfrm>
-          <a:prstGeom prst="rect">
-            <a:avLst/>
-          </a:prstGeom>
-        </p:spPr>
-        <p:txBody>
-          <a:bodyPr lIns="0" tIns="0" rIns="0" bIns="0" rtlCol="0" anchor="t">
+            <a:off x="533400" y="513299"/>
+            <a:ext cx="17221200" cy="836704"/>
+          </a:xfrm>
+          <a:prstGeom prst="rect">
+            <a:avLst/>
+          </a:prstGeom>
+        </p:spPr>
+        <p:txBody>
+          <a:bodyPr wrap="square" lIns="0" tIns="0" rIns="0" bIns="0" rtlCol="0" anchor="t">
             <a:spAutoFit/>
           </a:bodyPr>
           <a:lstStyle/>
           <a:p>
-            <a:pPr algn="l">
+            <a:pPr>
               <a:lnSpc>
                 <a:spcPts val="7000"/>
               </a:lnSpc>
+              <a:spcBef>
+                <a:spcPct val="0"/>
+              </a:spcBef>
             </a:pPr>
             <a:r>
-              <a:rPr lang="en-US" sz="5600">
+              <a:rPr lang="en-US" sz="5600" dirty="0">
                 <a:solidFill>
                   <a:srgbClr val="000000"/>
                 </a:solidFill>
@@ -15211,7 +19665,31 @@
                 <a:cs typeface="Arimo Bold"/>
                 <a:sym typeface="Arimo Bold"/>
               </a:rPr>
-              <a:t>Imply Prior Knowledge</a:t>
+              <a:t>Ordinal Encoding(Gender:</a:t>
+            </a:r>
+            <a:r>
+              <a:rPr lang="zh-TW" altLang="en-US" sz="5600" dirty="0">
+                <a:solidFill>
+                  <a:srgbClr val="000000"/>
+                </a:solidFill>
+                <a:latin typeface="Arimo Bold"/>
+                <a:ea typeface="Arimo Bold"/>
+                <a:cs typeface="Arimo Bold"/>
+                <a:sym typeface="Arimo Bold"/>
+              </a:rPr>
+              <a:t> </a:t>
+            </a:r>
+            <a:r>
+              <a:rPr lang="en-US" sz="5600" dirty="0">
+                <a:solidFill>
+                  <a:srgbClr val="000000"/>
+                </a:solidFill>
+                <a:latin typeface="Arimo Bold"/>
+                <a:ea typeface="Arimo Bold"/>
+                <a:cs typeface="Arimo Bold"/>
+                <a:sym typeface="Arimo Bold"/>
+              </a:rPr>
+              <a:t>Int)</a:t>
             </a:r>
           </a:p>
         </p:txBody>
@@ -15224,8 +19702,52 @@
         </p:nvSpPr>
         <p:spPr>
           <a:xfrm>
-            <a:off x="10519223" y="6513507"/>
-            <a:ext cx="3834943" cy="448885"/>
+            <a:off x="8997505" y="6501097"/>
+            <a:ext cx="3984325" cy="418320"/>
+          </a:xfrm>
+          <a:prstGeom prst="rect">
+            <a:avLst/>
+          </a:prstGeom>
+        </p:spPr>
+        <p:txBody>
+          <a:bodyPr wrap="square" lIns="0" tIns="0" rIns="0" bIns="0" rtlCol="0" anchor="t">
+            <a:spAutoFit/>
+          </a:bodyPr>
+          <a:lstStyle/>
+          <a:p>
+            <a:pPr algn="ctr">
+              <a:lnSpc>
+                <a:spcPts val="3499"/>
+              </a:lnSpc>
+              <a:spcBef>
+                <a:spcPct val="0"/>
+              </a:spcBef>
+            </a:pPr>
+            <a:r>
+              <a:rPr lang="en-US" sz="2799" dirty="0">
+                <a:solidFill>
+                  <a:srgbClr val="000000"/>
+                </a:solidFill>
+                <a:latin typeface="Arimo Bold"/>
+                <a:ea typeface="Arimo Bold"/>
+                <a:cs typeface="Arimo Bold"/>
+                <a:sym typeface="Arimo Bold"/>
+              </a:rPr>
+              <a:t>Payment  Delay:  0.232</a:t>
+            </a:r>
+          </a:p>
+        </p:txBody>
+      </p:sp>
+      <p:sp>
+        <p:nvSpPr>
+          <p:cNvPr id="9" name="TextBox 9"/>
+          <p:cNvSpPr txBox="1"/>
+          <p:nvPr/>
+        </p:nvSpPr>
+        <p:spPr>
+          <a:xfrm>
+            <a:off x="8797952" y="7197633"/>
+            <a:ext cx="6157316" cy="448885"/>
           </a:xfrm>
           <a:prstGeom prst="rect">
             <a:avLst/>
@@ -15237,7 +19759,7 @@
           </a:bodyPr>
           <a:lstStyle/>
           <a:p>
-            <a:pPr algn="ctr">
+            <a:pPr algn="l">
               <a:lnSpc>
                 <a:spcPts val="3499"/>
               </a:lnSpc>
@@ -15255,33 +19777,33 @@
                 <a:cs typeface="Arimo Bold"/>
                 <a:sym typeface="Arimo Bold"/>
               </a:rPr>
-              <a:t>Payment  Delay: 0.223 </a:t>
-            </a:r>
-          </a:p>
-        </p:txBody>
-      </p:sp>
-      <p:sp>
-        <p:nvSpPr>
-          <p:cNvPr id="9" name="TextBox 9"/>
+              <a:t>Usage Frequency:  0.148</a:t>
+            </a:r>
+          </a:p>
+        </p:txBody>
+      </p:sp>
+      <p:sp>
+        <p:nvSpPr>
+          <p:cNvPr id="10" name="TextBox 10"/>
           <p:cNvSpPr txBox="1"/>
           <p:nvPr/>
         </p:nvSpPr>
         <p:spPr>
           <a:xfrm>
-            <a:off x="10519223" y="7581517"/>
-            <a:ext cx="6157316" cy="448885"/>
-          </a:xfrm>
-          <a:prstGeom prst="rect">
-            <a:avLst/>
-          </a:prstGeom>
-        </p:spPr>
-        <p:txBody>
-          <a:bodyPr lIns="0" tIns="0" rIns="0" bIns="0" rtlCol="0" anchor="t">
+            <a:off x="13407313" y="6501098"/>
+            <a:ext cx="3613118" cy="418320"/>
+          </a:xfrm>
+          <a:prstGeom prst="rect">
+            <a:avLst/>
+          </a:prstGeom>
+        </p:spPr>
+        <p:txBody>
+          <a:bodyPr wrap="square" lIns="0" tIns="0" rIns="0" bIns="0" rtlCol="0" anchor="t">
             <a:spAutoFit/>
           </a:bodyPr>
           <a:lstStyle/>
           <a:p>
-            <a:pPr algn="l">
+            <a:pPr algn="ctr">
               <a:lnSpc>
                 <a:spcPts val="3499"/>
               </a:lnSpc>
@@ -15290,7 +19812,7 @@
               </a:spcBef>
             </a:pPr>
             <a:r>
-              <a:rPr lang="en-US" sz="2799">
+              <a:rPr lang="en-US" sz="2799" dirty="0">
                 <a:solidFill>
                   <a:srgbClr val="000000"/>
                 </a:solidFill>
@@ -15299,42 +19821,42 @@
                 <a:cs typeface="Arimo Bold"/>
                 <a:sym typeface="Arimo Bold"/>
               </a:rPr>
-              <a:t>Usage Frequency: -0.18</a:t>
-            </a:r>
-          </a:p>
-        </p:txBody>
-      </p:sp>
-      <p:sp>
-        <p:nvSpPr>
-          <p:cNvPr id="10" name="TextBox 10"/>
+              <a:t>Support Calls:  0.159</a:t>
+            </a:r>
+          </a:p>
+        </p:txBody>
+      </p:sp>
+      <p:sp>
+        <p:nvSpPr>
+          <p:cNvPr id="11" name="TextBox 11"/>
           <p:cNvSpPr txBox="1"/>
           <p:nvPr/>
         </p:nvSpPr>
         <p:spPr>
           <a:xfrm>
-            <a:off x="615070" y="1379200"/>
-            <a:ext cx="12660153" cy="614045"/>
-          </a:xfrm>
-          <a:prstGeom prst="rect">
-            <a:avLst/>
-          </a:prstGeom>
-        </p:spPr>
-        <p:txBody>
-          <a:bodyPr lIns="0" tIns="0" rIns="0" bIns="0" rtlCol="0" anchor="t">
+            <a:off x="13940593" y="7197633"/>
+            <a:ext cx="2470237" cy="418320"/>
+          </a:xfrm>
+          <a:prstGeom prst="rect">
+            <a:avLst/>
+          </a:prstGeom>
+        </p:spPr>
+        <p:txBody>
+          <a:bodyPr wrap="square" lIns="0" tIns="0" rIns="0" bIns="0" rtlCol="0" anchor="t">
             <a:spAutoFit/>
           </a:bodyPr>
           <a:lstStyle/>
           <a:p>
             <a:pPr algn="ctr">
               <a:lnSpc>
-                <a:spcPts val="4750"/>
+                <a:spcPts val="3499"/>
               </a:lnSpc>
               <a:spcBef>
                 <a:spcPct val="0"/>
               </a:spcBef>
             </a:pPr>
             <a:r>
-              <a:rPr lang="en-US" sz="3800">
+              <a:rPr lang="en-US" sz="2799" dirty="0">
                 <a:solidFill>
                   <a:srgbClr val="000000"/>
                 </a:solidFill>
@@ -15343,7 +19865,7 @@
                 <a:cs typeface="Arimo Bold"/>
                 <a:sym typeface="Arimo Bold"/>
               </a:rPr>
-              <a:t>(There’s no factor that can change "age" and "gender")</a:t>
+              <a:t>Gender:  0.101</a:t>
             </a:r>
           </a:p>
         </p:txBody>
